--- a/操作系统原理课件/操作系统-ch1.pptx
+++ b/操作系统原理课件/操作系统-ch1.pptx
@@ -1,74 +1,74 @@
 
 <file path=ppt/presentation.xml><?xml version="1.0" encoding="utf-8"?>
-<p:presentation xmlns:a="http://schemas.openxmlformats.org/drawingml/2006/main" xmlns:r="http://schemas.openxmlformats.org/officeDocument/2006/relationships" xmlns:p="http://schemas.openxmlformats.org/presentationml/2006/main" saveSubsetFonts="1">
+<p:presentation xmlns:a="http://schemas.openxmlformats.org/drawingml/2006/main" xmlns:r="http://schemas.openxmlformats.org/officeDocument/2006/relationships" xmlns:p="http://schemas.openxmlformats.org/presentationml/2006/main">
   <p:sldMasterIdLst>
-    <p:sldMasterId id="2147483714" r:id="rId1"/>
+    <p:sldMasterId id="2147483648" r:id="rId1"/>
   </p:sldMasterIdLst>
   <p:sldIdLst>
-    <p:sldId id="257" r:id="rId2"/>
-    <p:sldId id="317" r:id="rId3"/>
-    <p:sldId id="259" r:id="rId4"/>
-    <p:sldId id="260" r:id="rId5"/>
-    <p:sldId id="261" r:id="rId6"/>
-    <p:sldId id="318" r:id="rId7"/>
-    <p:sldId id="319" r:id="rId8"/>
-    <p:sldId id="320" r:id="rId9"/>
-    <p:sldId id="322" r:id="rId10"/>
-    <p:sldId id="321" r:id="rId11"/>
-    <p:sldId id="265" r:id="rId12"/>
-    <p:sldId id="266" r:id="rId13"/>
-    <p:sldId id="310" r:id="rId14"/>
-    <p:sldId id="267" r:id="rId15"/>
-    <p:sldId id="323" r:id="rId16"/>
-    <p:sldId id="268" r:id="rId17"/>
-    <p:sldId id="313" r:id="rId18"/>
-    <p:sldId id="270" r:id="rId19"/>
-    <p:sldId id="271" r:id="rId20"/>
-    <p:sldId id="272" r:id="rId21"/>
-    <p:sldId id="273" r:id="rId22"/>
-    <p:sldId id="274" r:id="rId23"/>
-    <p:sldId id="275" r:id="rId24"/>
-    <p:sldId id="276" r:id="rId25"/>
-    <p:sldId id="277" r:id="rId26"/>
-    <p:sldId id="278" r:id="rId27"/>
-    <p:sldId id="279" r:id="rId28"/>
-    <p:sldId id="280" r:id="rId29"/>
-    <p:sldId id="282" r:id="rId30"/>
-    <p:sldId id="283" r:id="rId31"/>
-    <p:sldId id="284" r:id="rId32"/>
-    <p:sldId id="285" r:id="rId33"/>
-    <p:sldId id="286" r:id="rId34"/>
-    <p:sldId id="287" r:id="rId35"/>
-    <p:sldId id="288" r:id="rId36"/>
-    <p:sldId id="315" r:id="rId37"/>
-    <p:sldId id="289" r:id="rId38"/>
-    <p:sldId id="290" r:id="rId39"/>
-    <p:sldId id="292" r:id="rId40"/>
-    <p:sldId id="293" r:id="rId41"/>
-    <p:sldId id="294" r:id="rId42"/>
-    <p:sldId id="295" r:id="rId43"/>
-    <p:sldId id="296" r:id="rId44"/>
-    <p:sldId id="297" r:id="rId45"/>
-    <p:sldId id="298" r:id="rId46"/>
-    <p:sldId id="299" r:id="rId47"/>
-    <p:sldId id="300" r:id="rId48"/>
-    <p:sldId id="301" r:id="rId49"/>
-    <p:sldId id="302" r:id="rId50"/>
-    <p:sldId id="303" r:id="rId51"/>
-    <p:sldId id="304" r:id="rId52"/>
-    <p:sldId id="314" r:id="rId53"/>
-    <p:sldId id="325" r:id="rId54"/>
-    <p:sldId id="326" r:id="rId55"/>
-    <p:sldId id="305" r:id="rId56"/>
-    <p:sldId id="307" r:id="rId57"/>
-    <p:sldId id="330" r:id="rId58"/>
-    <p:sldId id="331" r:id="rId59"/>
-    <p:sldId id="332" r:id="rId60"/>
-    <p:sldId id="333" r:id="rId61"/>
-    <p:sldId id="334" r:id="rId62"/>
-    <p:sldId id="335" r:id="rId63"/>
-    <p:sldId id="327" r:id="rId64"/>
-    <p:sldId id="328" r:id="rId65"/>
+    <p:sldId id="257" r:id="rId3"/>
+    <p:sldId id="317" r:id="rId4"/>
+    <p:sldId id="259" r:id="rId5"/>
+    <p:sldId id="260" r:id="rId6"/>
+    <p:sldId id="261" r:id="rId7"/>
+    <p:sldId id="318" r:id="rId8"/>
+    <p:sldId id="319" r:id="rId9"/>
+    <p:sldId id="320" r:id="rId10"/>
+    <p:sldId id="322" r:id="rId11"/>
+    <p:sldId id="321" r:id="rId12"/>
+    <p:sldId id="265" r:id="rId13"/>
+    <p:sldId id="266" r:id="rId14"/>
+    <p:sldId id="310" r:id="rId15"/>
+    <p:sldId id="267" r:id="rId16"/>
+    <p:sldId id="323" r:id="rId17"/>
+    <p:sldId id="268" r:id="rId18"/>
+    <p:sldId id="313" r:id="rId19"/>
+    <p:sldId id="270" r:id="rId20"/>
+    <p:sldId id="271" r:id="rId21"/>
+    <p:sldId id="272" r:id="rId22"/>
+    <p:sldId id="273" r:id="rId23"/>
+    <p:sldId id="274" r:id="rId24"/>
+    <p:sldId id="275" r:id="rId25"/>
+    <p:sldId id="276" r:id="rId26"/>
+    <p:sldId id="277" r:id="rId27"/>
+    <p:sldId id="278" r:id="rId28"/>
+    <p:sldId id="279" r:id="rId29"/>
+    <p:sldId id="280" r:id="rId30"/>
+    <p:sldId id="282" r:id="rId31"/>
+    <p:sldId id="283" r:id="rId32"/>
+    <p:sldId id="284" r:id="rId33"/>
+    <p:sldId id="285" r:id="rId34"/>
+    <p:sldId id="286" r:id="rId35"/>
+    <p:sldId id="287" r:id="rId36"/>
+    <p:sldId id="288" r:id="rId37"/>
+    <p:sldId id="315" r:id="rId38"/>
+    <p:sldId id="289" r:id="rId39"/>
+    <p:sldId id="290" r:id="rId40"/>
+    <p:sldId id="292" r:id="rId41"/>
+    <p:sldId id="293" r:id="rId42"/>
+    <p:sldId id="294" r:id="rId43"/>
+    <p:sldId id="295" r:id="rId44"/>
+    <p:sldId id="296" r:id="rId45"/>
+    <p:sldId id="297" r:id="rId46"/>
+    <p:sldId id="298" r:id="rId47"/>
+    <p:sldId id="299" r:id="rId48"/>
+    <p:sldId id="300" r:id="rId49"/>
+    <p:sldId id="301" r:id="rId50"/>
+    <p:sldId id="302" r:id="rId51"/>
+    <p:sldId id="303" r:id="rId52"/>
+    <p:sldId id="304" r:id="rId53"/>
+    <p:sldId id="314" r:id="rId54"/>
+    <p:sldId id="325" r:id="rId55"/>
+    <p:sldId id="326" r:id="rId56"/>
+    <p:sldId id="305" r:id="rId57"/>
+    <p:sldId id="307" r:id="rId58"/>
+    <p:sldId id="330" r:id="rId59"/>
+    <p:sldId id="331" r:id="rId60"/>
+    <p:sldId id="332" r:id="rId61"/>
+    <p:sldId id="333" r:id="rId62"/>
+    <p:sldId id="334" r:id="rId63"/>
+    <p:sldId id="335" r:id="rId64"/>
+    <p:sldId id="327" r:id="rId65"/>
+    <p:sldId id="328" r:id="rId66"/>
   </p:sldIdLst>
   <p:sldSz cx="9144000" cy="6858000" type="screen4x3"/>
   <p:notesSz cx="6858000" cy="9144000"/>
@@ -167,22 +167,6 @@
       </a:defRPr>
     </a:lvl9pPr>
   </p:defaultTextStyle>
-  <p:extLst>
-    <p:ext uri="{EFAFB233-063F-42B5-8137-9DF3F51BA10A}">
-      <p15:sldGuideLst xmlns:p15="http://schemas.microsoft.com/office/powerpoint/2012/main">
-        <p15:guide id="1" orient="horz" pos="2160">
-          <p15:clr>
-            <a:srgbClr val="A4A3A4"/>
-          </p15:clr>
-        </p15:guide>
-        <p15:guide id="2" pos="2880">
-          <p15:clr>
-            <a:srgbClr val="A4A3A4"/>
-          </p15:clr>
-        </p15:guide>
-      </p15:sldGuideLst>
-    </p:ext>
-  </p:extLst>
 </p:presentation>
 </file>
 
@@ -435,8 +419,6 @@
                   <a:srgbClr val="1C1C1C"/>
                 </a:solidFill>
               </a:rPr>
-              <a:pPr/>
-              <a:t>2019/9/1</a:t>
             </a:fld>
             <a:endParaRPr lang="en-US" altLang="zh-CN">
               <a:solidFill>
@@ -498,8 +480,6 @@
                   <a:srgbClr val="1C1C1C"/>
                 </a:solidFill>
               </a:rPr>
-              <a:pPr/>
-              <a:t>‹#›</a:t>
             </a:fld>
             <a:endParaRPr lang="en-US" altLang="zh-CN">
               <a:solidFill>
@@ -577,6 +557,7 @@
               <a:rPr lang="zh-CN" altLang="en-US" smtClean="0"/>
               <a:t>单击此处编辑母版文本样式</a:t>
             </a:r>
+            <a:endParaRPr lang="zh-CN" altLang="en-US" smtClean="0"/>
           </a:p>
           <a:p>
             <a:pPr lvl="1" eaLnBrk="1" latinLnBrk="0" hangingPunct="1"/>
@@ -584,6 +565,7 @@
               <a:rPr lang="zh-CN" altLang="en-US" smtClean="0"/>
               <a:t>第二级</a:t>
             </a:r>
+            <a:endParaRPr lang="zh-CN" altLang="en-US" smtClean="0"/>
           </a:p>
           <a:p>
             <a:pPr lvl="2" eaLnBrk="1" latinLnBrk="0" hangingPunct="1"/>
@@ -591,6 +573,7 @@
               <a:rPr lang="zh-CN" altLang="en-US" smtClean="0"/>
               <a:t>第三级</a:t>
             </a:r>
+            <a:endParaRPr lang="zh-CN" altLang="en-US" smtClean="0"/>
           </a:p>
           <a:p>
             <a:pPr lvl="3" eaLnBrk="1" latinLnBrk="0" hangingPunct="1"/>
@@ -598,6 +581,7 @@
               <a:rPr lang="zh-CN" altLang="en-US" smtClean="0"/>
               <a:t>第四级</a:t>
             </a:r>
+            <a:endParaRPr lang="zh-CN" altLang="en-US" smtClean="0"/>
           </a:p>
           <a:p>
             <a:pPr lvl="4" eaLnBrk="1" latinLnBrk="0" hangingPunct="1"/>
@@ -626,8 +610,6 @@
           <a:p>
             <a:fld id="{D123443D-F730-43F5-ABB0-19D93569FDEF}" type="datetime1">
               <a:rPr lang="zh-CN" altLang="en-US" smtClean="0"/>
-              <a:pPr/>
-              <a:t>2019/9/1</a:t>
             </a:fld>
             <a:endParaRPr lang="en-US" altLang="zh-CN"/>
           </a:p>
@@ -673,8 +655,6 @@
           <a:p>
             <a:fld id="{FF3AC41C-7EF5-40B9-9913-13C7397896B5}" type="slidenum">
               <a:rPr lang="en-US" altLang="zh-CN" smtClean="0"/>
-              <a:pPr/>
-              <a:t>‹#›</a:t>
             </a:fld>
             <a:endParaRPr lang="en-US" altLang="zh-CN"/>
           </a:p>
@@ -822,6 +802,7 @@
               <a:rPr lang="zh-CN" altLang="en-US" smtClean="0"/>
               <a:t>单击此处编辑母版文本样式</a:t>
             </a:r>
+            <a:endParaRPr lang="zh-CN" altLang="en-US" smtClean="0"/>
           </a:p>
           <a:p>
             <a:pPr lvl="1" eaLnBrk="1" latinLnBrk="0" hangingPunct="1"/>
@@ -829,6 +810,7 @@
               <a:rPr lang="zh-CN" altLang="en-US" smtClean="0"/>
               <a:t>第二级</a:t>
             </a:r>
+            <a:endParaRPr lang="zh-CN" altLang="en-US" smtClean="0"/>
           </a:p>
           <a:p>
             <a:pPr lvl="2" eaLnBrk="1" latinLnBrk="0" hangingPunct="1"/>
@@ -836,6 +818,7 @@
               <a:rPr lang="zh-CN" altLang="en-US" smtClean="0"/>
               <a:t>第三级</a:t>
             </a:r>
+            <a:endParaRPr lang="zh-CN" altLang="en-US" smtClean="0"/>
           </a:p>
           <a:p>
             <a:pPr lvl="3" eaLnBrk="1" latinLnBrk="0" hangingPunct="1"/>
@@ -843,6 +826,7 @@
               <a:rPr lang="zh-CN" altLang="en-US" smtClean="0"/>
               <a:t>第四级</a:t>
             </a:r>
+            <a:endParaRPr lang="zh-CN" altLang="en-US" smtClean="0"/>
           </a:p>
           <a:p>
             <a:pPr lvl="4" eaLnBrk="1" latinLnBrk="0" hangingPunct="1"/>
@@ -871,8 +855,6 @@
           <a:p>
             <a:fld id="{347F64CD-3E8B-4BC3-A227-220FE5824C94}" type="datetime1">
               <a:rPr lang="zh-CN" altLang="en-US" smtClean="0"/>
-              <a:pPr/>
-              <a:t>2019/9/1</a:t>
             </a:fld>
             <a:endParaRPr lang="en-US" altLang="zh-CN"/>
           </a:p>
@@ -918,8 +900,6 @@
           <a:p>
             <a:fld id="{6323582E-02D2-41E4-9AA3-85FAE6843710}" type="slidenum">
               <a:rPr lang="en-US" altLang="zh-CN" smtClean="0"/>
-              <a:pPr/>
-              <a:t>‹#›</a:t>
             </a:fld>
             <a:endParaRPr lang="en-US" altLang="zh-CN"/>
           </a:p>
@@ -1003,6 +983,7 @@
               <a:rPr lang="zh-CN" altLang="en-US" smtClean="0"/>
               <a:t>单击此处编辑母版文本样式</a:t>
             </a:r>
+            <a:endParaRPr lang="zh-CN" altLang="en-US" smtClean="0"/>
           </a:p>
           <a:p>
             <a:pPr lvl="1"/>
@@ -1010,6 +991,7 @@
               <a:rPr lang="zh-CN" altLang="en-US" smtClean="0"/>
               <a:t>第二级</a:t>
             </a:r>
+            <a:endParaRPr lang="zh-CN" altLang="en-US" smtClean="0"/>
           </a:p>
           <a:p>
             <a:pPr lvl="2"/>
@@ -1017,6 +999,7 @@
               <a:rPr lang="zh-CN" altLang="en-US" smtClean="0"/>
               <a:t>第三级</a:t>
             </a:r>
+            <a:endParaRPr lang="zh-CN" altLang="en-US" smtClean="0"/>
           </a:p>
           <a:p>
             <a:pPr lvl="3"/>
@@ -1024,6 +1007,7 @@
               <a:rPr lang="zh-CN" altLang="en-US" smtClean="0"/>
               <a:t>第四级</a:t>
             </a:r>
+            <a:endParaRPr lang="zh-CN" altLang="en-US" smtClean="0"/>
           </a:p>
           <a:p>
             <a:pPr lvl="4"/>
@@ -1085,8 +1069,6 @@
           <a:p>
             <a:fld id="{05BF9547-435B-4546-89AE-40DE425CF88F}" type="datetime1">
               <a:rPr lang="zh-CN" altLang="en-US"/>
-              <a:pPr/>
-              <a:t>2019/9/1</a:t>
             </a:fld>
             <a:endParaRPr lang="en-US" altLang="zh-CN"/>
           </a:p>
@@ -1120,6 +1102,7 @@
               <a:rPr lang="en-US" altLang="zh-CN"/>
               <a:t>计算机操作系统</a:t>
             </a:r>
+            <a:endParaRPr lang="en-US" altLang="zh-CN"/>
           </a:p>
         </p:txBody>
       </p:sp>
@@ -1149,19 +1132,12 @@
           <a:p>
             <a:fld id="{CA258E16-A41D-475E-B3E3-73A3727E79FF}" type="slidenum">
               <a:rPr lang="en-US" altLang="zh-CN"/>
-              <a:pPr/>
-              <a:t>‹#›</a:t>
             </a:fld>
             <a:endParaRPr lang="en-US" altLang="zh-CN"/>
           </a:p>
         </p:txBody>
       </p:sp>
     </p:spTree>
-    <p:extLst>
-      <p:ext uri="{BB962C8B-B14F-4D97-AF65-F5344CB8AC3E}">
-        <p14:creationId xmlns:p14="http://schemas.microsoft.com/office/powerpoint/2010/main" val="2719313822"/>
-      </p:ext>
-    </p:extLst>
   </p:cSld>
   <p:clrMapOvr>
     <a:masterClrMapping/>
@@ -1334,6 +1310,7 @@
               <a:rPr lang="zh-CN" altLang="en-US" dirty="0" smtClean="0"/>
               <a:t>单击此处编辑母版文本样式</a:t>
             </a:r>
+            <a:endParaRPr lang="zh-CN" altLang="en-US" dirty="0" smtClean="0"/>
           </a:p>
           <a:p>
             <a:pPr lvl="1" eaLnBrk="1" latinLnBrk="0" hangingPunct="1"/>
@@ -1341,6 +1318,7 @@
               <a:rPr lang="zh-CN" altLang="en-US" dirty="0" smtClean="0"/>
               <a:t>第二级</a:t>
             </a:r>
+            <a:endParaRPr lang="zh-CN" altLang="en-US" dirty="0" smtClean="0"/>
           </a:p>
           <a:p>
             <a:pPr lvl="2" eaLnBrk="1" latinLnBrk="0" hangingPunct="1"/>
@@ -1348,6 +1326,7 @@
               <a:rPr lang="zh-CN" altLang="en-US" dirty="0" smtClean="0"/>
               <a:t>第三级</a:t>
             </a:r>
+            <a:endParaRPr lang="zh-CN" altLang="en-US" dirty="0" smtClean="0"/>
           </a:p>
           <a:p>
             <a:pPr lvl="3" eaLnBrk="1" latinLnBrk="0" hangingPunct="1"/>
@@ -1355,6 +1334,7 @@
               <a:rPr lang="zh-CN" altLang="en-US" dirty="0" smtClean="0"/>
               <a:t>第四级</a:t>
             </a:r>
+            <a:endParaRPr lang="zh-CN" altLang="en-US" dirty="0" smtClean="0"/>
           </a:p>
           <a:p>
             <a:pPr lvl="4" eaLnBrk="1" latinLnBrk="0" hangingPunct="1"/>
@@ -1388,8 +1368,6 @@
           <a:p>
             <a:fld id="{15DE9284-DF5F-4D71-B41E-B611952F77D5}" type="datetime1">
               <a:rPr lang="zh-CN" altLang="en-US" smtClean="0"/>
-              <a:pPr/>
-              <a:t>2019/9/1</a:t>
             </a:fld>
             <a:endParaRPr lang="en-US" altLang="zh-CN"/>
           </a:p>
@@ -1440,8 +1418,6 @@
           <a:p>
             <a:fld id="{A9B2FF18-6F55-4F31-A9D5-4570487BA2A7}" type="slidenum">
               <a:rPr lang="en-US" altLang="zh-CN" smtClean="0"/>
-              <a:pPr/>
-              <a:t>‹#›</a:t>
             </a:fld>
             <a:endParaRPr lang="en-US" altLang="zh-CN"/>
           </a:p>
@@ -1691,6 +1667,7 @@
               <a:rPr lang="zh-CN" altLang="en-US" smtClean="0"/>
               <a:t>单击此处编辑母版文本样式</a:t>
             </a:r>
+            <a:endParaRPr lang="zh-CN" altLang="en-US" smtClean="0"/>
           </a:p>
           <a:p>
             <a:pPr lvl="1" eaLnBrk="1" latinLnBrk="0" hangingPunct="1"/>
@@ -1698,6 +1675,7 @@
               <a:rPr lang="zh-CN" altLang="en-US" smtClean="0"/>
               <a:t>第二级</a:t>
             </a:r>
+            <a:endParaRPr lang="zh-CN" altLang="en-US" smtClean="0"/>
           </a:p>
           <a:p>
             <a:pPr lvl="2" eaLnBrk="1" latinLnBrk="0" hangingPunct="1"/>
@@ -1705,6 +1683,7 @@
               <a:rPr lang="zh-CN" altLang="en-US" smtClean="0"/>
               <a:t>第三级</a:t>
             </a:r>
+            <a:endParaRPr lang="zh-CN" altLang="en-US" smtClean="0"/>
           </a:p>
           <a:p>
             <a:pPr lvl="3" eaLnBrk="1" latinLnBrk="0" hangingPunct="1"/>
@@ -1712,6 +1691,7 @@
               <a:rPr lang="zh-CN" altLang="en-US" smtClean="0"/>
               <a:t>第四级</a:t>
             </a:r>
+            <a:endParaRPr lang="zh-CN" altLang="en-US" smtClean="0"/>
           </a:p>
           <a:p>
             <a:pPr lvl="4" eaLnBrk="1" latinLnBrk="0" hangingPunct="1"/>
@@ -1740,8 +1720,6 @@
           <a:p>
             <a:fld id="{D269A3AC-887A-4913-A939-DD40C1B7B5DE}" type="datetime1">
               <a:rPr lang="zh-CN" altLang="en-US" smtClean="0"/>
-              <a:pPr/>
-              <a:t>2019/9/1</a:t>
             </a:fld>
             <a:endParaRPr lang="en-US" altLang="zh-CN"/>
           </a:p>
@@ -1787,8 +1765,6 @@
           <a:p>
             <a:fld id="{6F49DF37-A8AC-4761-9401-3595F04DA03A}" type="slidenum">
               <a:rPr lang="en-US" altLang="zh-CN" smtClean="0"/>
-              <a:pPr/>
-              <a:t>‹#›</a:t>
             </a:fld>
             <a:endParaRPr lang="en-US" altLang="zh-CN"/>
           </a:p>
@@ -1959,6 +1935,7 @@
               <a:rPr lang="zh-CN" altLang="en-US" smtClean="0"/>
               <a:t>单击此处编辑母版文本样式</a:t>
             </a:r>
+            <a:endParaRPr lang="zh-CN" altLang="en-US" smtClean="0"/>
           </a:p>
           <a:p>
             <a:pPr lvl="1" eaLnBrk="1" latinLnBrk="0" hangingPunct="1"/>
@@ -1966,6 +1943,7 @@
               <a:rPr lang="zh-CN" altLang="en-US" smtClean="0"/>
               <a:t>第二级</a:t>
             </a:r>
+            <a:endParaRPr lang="zh-CN" altLang="en-US" smtClean="0"/>
           </a:p>
           <a:p>
             <a:pPr lvl="2" eaLnBrk="1" latinLnBrk="0" hangingPunct="1"/>
@@ -1973,6 +1951,7 @@
               <a:rPr lang="zh-CN" altLang="en-US" smtClean="0"/>
               <a:t>第三级</a:t>
             </a:r>
+            <a:endParaRPr lang="zh-CN" altLang="en-US" smtClean="0"/>
           </a:p>
           <a:p>
             <a:pPr lvl="3" eaLnBrk="1" latinLnBrk="0" hangingPunct="1"/>
@@ -1980,6 +1959,7 @@
               <a:rPr lang="zh-CN" altLang="en-US" smtClean="0"/>
               <a:t>第四级</a:t>
             </a:r>
+            <a:endParaRPr lang="zh-CN" altLang="en-US" smtClean="0"/>
           </a:p>
           <a:p>
             <a:pPr lvl="4" eaLnBrk="1" latinLnBrk="0" hangingPunct="1"/>
@@ -2044,6 +2024,7 @@
               <a:rPr lang="zh-CN" altLang="en-US" smtClean="0"/>
               <a:t>单击此处编辑母版文本样式</a:t>
             </a:r>
+            <a:endParaRPr lang="zh-CN" altLang="en-US" smtClean="0"/>
           </a:p>
           <a:p>
             <a:pPr lvl="1" eaLnBrk="1" latinLnBrk="0" hangingPunct="1"/>
@@ -2051,6 +2032,7 @@
               <a:rPr lang="zh-CN" altLang="en-US" smtClean="0"/>
               <a:t>第二级</a:t>
             </a:r>
+            <a:endParaRPr lang="zh-CN" altLang="en-US" smtClean="0"/>
           </a:p>
           <a:p>
             <a:pPr lvl="2" eaLnBrk="1" latinLnBrk="0" hangingPunct="1"/>
@@ -2058,6 +2040,7 @@
               <a:rPr lang="zh-CN" altLang="en-US" smtClean="0"/>
               <a:t>第三级</a:t>
             </a:r>
+            <a:endParaRPr lang="zh-CN" altLang="en-US" smtClean="0"/>
           </a:p>
           <a:p>
             <a:pPr lvl="3" eaLnBrk="1" latinLnBrk="0" hangingPunct="1"/>
@@ -2065,6 +2048,7 @@
               <a:rPr lang="zh-CN" altLang="en-US" smtClean="0"/>
               <a:t>第四级</a:t>
             </a:r>
+            <a:endParaRPr lang="zh-CN" altLang="en-US" smtClean="0"/>
           </a:p>
           <a:p>
             <a:pPr lvl="4" eaLnBrk="1" latinLnBrk="0" hangingPunct="1"/>
@@ -2093,8 +2077,6 @@
           <a:p>
             <a:fld id="{9C8439D5-186A-4210-A1CC-D0736564BB8E}" type="datetime1">
               <a:rPr lang="zh-CN" altLang="en-US" smtClean="0"/>
-              <a:pPr/>
-              <a:t>2019/9/1</a:t>
             </a:fld>
             <a:endParaRPr lang="en-US" altLang="zh-CN"/>
           </a:p>
@@ -2140,8 +2122,6 @@
           <a:p>
             <a:fld id="{082A160F-B4BC-4B98-8A55-D603E539CD9E}" type="slidenum">
               <a:rPr lang="en-US" altLang="zh-CN" smtClean="0"/>
-              <a:pPr/>
-              <a:t>‹#›</a:t>
             </a:fld>
             <a:endParaRPr lang="en-US" altLang="zh-CN"/>
           </a:p>
@@ -2365,6 +2345,7 @@
               <a:rPr kumimoji="0" lang="zh-CN" altLang="en-US" smtClean="0"/>
               <a:t>单击此处编辑母版文本样式</a:t>
             </a:r>
+            <a:endParaRPr kumimoji="0" lang="zh-CN" altLang="en-US" smtClean="0"/>
           </a:p>
         </p:txBody>
       </p:sp>
@@ -2421,6 +2402,7 @@
               <a:rPr lang="zh-CN" altLang="en-US" smtClean="0"/>
               <a:t>单击此处编辑母版文本样式</a:t>
             </a:r>
+            <a:endParaRPr lang="zh-CN" altLang="en-US" smtClean="0"/>
           </a:p>
           <a:p>
             <a:pPr lvl="1" eaLnBrk="1" latinLnBrk="0" hangingPunct="1"/>
@@ -2428,6 +2410,7 @@
               <a:rPr lang="zh-CN" altLang="en-US" smtClean="0"/>
               <a:t>第二级</a:t>
             </a:r>
+            <a:endParaRPr lang="zh-CN" altLang="en-US" smtClean="0"/>
           </a:p>
           <a:p>
             <a:pPr lvl="2" eaLnBrk="1" latinLnBrk="0" hangingPunct="1"/>
@@ -2435,6 +2418,7 @@
               <a:rPr lang="zh-CN" altLang="en-US" smtClean="0"/>
               <a:t>第三级</a:t>
             </a:r>
+            <a:endParaRPr lang="zh-CN" altLang="en-US" smtClean="0"/>
           </a:p>
           <a:p>
             <a:pPr lvl="3" eaLnBrk="1" latinLnBrk="0" hangingPunct="1"/>
@@ -2442,6 +2426,7 @@
               <a:rPr lang="zh-CN" altLang="en-US" smtClean="0"/>
               <a:t>第四级</a:t>
             </a:r>
+            <a:endParaRPr lang="zh-CN" altLang="en-US" smtClean="0"/>
           </a:p>
           <a:p>
             <a:pPr lvl="4" eaLnBrk="1" latinLnBrk="0" hangingPunct="1"/>
@@ -2555,6 +2540,7 @@
               <a:rPr kumimoji="0" lang="zh-CN" altLang="en-US" smtClean="0"/>
               <a:t>单击此处编辑母版文本样式</a:t>
             </a:r>
+            <a:endParaRPr kumimoji="0" lang="zh-CN" altLang="en-US" smtClean="0"/>
           </a:p>
         </p:txBody>
       </p:sp>
@@ -2611,6 +2597,7 @@
               <a:rPr lang="zh-CN" altLang="en-US" smtClean="0"/>
               <a:t>单击此处编辑母版文本样式</a:t>
             </a:r>
+            <a:endParaRPr lang="zh-CN" altLang="en-US" smtClean="0"/>
           </a:p>
           <a:p>
             <a:pPr lvl="1" eaLnBrk="1" latinLnBrk="0" hangingPunct="1"/>
@@ -2618,6 +2605,7 @@
               <a:rPr lang="zh-CN" altLang="en-US" smtClean="0"/>
               <a:t>第二级</a:t>
             </a:r>
+            <a:endParaRPr lang="zh-CN" altLang="en-US" smtClean="0"/>
           </a:p>
           <a:p>
             <a:pPr lvl="2" eaLnBrk="1" latinLnBrk="0" hangingPunct="1"/>
@@ -2625,6 +2613,7 @@
               <a:rPr lang="zh-CN" altLang="en-US" smtClean="0"/>
               <a:t>第三级</a:t>
             </a:r>
+            <a:endParaRPr lang="zh-CN" altLang="en-US" smtClean="0"/>
           </a:p>
           <a:p>
             <a:pPr lvl="3" eaLnBrk="1" latinLnBrk="0" hangingPunct="1"/>
@@ -2632,6 +2621,7 @@
               <a:rPr lang="zh-CN" altLang="en-US" smtClean="0"/>
               <a:t>第四级</a:t>
             </a:r>
+            <a:endParaRPr lang="zh-CN" altLang="en-US" smtClean="0"/>
           </a:p>
           <a:p>
             <a:pPr lvl="4" eaLnBrk="1" latinLnBrk="0" hangingPunct="1"/>
@@ -2660,8 +2650,6 @@
           <a:p>
             <a:fld id="{F3F65901-F494-4620-BAFE-6CE561B50B26}" type="datetime1">
               <a:rPr lang="zh-CN" altLang="en-US" smtClean="0"/>
-              <a:pPr/>
-              <a:t>2019/9/1</a:t>
             </a:fld>
             <a:endParaRPr lang="en-US" altLang="zh-CN"/>
           </a:p>
@@ -2707,8 +2695,6 @@
           <a:p>
             <a:fld id="{82BA71F0-CA53-4D14-83EB-FD0E0A8FC07C}" type="slidenum">
               <a:rPr lang="en-US" altLang="zh-CN" smtClean="0"/>
-              <a:pPr/>
-              <a:t>‹#›</a:t>
             </a:fld>
             <a:endParaRPr lang="en-US" altLang="zh-CN"/>
           </a:p>
@@ -2843,8 +2829,6 @@
           <a:p>
             <a:fld id="{C9C3CAF2-C555-48A3-A7F3-826CC381C4E6}" type="datetime1">
               <a:rPr lang="zh-CN" altLang="en-US" smtClean="0"/>
-              <a:pPr/>
-              <a:t>2019/9/1</a:t>
             </a:fld>
             <a:endParaRPr lang="en-US" altLang="zh-CN"/>
           </a:p>
@@ -2890,8 +2874,6 @@
           <a:p>
             <a:fld id="{7F0010F6-15F6-4BD6-A977-1B8D56DE39A9}" type="slidenum">
               <a:rPr lang="en-US" altLang="zh-CN" smtClean="0"/>
-              <a:pPr/>
-              <a:t>‹#›</a:t>
             </a:fld>
             <a:endParaRPr lang="en-US" altLang="zh-CN"/>
           </a:p>
@@ -2944,8 +2926,6 @@
           <a:p>
             <a:fld id="{BB925BAA-AED4-4774-B035-51E4E6780802}" type="datetime1">
               <a:rPr lang="zh-CN" altLang="en-US" smtClean="0"/>
-              <a:pPr/>
-              <a:t>2019/9/1</a:t>
             </a:fld>
             <a:endParaRPr lang="en-US" altLang="zh-CN"/>
           </a:p>
@@ -2991,8 +2971,6 @@
           <a:p>
             <a:fld id="{3382913E-7FEA-4EDC-A146-E1EFF7A64B63}" type="slidenum">
               <a:rPr lang="en-US" altLang="zh-CN" smtClean="0"/>
-              <a:pPr/>
-              <a:t>‹#›</a:t>
             </a:fld>
             <a:endParaRPr lang="en-US" altLang="zh-CN"/>
           </a:p>
@@ -3172,6 +3150,7 @@
               <a:rPr lang="zh-CN" altLang="en-US" smtClean="0"/>
               <a:t>单击此处编辑母版文本样式</a:t>
             </a:r>
+            <a:endParaRPr lang="zh-CN" altLang="en-US" smtClean="0"/>
           </a:p>
           <a:p>
             <a:pPr lvl="1" eaLnBrk="1" latinLnBrk="0" hangingPunct="1"/>
@@ -3179,6 +3158,7 @@
               <a:rPr lang="zh-CN" altLang="en-US" smtClean="0"/>
               <a:t>第二级</a:t>
             </a:r>
+            <a:endParaRPr lang="zh-CN" altLang="en-US" smtClean="0"/>
           </a:p>
           <a:p>
             <a:pPr lvl="2" eaLnBrk="1" latinLnBrk="0" hangingPunct="1"/>
@@ -3186,6 +3166,7 @@
               <a:rPr lang="zh-CN" altLang="en-US" smtClean="0"/>
               <a:t>第三级</a:t>
             </a:r>
+            <a:endParaRPr lang="zh-CN" altLang="en-US" smtClean="0"/>
           </a:p>
           <a:p>
             <a:pPr lvl="3" eaLnBrk="1" latinLnBrk="0" hangingPunct="1"/>
@@ -3193,6 +3174,7 @@
               <a:rPr lang="zh-CN" altLang="en-US" smtClean="0"/>
               <a:t>第四级</a:t>
             </a:r>
+            <a:endParaRPr lang="zh-CN" altLang="en-US" smtClean="0"/>
           </a:p>
           <a:p>
             <a:pPr lvl="4" eaLnBrk="1" latinLnBrk="0" hangingPunct="1"/>
@@ -3266,6 +3248,7 @@
               <a:rPr lang="zh-CN" altLang="en-US" smtClean="0"/>
               <a:t>单击此处编辑母版文本样式</a:t>
             </a:r>
+            <a:endParaRPr lang="zh-CN" altLang="en-US" smtClean="0"/>
           </a:p>
           <a:p>
             <a:pPr lvl="1" eaLnBrk="1" latinLnBrk="0" hangingPunct="1"/>
@@ -3273,6 +3256,7 @@
               <a:rPr lang="zh-CN" altLang="en-US" smtClean="0"/>
               <a:t>第二级</a:t>
             </a:r>
+            <a:endParaRPr lang="zh-CN" altLang="en-US" smtClean="0"/>
           </a:p>
           <a:p>
             <a:pPr lvl="2" eaLnBrk="1" latinLnBrk="0" hangingPunct="1"/>
@@ -3280,6 +3264,7 @@
               <a:rPr lang="zh-CN" altLang="en-US" smtClean="0"/>
               <a:t>第三级</a:t>
             </a:r>
+            <a:endParaRPr lang="zh-CN" altLang="en-US" smtClean="0"/>
           </a:p>
           <a:p>
             <a:pPr lvl="3" eaLnBrk="1" latinLnBrk="0" hangingPunct="1"/>
@@ -3287,6 +3272,7 @@
               <a:rPr lang="zh-CN" altLang="en-US" smtClean="0"/>
               <a:t>第四级</a:t>
             </a:r>
+            <a:endParaRPr lang="zh-CN" altLang="en-US" smtClean="0"/>
           </a:p>
           <a:p>
             <a:pPr lvl="4" eaLnBrk="1" latinLnBrk="0" hangingPunct="1"/>
@@ -3315,8 +3301,6 @@
           <a:p>
             <a:fld id="{5C1031DF-C0AD-4BB9-A899-6512335B6F5E}" type="datetime1">
               <a:rPr lang="zh-CN" altLang="en-US" smtClean="0"/>
-              <a:pPr/>
-              <a:t>2019/9/1</a:t>
             </a:fld>
             <a:endParaRPr lang="en-US" altLang="zh-CN"/>
           </a:p>
@@ -3362,8 +3346,6 @@
           <a:p>
             <a:fld id="{21264791-7B50-4D23-9D83-6DFAB5063A42}" type="slidenum">
               <a:rPr lang="en-US" altLang="zh-CN" smtClean="0"/>
-              <a:pPr/>
-              <a:t>‹#›</a:t>
             </a:fld>
             <a:endParaRPr lang="en-US" altLang="zh-CN"/>
           </a:p>
@@ -3616,6 +3598,7 @@
               <a:rPr lang="zh-CN" altLang="en-US" smtClean="0"/>
               <a:t>单击此处编辑母版文本样式</a:t>
             </a:r>
+            <a:endParaRPr lang="zh-CN" altLang="en-US" smtClean="0"/>
           </a:p>
           <a:p>
             <a:pPr lvl="1" eaLnBrk="1" latinLnBrk="0" hangingPunct="1"/>
@@ -3623,6 +3606,7 @@
               <a:rPr lang="zh-CN" altLang="en-US" smtClean="0"/>
               <a:t>第二级</a:t>
             </a:r>
+            <a:endParaRPr lang="zh-CN" altLang="en-US" smtClean="0"/>
           </a:p>
           <a:p>
             <a:pPr lvl="2" eaLnBrk="1" latinLnBrk="0" hangingPunct="1"/>
@@ -3630,6 +3614,7 @@
               <a:rPr lang="zh-CN" altLang="en-US" smtClean="0"/>
               <a:t>第三级</a:t>
             </a:r>
+            <a:endParaRPr lang="zh-CN" altLang="en-US" smtClean="0"/>
           </a:p>
           <a:p>
             <a:pPr lvl="3" eaLnBrk="1" latinLnBrk="0" hangingPunct="1"/>
@@ -3637,6 +3622,7 @@
               <a:rPr lang="zh-CN" altLang="en-US" smtClean="0"/>
               <a:t>第四级</a:t>
             </a:r>
+            <a:endParaRPr lang="zh-CN" altLang="en-US" smtClean="0"/>
           </a:p>
           <a:p>
             <a:pPr lvl="4" eaLnBrk="1" latinLnBrk="0" hangingPunct="1"/>
@@ -3665,8 +3651,6 @@
           <a:p>
             <a:fld id="{34FBD1F7-48ED-4894-84A5-8394A742359D}" type="datetime1">
               <a:rPr lang="zh-CN" altLang="en-US" smtClean="0"/>
-              <a:pPr/>
-              <a:t>2019/9/1</a:t>
             </a:fld>
             <a:endParaRPr lang="en-US" altLang="zh-CN"/>
           </a:p>
@@ -3712,8 +3696,6 @@
           <a:p>
             <a:fld id="{D1A49615-98FE-4121-87CF-AF106FC8AE77}" type="slidenum">
               <a:rPr lang="en-US" altLang="zh-CN" smtClean="0"/>
-              <a:pPr/>
-              <a:t>‹#›</a:t>
             </a:fld>
             <a:endParaRPr lang="en-US" altLang="zh-CN"/>
           </a:p>
@@ -3874,6 +3856,7 @@
               <a:rPr kumimoji="0" lang="zh-CN" altLang="en-US" smtClean="0"/>
               <a:t>单击此处编辑母版文本样式</a:t>
             </a:r>
+            <a:endParaRPr kumimoji="0" lang="zh-CN" altLang="en-US" smtClean="0"/>
           </a:p>
           <a:p>
             <a:pPr lvl="1" eaLnBrk="1" latinLnBrk="0" hangingPunct="1"/>
@@ -3881,6 +3864,7 @@
               <a:rPr kumimoji="0" lang="zh-CN" altLang="en-US" smtClean="0"/>
               <a:t>第二级</a:t>
             </a:r>
+            <a:endParaRPr kumimoji="0" lang="zh-CN" altLang="en-US" smtClean="0"/>
           </a:p>
           <a:p>
             <a:pPr lvl="2" eaLnBrk="1" latinLnBrk="0" hangingPunct="1"/>
@@ -3888,6 +3872,7 @@
               <a:rPr kumimoji="0" lang="zh-CN" altLang="en-US" smtClean="0"/>
               <a:t>第三级</a:t>
             </a:r>
+            <a:endParaRPr kumimoji="0" lang="zh-CN" altLang="en-US" smtClean="0"/>
           </a:p>
           <a:p>
             <a:pPr lvl="3" eaLnBrk="1" latinLnBrk="0" hangingPunct="1"/>
@@ -3895,6 +3880,7 @@
               <a:rPr kumimoji="0" lang="zh-CN" altLang="en-US" smtClean="0"/>
               <a:t>第四级</a:t>
             </a:r>
+            <a:endParaRPr kumimoji="0" lang="zh-CN" altLang="en-US" smtClean="0"/>
           </a:p>
           <a:p>
             <a:pPr lvl="4" eaLnBrk="1" latinLnBrk="0" hangingPunct="1"/>
@@ -3950,15 +3936,6 @@
             </a:pPr>
             <a:fld id="{A936D431-3CBE-4AEF-8BF4-CD3E0F30811F}" type="datetime1">
               <a:rPr lang="zh-CN" altLang="en-US" smtClean="0"/>
-              <a:pPr fontAlgn="base">
-                <a:spcBef>
-                  <a:spcPct val="0"/>
-                </a:spcBef>
-                <a:spcAft>
-                  <a:spcPct val="0"/>
-                </a:spcAft>
-              </a:pPr>
-              <a:t>2019/9/1</a:t>
             </a:fld>
             <a:endParaRPr lang="en-US" altLang="zh-CN"/>
           </a:p>
@@ -4059,15 +4036,6 @@
             </a:pPr>
             <a:fld id="{CB36A09D-F192-4352-85E1-0F466040F8C1}" type="slidenum">
               <a:rPr lang="en-US" altLang="zh-CN" smtClean="0"/>
-              <a:pPr fontAlgn="base">
-                <a:spcBef>
-                  <a:spcPct val="0"/>
-                </a:spcBef>
-                <a:spcAft>
-                  <a:spcPct val="0"/>
-                </a:spcAft>
-              </a:pPr>
-              <a:t>‹#›</a:t>
             </a:fld>
             <a:endParaRPr lang="en-US" altLang="zh-CN"/>
           </a:p>
@@ -4139,18 +4107,18 @@
   </p:cSld>
   <p:clrMap bg1="lt1" tx1="dk1" bg2="lt2" tx2="dk2" accent1="accent1" accent2="accent2" accent3="accent3" accent4="accent4" accent5="accent5" accent6="accent6" hlink="hlink" folHlink="folHlink"/>
   <p:sldLayoutIdLst>
-    <p:sldLayoutId id="2147483715" r:id="rId1"/>
-    <p:sldLayoutId id="2147483716" r:id="rId2"/>
-    <p:sldLayoutId id="2147483717" r:id="rId3"/>
-    <p:sldLayoutId id="2147483718" r:id="rId4"/>
-    <p:sldLayoutId id="2147483719" r:id="rId5"/>
-    <p:sldLayoutId id="2147483720" r:id="rId6"/>
-    <p:sldLayoutId id="2147483721" r:id="rId7"/>
-    <p:sldLayoutId id="2147483722" r:id="rId8"/>
-    <p:sldLayoutId id="2147483723" r:id="rId9"/>
-    <p:sldLayoutId id="2147483724" r:id="rId10"/>
-    <p:sldLayoutId id="2147483725" r:id="rId11"/>
-    <p:sldLayoutId id="2147483726" r:id="rId12"/>
+    <p:sldLayoutId id="2147483649" r:id="rId1"/>
+    <p:sldLayoutId id="2147483650" r:id="rId2"/>
+    <p:sldLayoutId id="2147483651" r:id="rId3"/>
+    <p:sldLayoutId id="2147483652" r:id="rId4"/>
+    <p:sldLayoutId id="2147483653" r:id="rId5"/>
+    <p:sldLayoutId id="2147483654" r:id="rId6"/>
+    <p:sldLayoutId id="2147483655" r:id="rId7"/>
+    <p:sldLayoutId id="2147483656" r:id="rId8"/>
+    <p:sldLayoutId id="2147483657" r:id="rId9"/>
+    <p:sldLayoutId id="2147483658" r:id="rId10"/>
+    <p:sldLayoutId id="2147483659" r:id="rId11"/>
+    <p:sldLayoutId id="2147483660" r:id="rId12"/>
   </p:sldLayoutIdLst>
   <p:hf hdr="0" ftr="0" dt="0"/>
   <p:txStyles>
@@ -4235,7 +4203,7 @@
           <a:schemeClr val="tx2"/>
         </a:buClr>
         <a:buSzPct val="50000"/>
-        <a:buFont typeface="Wingdings 2"/>
+        <a:buFont typeface="Wingdings 2" panose="05020102010507070707"/>
         <a:buChar char="ß"/>
         <a:defRPr kumimoji="0" sz="3200" kern="1200">
           <a:solidFill>
@@ -4254,7 +4222,7 @@
           <a:schemeClr val="tx2"/>
         </a:buClr>
         <a:buSzPct val="50000"/>
-        <a:buFont typeface="Wingdings 2"/>
+        <a:buFont typeface="Wingdings 2" panose="05020102010507070707"/>
         <a:buChar char="Þ"/>
         <a:defRPr kumimoji="0" sz="2800" kern="1200">
           <a:solidFill>
@@ -4273,7 +4241,7 @@
           <a:schemeClr val="tx2"/>
         </a:buClr>
         <a:buSzPct val="50000"/>
-        <a:buFont typeface="Wingdings 2"/>
+        <a:buFont typeface="Wingdings 2" panose="05020102010507070707"/>
         <a:buChar char=""/>
         <a:defRPr kumimoji="0" sz="2400" kern="1200">
           <a:solidFill>
@@ -4292,7 +4260,7 @@
           <a:schemeClr val="tx2"/>
         </a:buClr>
         <a:buSzPct val="50000"/>
-        <a:buFont typeface="Wingdings 2"/>
+        <a:buFont typeface="Wingdings 2" panose="05020102010507070707"/>
         <a:buChar char=""/>
         <a:defRPr kumimoji="0" sz="2000" kern="1200">
           <a:solidFill>
@@ -4311,7 +4279,7 @@
           <a:schemeClr val="tx2"/>
         </a:buClr>
         <a:buSzPct val="50000"/>
-        <a:buFont typeface="Wingdings 2"/>
+        <a:buFont typeface="Wingdings 2" panose="05020102010507070707"/>
         <a:buChar char=""/>
         <a:defRPr kumimoji="0" sz="2000" kern="1200">
           <a:solidFill>
@@ -4579,11 +4547,6 @@
         </p:txBody>
       </p:sp>
     </p:spTree>
-    <p:extLst>
-      <p:ext uri="{BB962C8B-B14F-4D97-AF65-F5344CB8AC3E}">
-        <p14:creationId xmlns:p14="http://schemas.microsoft.com/office/powerpoint/2010/main" val="2547345845"/>
-      </p:ext>
-    </p:extLst>
   </p:cSld>
   <p:clrMapOvr>
     <a:masterClrMapping/>
@@ -4647,6 +4610,9 @@
               </a:rPr>
               <a:t>的目标和作用</a:t>
             </a:r>
+            <a:endParaRPr lang="zh-CN" altLang="en-US" dirty="0">
+              <a:latin typeface="Times New Roman" pitchFamily="18" charset="0"/>
+            </a:endParaRPr>
           </a:p>
         </p:txBody>
       </p:sp>
@@ -4667,8 +4633,6 @@
           <a:p>
             <a:fld id="{F9CDA820-5481-4F2D-8942-31770B8C73A3}" type="slidenum">
               <a:rPr lang="en-US" altLang="zh-CN"/>
-              <a:pPr/>
-              <a:t>10</a:t>
             </a:fld>
             <a:endParaRPr lang="en-US" altLang="zh-CN"/>
           </a:p>
@@ -4743,7 +4707,7 @@
                 <a:solidFill>
                   <a:srgbClr val="000000"/>
                 </a:solidFill>
-                <a:latin typeface="Arial" charset="0"/>
+                <a:latin typeface="Arial" panose="02080604020202020204" pitchFamily="34" charset="0"/>
                 <a:ea typeface="黑体" pitchFamily="2" charset="-122"/>
               </a:rPr>
               <a:t>1.1.1   OS</a:t>
@@ -4753,11 +4717,18 @@
                 <a:solidFill>
                   <a:srgbClr val="000000"/>
                 </a:solidFill>
-                <a:latin typeface="Arial" charset="0"/>
+                <a:latin typeface="Arial" panose="02080604020202020204" pitchFamily="34" charset="0"/>
                 <a:ea typeface="黑体" pitchFamily="2" charset="-122"/>
               </a:rPr>
               <a:t>的目标</a:t>
             </a:r>
+            <a:endParaRPr kumimoji="1" lang="zh-CN" altLang="en-US" sz="4000" b="1" dirty="0">
+              <a:solidFill>
+                <a:srgbClr val="000000"/>
+              </a:solidFill>
+              <a:latin typeface="Arial" panose="02080604020202020204" pitchFamily="34" charset="0"/>
+              <a:ea typeface="黑体" pitchFamily="2" charset="-122"/>
+            </a:endParaRPr>
           </a:p>
         </p:txBody>
       </p:sp>
@@ -4828,7 +4799,7 @@
                 <a:srgbClr val="0000FF"/>
               </a:buClr>
               <a:buSzPct val="85000"/>
-              <a:buFont typeface="Wingdings" pitchFamily="2" charset="2"/>
+              <a:buFont typeface="Wingdings" panose="05000000000000000000" pitchFamily="2" charset="2"/>
               <a:buChar char="n"/>
             </a:pPr>
             <a:r>
@@ -4848,6 +4819,10 @@
               </a:rPr>
               <a:t>方便性</a:t>
             </a:r>
+            <a:endParaRPr kumimoji="1" lang="zh-CN" altLang="en-US" sz="2800" b="1" dirty="0">
+              <a:latin typeface="楷体_GB2312" pitchFamily="49" charset="-122"/>
+              <a:ea typeface="楷体_GB2312" pitchFamily="49" charset="-122"/>
+            </a:endParaRPr>
           </a:p>
           <a:p>
             <a:pPr fontAlgn="base">
@@ -4861,7 +4836,7 @@
                 <a:srgbClr val="0000FF"/>
               </a:buClr>
               <a:buSzPct val="85000"/>
-              <a:buFont typeface="Wingdings" pitchFamily="2" charset="2"/>
+              <a:buFont typeface="Wingdings" panose="05000000000000000000" pitchFamily="2" charset="2"/>
               <a:buChar char="n"/>
             </a:pPr>
             <a:r>
@@ -4881,6 +4856,10 @@
               </a:rPr>
               <a:t>有效性</a:t>
             </a:r>
+            <a:endParaRPr kumimoji="1" lang="zh-CN" altLang="en-US" sz="2800" b="1" dirty="0">
+              <a:latin typeface="楷体_GB2312" pitchFamily="49" charset="-122"/>
+              <a:ea typeface="楷体_GB2312" pitchFamily="49" charset="-122"/>
+            </a:endParaRPr>
           </a:p>
           <a:p>
             <a:pPr fontAlgn="base">
@@ -4894,7 +4873,7 @@
                 <a:srgbClr val="0000FF"/>
               </a:buClr>
               <a:buSzPct val="85000"/>
-              <a:buFont typeface="Wingdings" pitchFamily="2" charset="2"/>
+              <a:buFont typeface="Wingdings" panose="05000000000000000000" pitchFamily="2" charset="2"/>
               <a:buChar char="n"/>
             </a:pPr>
             <a:r>
@@ -4914,6 +4893,10 @@
               </a:rPr>
               <a:t>可扩展性</a:t>
             </a:r>
+            <a:endParaRPr kumimoji="1" lang="zh-CN" altLang="en-US" sz="2800" b="1" dirty="0">
+              <a:latin typeface="楷体_GB2312" pitchFamily="49" charset="-122"/>
+              <a:ea typeface="楷体_GB2312" pitchFamily="49" charset="-122"/>
+            </a:endParaRPr>
           </a:p>
           <a:p>
             <a:pPr fontAlgn="base">
@@ -4927,7 +4910,7 @@
                 <a:srgbClr val="0000FF"/>
               </a:buClr>
               <a:buSzPct val="85000"/>
-              <a:buFont typeface="Wingdings" pitchFamily="2" charset="2"/>
+              <a:buFont typeface="Wingdings" panose="05000000000000000000" pitchFamily="2" charset="2"/>
               <a:buChar char="n"/>
             </a:pPr>
             <a:r>
@@ -4950,6 +4933,13 @@
               </a:rPr>
               <a:t>开放性</a:t>
             </a:r>
+            <a:endParaRPr kumimoji="1" lang="zh-CN" altLang="en-US" sz="2800" b="1" dirty="0">
+              <a:solidFill>
+                <a:srgbClr val="FF0000"/>
+              </a:solidFill>
+              <a:latin typeface="楷体_GB2312" pitchFamily="49" charset="-122"/>
+              <a:ea typeface="楷体_GB2312" pitchFamily="49" charset="-122"/>
+            </a:endParaRPr>
           </a:p>
         </p:txBody>
       </p:sp>
@@ -5139,11 +5129,6 @@
         </p:txBody>
       </p:sp>
     </p:spTree>
-    <p:extLst>
-      <p:ext uri="{BB962C8B-B14F-4D97-AF65-F5344CB8AC3E}">
-        <p14:creationId xmlns:p14="http://schemas.microsoft.com/office/powerpoint/2010/main" val="3165069525"/>
-      </p:ext>
-    </p:extLst>
   </p:cSld>
   <p:clrMapOvr>
     <a:masterClrMapping/>
@@ -5398,8 +5383,6 @@
           <a:p>
             <a:fld id="{0C2E5426-69A2-4203-8379-82C807042CAE}" type="slidenum">
               <a:rPr lang="en-US" altLang="zh-CN"/>
-              <a:pPr/>
-              <a:t>11</a:t>
             </a:fld>
             <a:endParaRPr lang="en-US" altLang="zh-CN"/>
           </a:p>
@@ -5474,7 +5457,7 @@
                 <a:solidFill>
                   <a:srgbClr val="000000"/>
                 </a:solidFill>
-                <a:latin typeface="Arial" charset="0"/>
+                <a:latin typeface="Arial" panose="02080604020202020204" pitchFamily="34" charset="0"/>
                 <a:ea typeface="黑体" pitchFamily="2" charset="-122"/>
               </a:rPr>
               <a:t>1.1.2  </a:t>
@@ -5484,7 +5467,7 @@
                 <a:solidFill>
                   <a:srgbClr val="000000"/>
                 </a:solidFill>
-                <a:latin typeface="Arial" charset="0"/>
+                <a:latin typeface="Arial" panose="02080604020202020204" pitchFamily="34" charset="0"/>
                 <a:ea typeface="黑体" pitchFamily="2" charset="-122"/>
               </a:rPr>
               <a:t>操作系统的</a:t>
@@ -5494,11 +5477,18 @@
                 <a:solidFill>
                   <a:srgbClr val="000000"/>
                 </a:solidFill>
-                <a:latin typeface="Arial" charset="0"/>
+                <a:latin typeface="Arial" panose="02080604020202020204" pitchFamily="34" charset="0"/>
                 <a:ea typeface="黑体" pitchFamily="2" charset="-122"/>
               </a:rPr>
               <a:t>作用</a:t>
             </a:r>
+            <a:endParaRPr kumimoji="1" lang="zh-CN" altLang="en-US" sz="4000" b="1" dirty="0">
+              <a:solidFill>
+                <a:srgbClr val="000000"/>
+              </a:solidFill>
+              <a:latin typeface="Arial" panose="02080604020202020204" pitchFamily="34" charset="0"/>
+              <a:ea typeface="黑体" pitchFamily="2" charset="-122"/>
+            </a:endParaRPr>
           </a:p>
         </p:txBody>
       </p:sp>
@@ -5571,7 +5561,7 @@
                 <a:solidFill>
                   <a:srgbClr val="000000"/>
                 </a:solidFill>
-                <a:latin typeface="Arial" charset="0"/>
+                <a:latin typeface="Arial" panose="02080604020202020204" pitchFamily="34" charset="0"/>
                 <a:ea typeface="黑体" pitchFamily="2" charset="-122"/>
               </a:rPr>
               <a:t>1</a:t>
@@ -5581,7 +5571,7 @@
                 <a:solidFill>
                   <a:srgbClr val="000000"/>
                 </a:solidFill>
-                <a:latin typeface="Arial" charset="0"/>
+                <a:latin typeface="Arial" panose="02080604020202020204" pitchFamily="34" charset="0"/>
                 <a:ea typeface="黑体" pitchFamily="2" charset="-122"/>
               </a:rPr>
               <a:t>．</a:t>
@@ -5591,7 +5581,7 @@
                 <a:solidFill>
                   <a:srgbClr val="000000"/>
                 </a:solidFill>
-                <a:latin typeface="Arial" charset="0"/>
+                <a:latin typeface="Arial" panose="02080604020202020204" pitchFamily="34" charset="0"/>
                 <a:ea typeface="黑体" pitchFamily="2" charset="-122"/>
               </a:rPr>
               <a:t>OS</a:t>
@@ -5601,11 +5591,18 @@
                 <a:solidFill>
                   <a:srgbClr val="000000"/>
                 </a:solidFill>
-                <a:latin typeface="Arial" charset="0"/>
+                <a:latin typeface="Arial" panose="02080604020202020204" pitchFamily="34" charset="0"/>
                 <a:ea typeface="黑体" pitchFamily="2" charset="-122"/>
               </a:rPr>
               <a:t>作为用户和计算机硬件系统的接口</a:t>
             </a:r>
+            <a:endParaRPr kumimoji="1" lang="zh-CN" altLang="en-US" sz="2800" b="1" dirty="0">
+              <a:solidFill>
+                <a:srgbClr val="000000"/>
+              </a:solidFill>
+              <a:latin typeface="Arial" panose="02080604020202020204" pitchFamily="34" charset="0"/>
+              <a:ea typeface="黑体" pitchFamily="2" charset="-122"/>
+            </a:endParaRPr>
           </a:p>
           <a:p>
             <a:pPr fontAlgn="base">
@@ -5621,7 +5618,7 @@
                 <a:solidFill>
                   <a:srgbClr val="000000"/>
                 </a:solidFill>
-                <a:latin typeface="Arial" charset="0"/>
+                <a:latin typeface="Arial" panose="02080604020202020204" pitchFamily="34" charset="0"/>
                 <a:ea typeface="黑体" pitchFamily="2" charset="-122"/>
               </a:rPr>
               <a:t>2</a:t>
@@ -5631,7 +5628,7 @@
                 <a:solidFill>
                   <a:srgbClr val="000000"/>
                 </a:solidFill>
-                <a:latin typeface="Arial" charset="0"/>
+                <a:latin typeface="Arial" panose="02080604020202020204" pitchFamily="34" charset="0"/>
                 <a:ea typeface="黑体" pitchFamily="2" charset="-122"/>
               </a:rPr>
               <a:t>．</a:t>
@@ -5641,7 +5638,7 @@
                 <a:solidFill>
                   <a:srgbClr val="000000"/>
                 </a:solidFill>
-                <a:latin typeface="Arial" charset="0"/>
+                <a:latin typeface="Arial" panose="02080604020202020204" pitchFamily="34" charset="0"/>
                 <a:ea typeface="黑体" pitchFamily="2" charset="-122"/>
               </a:rPr>
               <a:t>OS</a:t>
@@ -5651,11 +5648,18 @@
                 <a:solidFill>
                   <a:srgbClr val="000000"/>
                 </a:solidFill>
-                <a:latin typeface="Arial" charset="0"/>
+                <a:latin typeface="Arial" panose="02080604020202020204" pitchFamily="34" charset="0"/>
                 <a:ea typeface="黑体" pitchFamily="2" charset="-122"/>
               </a:rPr>
               <a:t>作为计算机资源的管理者</a:t>
             </a:r>
+            <a:endParaRPr kumimoji="1" lang="zh-CN" altLang="en-US" sz="2800" b="1" dirty="0">
+              <a:solidFill>
+                <a:srgbClr val="000000"/>
+              </a:solidFill>
+              <a:latin typeface="Arial" panose="02080604020202020204" pitchFamily="34" charset="0"/>
+              <a:ea typeface="黑体" pitchFamily="2" charset="-122"/>
+            </a:endParaRPr>
           </a:p>
           <a:p>
             <a:pPr fontAlgn="base">
@@ -5671,7 +5675,7 @@
                 <a:solidFill>
                   <a:srgbClr val="000000"/>
                 </a:solidFill>
-                <a:latin typeface="Arial" charset="0"/>
+                <a:latin typeface="Arial" panose="02080604020202020204" pitchFamily="34" charset="0"/>
                 <a:ea typeface="黑体" pitchFamily="2" charset="-122"/>
               </a:rPr>
               <a:t>3</a:t>
@@ -5681,7 +5685,7 @@
                 <a:solidFill>
                   <a:srgbClr val="000000"/>
                 </a:solidFill>
-                <a:latin typeface="Arial" charset="0"/>
+                <a:latin typeface="Arial" panose="02080604020202020204" pitchFamily="34" charset="0"/>
                 <a:ea typeface="黑体" pitchFamily="2" charset="-122"/>
               </a:rPr>
               <a:t>．</a:t>
@@ -5691,7 +5695,7 @@
                 <a:solidFill>
                   <a:srgbClr val="000000"/>
                 </a:solidFill>
-                <a:latin typeface="Arial" charset="0"/>
+                <a:latin typeface="Arial" panose="02080604020202020204" pitchFamily="34" charset="0"/>
                 <a:ea typeface="黑体" pitchFamily="2" charset="-122"/>
               </a:rPr>
               <a:t>OS</a:t>
@@ -5701,7 +5705,7 @@
                 <a:solidFill>
                   <a:srgbClr val="000000"/>
                 </a:solidFill>
-                <a:latin typeface="Arial" charset="0"/>
+                <a:latin typeface="Arial" panose="02080604020202020204" pitchFamily="34" charset="0"/>
                 <a:ea typeface="黑体" pitchFamily="2" charset="-122"/>
               </a:rPr>
               <a:t>实现了对计算机资源的抽象</a:t>
@@ -5710,7 +5714,7 @@
               <a:solidFill>
                 <a:srgbClr val="000000"/>
               </a:solidFill>
-              <a:latin typeface="Arial" charset="0"/>
+              <a:latin typeface="Arial" panose="02080604020202020204" pitchFamily="34" charset="0"/>
               <a:ea typeface="黑体" pitchFamily="2" charset="-122"/>
             </a:endParaRPr>
           </a:p>
@@ -5740,8 +5744,6 @@
               <a:schemeClr val="hlink"/>
             </a:solidFill>
             <a:miter lim="800000"/>
-            <a:headEnd/>
-            <a:tailEnd/>
           </a:ln>
           <a:effectLst/>
           <a:extLst>
@@ -5775,7 +5777,7 @@
                 <a:solidFill>
                   <a:srgbClr val="FFFF00"/>
                 </a:solidFill>
-                <a:latin typeface="Arial" charset="0"/>
+                <a:latin typeface="Arial" panose="02080604020202020204" pitchFamily="34" charset="0"/>
                 <a:ea typeface="黑体" pitchFamily="2" charset="-122"/>
               </a:rPr>
               <a:t>操作系统的作用</a:t>
@@ -5785,20 +5787,22 @@
                 <a:solidFill>
                   <a:srgbClr val="FFFF00"/>
                 </a:solidFill>
-                <a:latin typeface="Arial" charset="0"/>
+                <a:latin typeface="Arial" panose="02080604020202020204" pitchFamily="34" charset="0"/>
                 <a:ea typeface="黑体" pitchFamily="2" charset="-122"/>
               </a:rPr>
               <a:t>:</a:t>
             </a:r>
+            <a:endParaRPr kumimoji="1" lang="en-US" altLang="zh-CN" sz="3600" b="1">
+              <a:solidFill>
+                <a:srgbClr val="FFFF00"/>
+              </a:solidFill>
+              <a:latin typeface="Arial" panose="02080604020202020204" pitchFamily="34" charset="0"/>
+              <a:ea typeface="黑体" pitchFamily="2" charset="-122"/>
+            </a:endParaRPr>
           </a:p>
         </p:txBody>
       </p:sp>
     </p:spTree>
-    <p:extLst>
-      <p:ext uri="{BB962C8B-B14F-4D97-AF65-F5344CB8AC3E}">
-        <p14:creationId xmlns:p14="http://schemas.microsoft.com/office/powerpoint/2010/main" val="3225791504"/>
-      </p:ext>
-    </p:extLst>
   </p:cSld>
   <p:clrMapOvr>
     <a:masterClrMapping/>
@@ -5851,7 +5855,7 @@
           <a:lstStyle/>
           <a:p>
             <a:pPr algn="just">
-              <a:buFont typeface="Wingdings" pitchFamily="2" charset="2"/>
+              <a:buFont typeface="Wingdings" panose="05000000000000000000" pitchFamily="2" charset="2"/>
               <a:buNone/>
             </a:pPr>
             <a:r>
@@ -5896,7 +5900,7 @@
           </a:p>
           <a:p>
             <a:pPr>
-              <a:buFont typeface="Wingdings" pitchFamily="2" charset="2"/>
+              <a:buFont typeface="Wingdings" panose="05000000000000000000" pitchFamily="2" charset="2"/>
               <a:buNone/>
             </a:pPr>
             <a:endParaRPr lang="en-US" altLang="zh-CN" sz="2800" b="0" dirty="0"/>
@@ -5920,8 +5924,6 @@
           <a:p>
             <a:fld id="{A390F7B5-DE52-414F-805E-CBC3EB266D3F}" type="slidenum">
               <a:rPr lang="en-US" altLang="zh-CN"/>
-              <a:pPr/>
-              <a:t>12</a:t>
             </a:fld>
             <a:endParaRPr lang="en-US" altLang="zh-CN"/>
           </a:p>
@@ -6085,7 +6087,7 @@
               <a:buClr>
                 <a:srgbClr val="333399"/>
               </a:buClr>
-              <a:buFont typeface="Wingdings" pitchFamily="2" charset="2"/>
+              <a:buFont typeface="Wingdings" panose="05000000000000000000" pitchFamily="2" charset="2"/>
               <a:buChar char="§"/>
             </a:pPr>
             <a:r>
@@ -6108,6 +6110,13 @@
               </a:rPr>
               <a:t>命令方式（键盘命令）</a:t>
             </a:r>
+            <a:endParaRPr kumimoji="1" lang="zh-CN" altLang="en-US" sz="2800" b="1" dirty="0">
+              <a:solidFill>
+                <a:srgbClr val="000000"/>
+              </a:solidFill>
+              <a:latin typeface="Times New Roman" pitchFamily="18" charset="0"/>
+              <a:ea typeface="幼圆" pitchFamily="49" charset="-122"/>
+            </a:endParaRPr>
           </a:p>
           <a:p>
             <a:pPr lvl="1" algn="just" fontAlgn="base">
@@ -6120,7 +6129,7 @@
               <a:buClr>
                 <a:srgbClr val="333399"/>
               </a:buClr>
-              <a:buFont typeface="Wingdings" pitchFamily="2" charset="2"/>
+              <a:buFont typeface="Wingdings" panose="05000000000000000000" pitchFamily="2" charset="2"/>
               <a:buChar char="§"/>
             </a:pPr>
             <a:r>
@@ -6153,6 +6162,13 @@
               </a:rPr>
               <a:t>）</a:t>
             </a:r>
+            <a:endParaRPr kumimoji="1" lang="zh-CN" altLang="en-US" sz="2800" b="1" dirty="0">
+              <a:solidFill>
+                <a:srgbClr val="000000"/>
+              </a:solidFill>
+              <a:latin typeface="Times New Roman" pitchFamily="18" charset="0"/>
+              <a:ea typeface="幼圆" pitchFamily="49" charset="-122"/>
+            </a:endParaRPr>
           </a:p>
           <a:p>
             <a:pPr lvl="1" algn="just" fontAlgn="base">
@@ -6165,7 +6181,7 @@
               <a:buClr>
                 <a:srgbClr val="333399"/>
               </a:buClr>
-              <a:buFont typeface="Wingdings" pitchFamily="2" charset="2"/>
+              <a:buFont typeface="Wingdings" panose="05000000000000000000" pitchFamily="2" charset="2"/>
               <a:buChar char="§"/>
             </a:pPr>
             <a:r>
@@ -6191,9 +6207,7 @@
       <p:sp>
         <p:nvSpPr>
           <p:cNvPr id="7194" name="AutoShape 26"/>
-          <p:cNvSpPr>
-            <a:spLocks/>
-          </p:cNvSpPr>
+          <p:cNvSpPr/>
           <p:nvPr/>
         </p:nvSpPr>
         <p:spPr bwMode="auto">
@@ -6213,8 +6227,6 @@
               <a:schemeClr val="tx2"/>
             </a:solidFill>
             <a:round/>
-            <a:headEnd/>
-            <a:tailEnd/>
           </a:ln>
           <a:effectLst/>
           <a:extLst>
@@ -6281,8 +6293,6 @@
               <a:srgbClr val="FFFF00"/>
             </a:solidFill>
             <a:miter lim="800000"/>
-            <a:headEnd/>
-            <a:tailEnd/>
           </a:ln>
           <a:effectLst/>
           <a:extLst>
@@ -6321,6 +6331,13 @@
               </a:rPr>
               <a:t>操作接口</a:t>
             </a:r>
+            <a:endParaRPr kumimoji="1" lang="zh-CN" altLang="en-US" sz="3200" b="1">
+              <a:solidFill>
+                <a:srgbClr val="FFFFFF"/>
+              </a:solidFill>
+              <a:latin typeface="Times New Roman" pitchFamily="18" charset="0"/>
+              <a:ea typeface="黑体" pitchFamily="2" charset="-122"/>
+            </a:endParaRPr>
           </a:p>
         </p:txBody>
       </p:sp>
@@ -6393,7 +6410,7 @@
                 <a:solidFill>
                   <a:srgbClr val="000000"/>
                 </a:solidFill>
-                <a:latin typeface="Arial" charset="0"/>
+                <a:latin typeface="Arial" panose="02080604020202020204" pitchFamily="34" charset="0"/>
                 <a:ea typeface="黑体" pitchFamily="2" charset="-122"/>
               </a:rPr>
               <a:t>1.1.2  OS</a:t>
@@ -6403,20 +6420,22 @@
                 <a:solidFill>
                   <a:srgbClr val="000000"/>
                 </a:solidFill>
-                <a:latin typeface="Arial" charset="0"/>
+                <a:latin typeface="Arial" panose="02080604020202020204" pitchFamily="34" charset="0"/>
                 <a:ea typeface="黑体" pitchFamily="2" charset="-122"/>
               </a:rPr>
               <a:t>的作用</a:t>
             </a:r>
+            <a:endParaRPr kumimoji="1" lang="zh-CN" altLang="en-US" sz="4000" b="1" dirty="0">
+              <a:solidFill>
+                <a:srgbClr val="000000"/>
+              </a:solidFill>
+              <a:latin typeface="Arial" panose="02080604020202020204" pitchFamily="34" charset="0"/>
+              <a:ea typeface="黑体" pitchFamily="2" charset="-122"/>
+            </a:endParaRPr>
           </a:p>
         </p:txBody>
       </p:sp>
     </p:spTree>
-    <p:extLst>
-      <p:ext uri="{BB962C8B-B14F-4D97-AF65-F5344CB8AC3E}">
-        <p14:creationId xmlns:p14="http://schemas.microsoft.com/office/powerpoint/2010/main" val="1282281904"/>
-      </p:ext>
-    </p:extLst>
   </p:cSld>
   <p:clrMapOvr>
     <a:masterClrMapping/>
@@ -6430,13 +6449,13 @@
               <p:cTn id="2" dur="indefinite" nodeType="mainSeq">
                 <p:childTnLst>
                   <p:par>
-                    <p:cTn id="3" fill="hold" nodeType="clickPar">
+                    <p:cTn id="3" fill="hold">
                       <p:stCondLst>
                         <p:cond delay="indefinite"/>
                       </p:stCondLst>
                       <p:childTnLst>
                         <p:par>
-                          <p:cTn id="4" fill="hold" nodeType="withGroup">
+                          <p:cTn id="4" fill="hold">
                             <p:stCondLst>
                               <p:cond delay="0"/>
                             </p:stCondLst>
@@ -6584,7 +6603,7 @@
           <a:lstStyle/>
           <a:p>
             <a:pPr algn="just">
-              <a:buFont typeface="Wingdings" pitchFamily="2" charset="2"/>
+              <a:buFont typeface="Wingdings" panose="05000000000000000000" pitchFamily="2" charset="2"/>
               <a:buNone/>
             </a:pPr>
             <a:r>
@@ -6629,7 +6648,7 @@
           </a:p>
           <a:p>
             <a:pPr>
-              <a:buFont typeface="Wingdings" pitchFamily="2" charset="2"/>
+              <a:buFont typeface="Wingdings" panose="05000000000000000000" pitchFamily="2" charset="2"/>
               <a:buNone/>
             </a:pPr>
             <a:endParaRPr lang="en-US" altLang="zh-CN" sz="2800" b="0" dirty="0"/>
@@ -6660,8 +6679,6 @@
                   </a:srgbClr>
                 </a:solidFill>
               </a:rPr>
-              <a:pPr/>
-              <a:t>13</a:t>
             </a:fld>
             <a:endParaRPr lang="en-US" altLang="zh-CN">
               <a:solidFill>
@@ -6677,9 +6694,7 @@
       <p:grpSp>
         <p:nvGrpSpPr>
           <p:cNvPr id="7199" name="Group 31"/>
-          <p:cNvGrpSpPr>
-            <a:grpSpLocks/>
-          </p:cNvGrpSpPr>
+          <p:cNvGrpSpPr/>
           <p:nvPr/>
         </p:nvGrpSpPr>
         <p:grpSpPr bwMode="auto">
@@ -6712,8 +6727,6 @@
                 <a:schemeClr val="tx1"/>
               </a:solidFill>
               <a:miter lim="800000"/>
-              <a:headEnd/>
-              <a:tailEnd/>
             </a:ln>
             <a:effectLst/>
             <a:extLst>
@@ -6756,6 +6769,12 @@
                 </a:rPr>
                 <a:t>用    户</a:t>
               </a:r>
+              <a:endParaRPr kumimoji="1" lang="zh-CN" altLang="en-US" sz="2400" b="1" dirty="0">
+                <a:solidFill>
+                  <a:srgbClr val="000000"/>
+                </a:solidFill>
+                <a:latin typeface="Times New Roman" pitchFamily="18" charset="0"/>
+              </a:endParaRPr>
             </a:p>
           </p:txBody>
         </p:sp>
@@ -6781,8 +6800,6 @@
                 <a:schemeClr val="tx1"/>
               </a:solidFill>
               <a:miter lim="800000"/>
-              <a:headEnd/>
-              <a:tailEnd/>
             </a:ln>
             <a:effectLst/>
             <a:extLst>
@@ -6827,6 +6844,12 @@
                 </a:rPr>
                 <a:t>系统调用        命令   窗口</a:t>
               </a:r>
+              <a:endParaRPr kumimoji="1" lang="zh-CN" altLang="en-US" sz="2400" b="1">
+                <a:solidFill>
+                  <a:srgbClr val="000000"/>
+                </a:solidFill>
+                <a:latin typeface="Times New Roman" pitchFamily="18" charset="0"/>
+              </a:endParaRPr>
             </a:p>
             <a:p>
               <a:pPr algn="ctr" fontAlgn="base">
@@ -6846,6 +6869,12 @@
                 </a:rPr>
                 <a:t>操作系统</a:t>
               </a:r>
+              <a:endParaRPr kumimoji="1" lang="zh-CN" altLang="en-US" sz="2400" b="1">
+                <a:solidFill>
+                  <a:srgbClr val="000000"/>
+                </a:solidFill>
+                <a:latin typeface="Times New Roman" pitchFamily="18" charset="0"/>
+              </a:endParaRPr>
             </a:p>
           </p:txBody>
         </p:sp>
@@ -6871,8 +6900,6 @@
                 <a:schemeClr val="tx1"/>
               </a:solidFill>
               <a:miter lim="800000"/>
-              <a:headEnd/>
-              <a:tailEnd/>
             </a:ln>
             <a:effectLst/>
             <a:extLst>
@@ -6915,6 +6942,12 @@
                 </a:rPr>
                 <a:t>应用程序</a:t>
               </a:r>
+              <a:endParaRPr kumimoji="1" lang="zh-CN" altLang="en-US" sz="2000" b="1">
+                <a:solidFill>
+                  <a:srgbClr val="000000"/>
+                </a:solidFill>
+                <a:latin typeface="Times New Roman" pitchFamily="18" charset="0"/>
+              </a:endParaRPr>
             </a:p>
           </p:txBody>
         </p:sp>
@@ -7066,8 +7099,6 @@
                 <a:schemeClr val="tx1"/>
               </a:solidFill>
               <a:miter lim="800000"/>
-              <a:headEnd/>
-              <a:tailEnd/>
             </a:ln>
             <a:effectLst/>
             <a:extLst>
@@ -7110,6 +7141,12 @@
                 </a:rPr>
                 <a:t>计算机硬件</a:t>
               </a:r>
+              <a:endParaRPr kumimoji="1" lang="zh-CN" altLang="en-US" sz="2400" b="1">
+                <a:solidFill>
+                  <a:srgbClr val="000000"/>
+                </a:solidFill>
+                <a:latin typeface="Times New Roman" pitchFamily="18" charset="0"/>
+              </a:endParaRPr>
             </a:p>
           </p:txBody>
         </p:sp>
@@ -7204,6 +7241,12 @@
                 </a:rPr>
                 <a:t>操作系统作为用户接口示意图</a:t>
               </a:r>
+              <a:endParaRPr kumimoji="1" lang="zh-CN" altLang="en-US" sz="1600" b="1" dirty="0">
+                <a:solidFill>
+                  <a:srgbClr val="000000"/>
+                </a:solidFill>
+                <a:latin typeface="黑体" pitchFamily="2" charset="-122"/>
+              </a:endParaRPr>
             </a:p>
           </p:txBody>
         </p:sp>
@@ -7277,7 +7320,7 @@
                 <a:solidFill>
                   <a:srgbClr val="000000"/>
                 </a:solidFill>
-                <a:latin typeface="Arial" charset="0"/>
+                <a:latin typeface="Arial" panose="02080604020202020204" pitchFamily="34" charset="0"/>
               </a:rPr>
               <a:t>1.1.2  OS</a:t>
             </a:r>
@@ -7286,19 +7329,20 @@
                 <a:solidFill>
                   <a:srgbClr val="000000"/>
                 </a:solidFill>
-                <a:latin typeface="Arial" charset="0"/>
+                <a:latin typeface="Arial" panose="02080604020202020204" pitchFamily="34" charset="0"/>
               </a:rPr>
               <a:t>的作用</a:t>
             </a:r>
+            <a:endParaRPr kumimoji="1" lang="zh-CN" altLang="en-US" sz="4000" b="1" dirty="0">
+              <a:solidFill>
+                <a:srgbClr val="000000"/>
+              </a:solidFill>
+              <a:latin typeface="Arial" panose="02080604020202020204" pitchFamily="34" charset="0"/>
+            </a:endParaRPr>
           </a:p>
         </p:txBody>
       </p:sp>
     </p:spTree>
-    <p:extLst>
-      <p:ext uri="{BB962C8B-B14F-4D97-AF65-F5344CB8AC3E}">
-        <p14:creationId xmlns:p14="http://schemas.microsoft.com/office/powerpoint/2010/main" val="3227521472"/>
-      </p:ext>
-    </p:extLst>
   </p:cSld>
   <p:clrMapOvr>
     <a:masterClrMapping/>
@@ -7429,8 +7473,6 @@
           <a:p>
             <a:fld id="{E11139D0-74DB-4825-B6A4-4443E8D56BFB}" type="slidenum">
               <a:rPr lang="en-US" altLang="zh-CN"/>
-              <a:pPr/>
-              <a:t>14</a:t>
             </a:fld>
             <a:endParaRPr lang="en-US" altLang="zh-CN"/>
           </a:p>
@@ -7505,7 +7547,7 @@
                 <a:solidFill>
                   <a:srgbClr val="000000"/>
                 </a:solidFill>
-                <a:latin typeface="Arial" charset="0"/>
+                <a:latin typeface="Arial" panose="02080604020202020204" pitchFamily="34" charset="0"/>
                 <a:ea typeface="黑体" pitchFamily="2" charset="-122"/>
               </a:rPr>
               <a:t>2.  OS</a:t>
@@ -7515,11 +7557,18 @@
                 <a:solidFill>
                   <a:srgbClr val="000000"/>
                 </a:solidFill>
-                <a:latin typeface="Arial" charset="0"/>
+                <a:latin typeface="Arial" panose="02080604020202020204" pitchFamily="34" charset="0"/>
                 <a:ea typeface="黑体" pitchFamily="2" charset="-122"/>
               </a:rPr>
               <a:t>作为计算机资源的管理者</a:t>
             </a:r>
+            <a:endParaRPr kumimoji="1" lang="zh-CN" altLang="en-US" sz="3600" b="1">
+              <a:solidFill>
+                <a:srgbClr val="000000"/>
+              </a:solidFill>
+              <a:latin typeface="Arial" panose="02080604020202020204" pitchFamily="34" charset="0"/>
+              <a:ea typeface="黑体" pitchFamily="2" charset="-122"/>
+            </a:endParaRPr>
           </a:p>
         </p:txBody>
       </p:sp>
@@ -7547,8 +7596,6 @@
               <a:schemeClr val="folHlink"/>
             </a:solidFill>
             <a:miter lim="800000"/>
-            <a:headEnd/>
-            <a:tailEnd/>
           </a:ln>
           <a:effectLst/>
           <a:extLst>
@@ -7580,7 +7627,7 @@
                 <a:srgbClr val="FFFF00"/>
               </a:buClr>
               <a:buSzPct val="70000"/>
-              <a:buFont typeface="Wingdings" pitchFamily="2" charset="2"/>
+              <a:buFont typeface="Wingdings" panose="05000000000000000000" pitchFamily="2" charset="2"/>
               <a:buChar char="l"/>
             </a:pPr>
             <a:r>
@@ -7593,6 +7640,13 @@
               </a:rPr>
               <a:t>处理机管理：分配和控制处理机</a:t>
             </a:r>
+            <a:endParaRPr kumimoji="1" lang="zh-CN" altLang="en-US" sz="2800" b="1">
+              <a:solidFill>
+                <a:srgbClr val="FFFF00"/>
+              </a:solidFill>
+              <a:latin typeface="Times New Roman" pitchFamily="18" charset="0"/>
+              <a:ea typeface="楷体_GB2312" pitchFamily="49" charset="-122"/>
+            </a:endParaRPr>
           </a:p>
           <a:p>
             <a:pPr lvl="1" algn="just" fontAlgn="base">
@@ -7606,7 +7660,7 @@
                 <a:srgbClr val="FFFF00"/>
               </a:buClr>
               <a:buSzPct val="70000"/>
-              <a:buFont typeface="Wingdings" pitchFamily="2" charset="2"/>
+              <a:buFont typeface="Wingdings" panose="05000000000000000000" pitchFamily="2" charset="2"/>
               <a:buChar char="l"/>
             </a:pPr>
             <a:r>
@@ -7619,6 +7673,13 @@
               </a:rPr>
               <a:t>存储器管理：主要是内存分配和回收</a:t>
             </a:r>
+            <a:endParaRPr kumimoji="1" lang="zh-CN" altLang="en-US" sz="2800" b="1">
+              <a:solidFill>
+                <a:srgbClr val="FFFF00"/>
+              </a:solidFill>
+              <a:latin typeface="Times New Roman" pitchFamily="18" charset="0"/>
+              <a:ea typeface="楷体_GB2312" pitchFamily="49" charset="-122"/>
+            </a:endParaRPr>
           </a:p>
           <a:p>
             <a:pPr lvl="1" algn="just" fontAlgn="base">
@@ -7632,7 +7693,7 @@
                 <a:srgbClr val="FFFF00"/>
               </a:buClr>
               <a:buSzPct val="70000"/>
-              <a:buFont typeface="Wingdings" pitchFamily="2" charset="2"/>
+              <a:buFont typeface="Wingdings" panose="05000000000000000000" pitchFamily="2" charset="2"/>
               <a:buChar char="l"/>
             </a:pPr>
             <a:r>
@@ -7675,6 +7736,13 @@
               </a:rPr>
               <a:t>设备的分配与操纵</a:t>
             </a:r>
+            <a:endParaRPr kumimoji="1" lang="zh-CN" altLang="en-US" sz="2800" b="1">
+              <a:solidFill>
+                <a:srgbClr val="FFFF00"/>
+              </a:solidFill>
+              <a:latin typeface="Times New Roman" pitchFamily="18" charset="0"/>
+              <a:ea typeface="楷体_GB2312" pitchFamily="49" charset="-122"/>
+            </a:endParaRPr>
           </a:p>
           <a:p>
             <a:pPr lvl="1" algn="just" fontAlgn="base">
@@ -7688,7 +7756,7 @@
                 <a:srgbClr val="FFFF00"/>
               </a:buClr>
               <a:buSzPct val="70000"/>
-              <a:buFont typeface="Wingdings" pitchFamily="2" charset="2"/>
+              <a:buFont typeface="Wingdings" panose="05000000000000000000" pitchFamily="2" charset="2"/>
               <a:buChar char="l"/>
             </a:pPr>
             <a:r>
@@ -7701,6 +7769,13 @@
               </a:rPr>
               <a:t>文件管理：文件的存取、共享和保护</a:t>
             </a:r>
+            <a:endParaRPr kumimoji="1" lang="zh-CN" altLang="en-US" sz="2800" b="1">
+              <a:solidFill>
+                <a:srgbClr val="FFFF00"/>
+              </a:solidFill>
+              <a:latin typeface="Times New Roman" pitchFamily="18" charset="0"/>
+              <a:ea typeface="楷体_GB2312" pitchFamily="49" charset="-122"/>
+            </a:endParaRPr>
           </a:p>
         </p:txBody>
       </p:sp>
@@ -7773,7 +7848,7 @@
                 <a:solidFill>
                   <a:srgbClr val="000000"/>
                 </a:solidFill>
-                <a:latin typeface="Arial" charset="0"/>
+                <a:latin typeface="Arial" panose="02080604020202020204" pitchFamily="34" charset="0"/>
                 <a:ea typeface="黑体" pitchFamily="2" charset="-122"/>
               </a:rPr>
               <a:t>1.1.2  OS</a:t>
@@ -7783,20 +7858,22 @@
                 <a:solidFill>
                   <a:srgbClr val="000000"/>
                 </a:solidFill>
-                <a:latin typeface="Arial" charset="0"/>
+                <a:latin typeface="Arial" panose="02080604020202020204" pitchFamily="34" charset="0"/>
                 <a:ea typeface="黑体" pitchFamily="2" charset="-122"/>
               </a:rPr>
               <a:t>的作用</a:t>
             </a:r>
+            <a:endParaRPr kumimoji="1" lang="zh-CN" altLang="en-US" sz="4000" b="1">
+              <a:solidFill>
+                <a:srgbClr val="000000"/>
+              </a:solidFill>
+              <a:latin typeface="Arial" panose="02080604020202020204" pitchFamily="34" charset="0"/>
+              <a:ea typeface="黑体" pitchFamily="2" charset="-122"/>
+            </a:endParaRPr>
           </a:p>
         </p:txBody>
       </p:sp>
     </p:spTree>
-    <p:extLst>
-      <p:ext uri="{BB962C8B-B14F-4D97-AF65-F5344CB8AC3E}">
-        <p14:creationId xmlns:p14="http://schemas.microsoft.com/office/powerpoint/2010/main" val="3538903336"/>
-      </p:ext>
-    </p:extLst>
   </p:cSld>
   <p:clrMapOvr>
     <a:masterClrMapping/>
@@ -7932,8 +8009,6 @@
           <a:p>
             <a:fld id="{111D3E89-C19A-42D5-8F14-F29108523BA8}" type="slidenum">
               <a:rPr lang="en-US" altLang="zh-CN"/>
-              <a:pPr/>
-              <a:t>15</a:t>
             </a:fld>
             <a:endParaRPr lang="en-US" altLang="zh-CN"/>
           </a:p>
@@ -8008,7 +8083,7 @@
                 <a:solidFill>
                   <a:srgbClr val="000000"/>
                 </a:solidFill>
-                <a:latin typeface="Arial" charset="0"/>
+                <a:latin typeface="Arial" panose="02080604020202020204" pitchFamily="34" charset="0"/>
                 <a:ea typeface="黑体" pitchFamily="2" charset="-122"/>
               </a:rPr>
               <a:t>3.  </a:t>
@@ -8018,7 +8093,7 @@
                 <a:solidFill>
                   <a:srgbClr val="000000"/>
                 </a:solidFill>
-                <a:latin typeface="Arial" charset="0"/>
+                <a:latin typeface="Arial" panose="02080604020202020204" pitchFamily="34" charset="0"/>
                 <a:ea typeface="黑体" pitchFamily="2" charset="-122"/>
               </a:rPr>
               <a:t>OS</a:t>
@@ -8028,7 +8103,7 @@
                 <a:solidFill>
                   <a:srgbClr val="000000"/>
                 </a:solidFill>
-                <a:latin typeface="Arial" charset="0"/>
+                <a:latin typeface="Arial" panose="02080604020202020204" pitchFamily="34" charset="0"/>
                 <a:ea typeface="黑体" pitchFamily="2" charset="-122"/>
               </a:rPr>
               <a:t>实现了对计算机资源的抽象</a:t>
@@ -8037,7 +8112,7 @@
               <a:solidFill>
                 <a:srgbClr val="000000"/>
               </a:solidFill>
-              <a:latin typeface="Arial" charset="0"/>
+              <a:latin typeface="Arial" panose="02080604020202020204" pitchFamily="34" charset="0"/>
               <a:ea typeface="黑体" pitchFamily="2" charset="-122"/>
             </a:endParaRPr>
           </a:p>
@@ -8112,7 +8187,7 @@
                 <a:solidFill>
                   <a:srgbClr val="000000"/>
                 </a:solidFill>
-                <a:latin typeface="Arial" charset="0"/>
+                <a:latin typeface="Arial" panose="02080604020202020204" pitchFamily="34" charset="0"/>
                 <a:ea typeface="黑体" pitchFamily="2" charset="-122"/>
               </a:rPr>
               <a:t>1.1.2  OS</a:t>
@@ -8122,11 +8197,18 @@
                 <a:solidFill>
                   <a:srgbClr val="000000"/>
                 </a:solidFill>
-                <a:latin typeface="Arial" charset="0"/>
+                <a:latin typeface="Arial" panose="02080604020202020204" pitchFamily="34" charset="0"/>
                 <a:ea typeface="黑体" pitchFamily="2" charset="-122"/>
               </a:rPr>
               <a:t>的作用</a:t>
             </a:r>
+            <a:endParaRPr kumimoji="1" lang="zh-CN" altLang="en-US" sz="4000" b="1">
+              <a:solidFill>
+                <a:srgbClr val="000000"/>
+              </a:solidFill>
+              <a:latin typeface="Arial" panose="02080604020202020204" pitchFamily="34" charset="0"/>
+              <a:ea typeface="黑体" pitchFamily="2" charset="-122"/>
+            </a:endParaRPr>
           </a:p>
         </p:txBody>
       </p:sp>
@@ -8139,7 +8221,7 @@
           <p:nvPr/>
         </p:nvPicPr>
         <p:blipFill rotWithShape="1">
-          <a:blip r:embed="rId2">
+          <a:blip r:embed="rId1">
             <a:extLst>
               <a:ext uri="{28A0092B-C50C-407E-A947-70E740481C1C}">
                 <a14:useLocalDpi xmlns:a14="http://schemas.microsoft.com/office/drawing/2010/main" val="0"/>
@@ -8147,7 +8229,9 @@
             </a:extLst>
           </a:blip>
           <a:srcRect r="59241"/>
-          <a:stretch/>
+          <a:stretch>
+            <a:fillRect/>
+          </a:stretch>
         </p:blipFill>
         <p:spPr bwMode="auto">
           <a:xfrm>
@@ -8170,11 +8254,6 @@
         </p:spPr>
       </p:pic>
     </p:spTree>
-    <p:extLst>
-      <p:ext uri="{BB962C8B-B14F-4D97-AF65-F5344CB8AC3E}">
-        <p14:creationId xmlns:p14="http://schemas.microsoft.com/office/powerpoint/2010/main" val="1245648416"/>
-      </p:ext>
-    </p:extLst>
   </p:cSld>
   <p:clrMapOvr>
     <a:masterClrMapping/>
@@ -8412,8 +8491,6 @@
           <a:p>
             <a:fld id="{111D3E89-C19A-42D5-8F14-F29108523BA8}" type="slidenum">
               <a:rPr lang="en-US" altLang="zh-CN"/>
-              <a:pPr/>
-              <a:t>16</a:t>
             </a:fld>
             <a:endParaRPr lang="en-US" altLang="zh-CN"/>
           </a:p>
@@ -8488,7 +8565,7 @@
                 <a:solidFill>
                   <a:srgbClr val="000000"/>
                 </a:solidFill>
-                <a:latin typeface="Arial" charset="0"/>
+                <a:latin typeface="Arial" panose="02080604020202020204" pitchFamily="34" charset="0"/>
                 <a:ea typeface="黑体" pitchFamily="2" charset="-122"/>
               </a:rPr>
               <a:t>3.  </a:t>
@@ -8498,7 +8575,7 @@
                 <a:solidFill>
                   <a:srgbClr val="000000"/>
                 </a:solidFill>
-                <a:latin typeface="Arial" charset="0"/>
+                <a:latin typeface="Arial" panose="02080604020202020204" pitchFamily="34" charset="0"/>
                 <a:ea typeface="黑体" pitchFamily="2" charset="-122"/>
               </a:rPr>
               <a:t>OS</a:t>
@@ -8508,7 +8585,7 @@
                 <a:solidFill>
                   <a:srgbClr val="000000"/>
                 </a:solidFill>
-                <a:latin typeface="Arial" charset="0"/>
+                <a:latin typeface="Arial" panose="02080604020202020204" pitchFamily="34" charset="0"/>
                 <a:ea typeface="黑体" pitchFamily="2" charset="-122"/>
               </a:rPr>
               <a:t>实现了对计算机资源的抽象</a:t>
@@ -8517,7 +8594,7 @@
               <a:solidFill>
                 <a:srgbClr val="000000"/>
               </a:solidFill>
-              <a:latin typeface="Arial" charset="0"/>
+              <a:latin typeface="Arial" panose="02080604020202020204" pitchFamily="34" charset="0"/>
               <a:ea typeface="黑体" pitchFamily="2" charset="-122"/>
             </a:endParaRPr>
           </a:p>
@@ -8547,8 +8624,6 @@
               <a:srgbClr val="FFFF00"/>
             </a:solidFill>
             <a:miter lim="800000"/>
-            <a:headEnd/>
-            <a:tailEnd/>
           </a:ln>
           <a:effectLst/>
           <a:extLst>
@@ -8617,6 +8692,13 @@
               </a:rPr>
               <a:t>的基本特征之一</a:t>
             </a:r>
+            <a:endParaRPr kumimoji="1" lang="zh-CN" altLang="en-US" sz="3600" b="1">
+              <a:solidFill>
+                <a:srgbClr val="FFFF00"/>
+              </a:solidFill>
+              <a:latin typeface="楷体_GB2312" pitchFamily="49" charset="-122"/>
+              <a:ea typeface="楷体_GB2312" pitchFamily="49" charset="-122"/>
+            </a:endParaRPr>
           </a:p>
         </p:txBody>
       </p:sp>
@@ -8689,7 +8771,7 @@
                 <a:solidFill>
                   <a:srgbClr val="000000"/>
                 </a:solidFill>
-                <a:latin typeface="Arial" charset="0"/>
+                <a:latin typeface="Arial" panose="02080604020202020204" pitchFamily="34" charset="0"/>
                 <a:ea typeface="黑体" pitchFamily="2" charset="-122"/>
               </a:rPr>
               <a:t>1.1.2  OS</a:t>
@@ -8699,11 +8781,18 @@
                 <a:solidFill>
                   <a:srgbClr val="000000"/>
                 </a:solidFill>
-                <a:latin typeface="Arial" charset="0"/>
+                <a:latin typeface="Arial" panose="02080604020202020204" pitchFamily="34" charset="0"/>
                 <a:ea typeface="黑体" pitchFamily="2" charset="-122"/>
               </a:rPr>
               <a:t>的作用</a:t>
             </a:r>
+            <a:endParaRPr kumimoji="1" lang="zh-CN" altLang="en-US" sz="4000" b="1">
+              <a:solidFill>
+                <a:srgbClr val="000000"/>
+              </a:solidFill>
+              <a:latin typeface="Arial" panose="02080604020202020204" pitchFamily="34" charset="0"/>
+              <a:ea typeface="黑体" pitchFamily="2" charset="-122"/>
+            </a:endParaRPr>
           </a:p>
         </p:txBody>
       </p:sp>
@@ -8716,7 +8805,7 @@
           <p:nvPr/>
         </p:nvPicPr>
         <p:blipFill rotWithShape="1">
-          <a:blip r:embed="rId2">
+          <a:blip r:embed="rId1">
             <a:extLst>
               <a:ext uri="{28A0092B-C50C-407E-A947-70E740481C1C}">
                 <a14:useLocalDpi xmlns:a14="http://schemas.microsoft.com/office/drawing/2010/main" val="0"/>
@@ -8724,7 +8813,9 @@
             </a:extLst>
           </a:blip>
           <a:srcRect l="40319"/>
-          <a:stretch/>
+          <a:stretch>
+            <a:fillRect/>
+          </a:stretch>
         </p:blipFill>
         <p:spPr bwMode="auto">
           <a:xfrm>
@@ -8747,11 +8838,6 @@
         </p:spPr>
       </p:pic>
     </p:spTree>
-    <p:extLst>
-      <p:ext uri="{BB962C8B-B14F-4D97-AF65-F5344CB8AC3E}">
-        <p14:creationId xmlns:p14="http://schemas.microsoft.com/office/powerpoint/2010/main" val="1748421759"/>
-      </p:ext>
-    </p:extLst>
   </p:cSld>
   <p:clrMapOvr>
     <a:masterClrMapping/>
@@ -8765,13 +8851,13 @@
               <p:cTn id="2" dur="indefinite" nodeType="mainSeq">
                 <p:childTnLst>
                   <p:par>
-                    <p:cTn id="3" fill="hold" nodeType="clickPar">
+                    <p:cTn id="3" fill="hold">
                       <p:stCondLst>
                         <p:cond delay="indefinite"/>
                       </p:stCondLst>
                       <p:childTnLst>
                         <p:par>
-                          <p:cTn id="4" fill="hold" nodeType="withGroup">
+                          <p:cTn id="4" fill="hold">
                             <p:stCondLst>
                               <p:cond delay="0"/>
                             </p:stCondLst>
@@ -8915,7 +9001,6 @@
             <a:off x="899592" y="692696"/>
             <a:ext cx="7248525" cy="939800"/>
           </a:xfrm>
-          <a:ln/>
         </p:spPr>
         <p:txBody>
           <a:bodyPr>
@@ -8939,6 +9024,7 @@
               <a:rPr lang="zh-CN" altLang="en-US" dirty="0"/>
               <a:t>发展的主要动力</a:t>
             </a:r>
+            <a:endParaRPr lang="zh-CN" altLang="en-US" dirty="0"/>
           </a:p>
         </p:txBody>
       </p:sp>
@@ -8973,6 +9059,7 @@
               <a:rPr lang="zh-CN" altLang="en-US" b="1" dirty="0"/>
               <a:t>．不断提高计算机资源利用率。</a:t>
             </a:r>
+            <a:endParaRPr lang="zh-CN" altLang="en-US" b="1" dirty="0"/>
           </a:p>
           <a:p>
             <a:pPr marL="0" indent="0" algn="just">
@@ -8986,6 +9073,7 @@
               <a:rPr lang="zh-CN" altLang="en-US" b="1" dirty="0"/>
               <a:t>．方便用户</a:t>
             </a:r>
+            <a:endParaRPr lang="zh-CN" altLang="en-US" b="1" dirty="0"/>
           </a:p>
           <a:p>
             <a:pPr marL="0" indent="0" algn="just">
@@ -8999,6 +9087,7 @@
               <a:rPr lang="zh-CN" altLang="en-US" b="1" dirty="0"/>
               <a:t>．器件的不断更新换代 </a:t>
             </a:r>
+            <a:endParaRPr lang="zh-CN" altLang="en-US" b="1" dirty="0"/>
           </a:p>
           <a:p>
             <a:pPr marL="0" indent="0" algn="just">
@@ -9012,6 +9101,7 @@
               <a:rPr lang="zh-CN" altLang="en-US" b="1" dirty="0"/>
               <a:t>．计算机体系结构的不断发展 </a:t>
             </a:r>
+            <a:endParaRPr lang="zh-CN" altLang="en-US" b="1" dirty="0"/>
           </a:p>
           <a:p>
             <a:pPr marL="0" indent="0" algn="just">
@@ -9025,6 +9115,7 @@
               <a:rPr lang="zh-CN" altLang="en-US" b="1" dirty="0"/>
               <a:t>．不断提出新的应用需求</a:t>
             </a:r>
+            <a:endParaRPr lang="zh-CN" altLang="en-US" b="1" dirty="0"/>
           </a:p>
         </p:txBody>
       </p:sp>
@@ -9045,19 +9136,12 @@
           <a:p>
             <a:fld id="{9A79D61D-2532-439B-A018-8B03F65707E3}" type="slidenum">
               <a:rPr lang="en-US" altLang="zh-CN"/>
-              <a:pPr/>
-              <a:t>17</a:t>
             </a:fld>
             <a:endParaRPr lang="en-US" altLang="zh-CN"/>
           </a:p>
         </p:txBody>
       </p:sp>
     </p:spTree>
-    <p:extLst>
-      <p:ext uri="{BB962C8B-B14F-4D97-AF65-F5344CB8AC3E}">
-        <p14:creationId xmlns:p14="http://schemas.microsoft.com/office/powerpoint/2010/main" val="2947714504"/>
-      </p:ext>
-    </p:extLst>
   </p:cSld>
   <p:clrMapOvr>
     <a:masterClrMapping/>
@@ -9104,7 +9188,6 @@
             <a:off x="804863" y="246063"/>
             <a:ext cx="7248525" cy="939800"/>
           </a:xfrm>
-          <a:ln/>
         </p:spPr>
         <p:txBody>
           <a:bodyPr/>
@@ -9125,6 +9208,7 @@
               <a:rPr lang="zh-CN" altLang="en-US"/>
               <a:t> </a:t>
             </a:r>
+            <a:endParaRPr lang="zh-CN" altLang="en-US"/>
           </a:p>
         </p:txBody>
       </p:sp>
@@ -9173,6 +9257,7 @@
               <a:rPr lang="zh-CN" altLang="en-US"/>
               <a:t> </a:t>
             </a:r>
+            <a:endParaRPr lang="zh-CN" altLang="en-US"/>
           </a:p>
           <a:p>
             <a:r>
@@ -9189,6 +9274,7 @@
               <a:rPr lang="zh-CN" altLang="en-US"/>
               <a:t> </a:t>
             </a:r>
+            <a:endParaRPr lang="zh-CN" altLang="en-US"/>
           </a:p>
           <a:p>
             <a:r>
@@ -9235,6 +9321,7 @@
               <a:rPr lang="zh-CN" altLang="en-US"/>
               <a:t> </a:t>
             </a:r>
+            <a:endParaRPr lang="zh-CN" altLang="en-US"/>
           </a:p>
         </p:txBody>
       </p:sp>
@@ -9255,19 +9342,12 @@
           <a:p>
             <a:fld id="{9A79D61D-2532-439B-A018-8B03F65707E3}" type="slidenum">
               <a:rPr lang="en-US" altLang="zh-CN"/>
-              <a:pPr/>
-              <a:t>18</a:t>
             </a:fld>
             <a:endParaRPr lang="en-US" altLang="zh-CN"/>
           </a:p>
         </p:txBody>
       </p:sp>
     </p:spTree>
-    <p:extLst>
-      <p:ext uri="{BB962C8B-B14F-4D97-AF65-F5344CB8AC3E}">
-        <p14:creationId xmlns:p14="http://schemas.microsoft.com/office/powerpoint/2010/main" val="2456519812"/>
-      </p:ext>
-    </p:extLst>
   </p:cSld>
   <p:clrMapOvr>
     <a:masterClrMapping/>
@@ -9345,6 +9425,7 @@
               <a:rPr lang="zh-CN" altLang="en-US"/>
               <a:t> </a:t>
             </a:r>
+            <a:endParaRPr lang="zh-CN" altLang="en-US"/>
           </a:p>
         </p:txBody>
       </p:sp>
@@ -9379,6 +9460,7 @@
               <a:rPr lang="zh-CN" altLang="en-US"/>
               <a:t> </a:t>
             </a:r>
+            <a:endParaRPr lang="zh-CN" altLang="en-US"/>
           </a:p>
           <a:p>
             <a:r>
@@ -9418,10 +9500,11 @@
               <a:rPr lang="zh-CN" altLang="en-US"/>
               <a:t> </a:t>
             </a:r>
+            <a:endParaRPr lang="zh-CN" altLang="en-US"/>
           </a:p>
           <a:p>
             <a:pPr lvl="1">
-              <a:buFont typeface="Wingdings" pitchFamily="2" charset="2"/>
+              <a:buFont typeface="Wingdings" panose="05000000000000000000" pitchFamily="2" charset="2"/>
               <a:buNone/>
             </a:pPr>
             <a:r>
@@ -9452,6 +9535,7 @@
               <a:rPr lang="zh-CN" altLang="en-US"/>
               <a:t> ）</a:t>
             </a:r>
+            <a:endParaRPr lang="zh-CN" altLang="en-US"/>
           </a:p>
         </p:txBody>
       </p:sp>
@@ -9472,8 +9556,6 @@
           <a:p>
             <a:fld id="{A80202AA-00B5-40E8-98C0-3B7E7510310B}" type="slidenum">
               <a:rPr lang="en-US" altLang="zh-CN"/>
-              <a:pPr/>
-              <a:t>19</a:t>
             </a:fld>
             <a:endParaRPr lang="en-US" altLang="zh-CN"/>
           </a:p>
@@ -9552,15 +9634,16 @@
               </a:rPr>
               <a:t>这一时期有两种操作方式：</a:t>
             </a:r>
+            <a:endParaRPr kumimoji="1" lang="zh-CN" altLang="en-US" sz="3600" b="1">
+              <a:solidFill>
+                <a:srgbClr val="000000"/>
+              </a:solidFill>
+              <a:ea typeface="黑体" pitchFamily="2" charset="-122"/>
+            </a:endParaRPr>
           </a:p>
         </p:txBody>
       </p:sp>
     </p:spTree>
-    <p:extLst>
-      <p:ext uri="{BB962C8B-B14F-4D97-AF65-F5344CB8AC3E}">
-        <p14:creationId xmlns:p14="http://schemas.microsoft.com/office/powerpoint/2010/main" val="989010015"/>
-      </p:ext>
-    </p:extLst>
   </p:cSld>
   <p:clrMapOvr>
     <a:masterClrMapping/>
@@ -9680,6 +9763,11 @@
               </a:rPr>
               <a:t>章  操作系统引论</a:t>
             </a:r>
+            <a:endParaRPr kumimoji="1" lang="zh-CN" altLang="en-US" sz="3200" b="1" dirty="0">
+              <a:solidFill>
+                <a:srgbClr val="000066"/>
+              </a:solidFill>
+            </a:endParaRPr>
           </a:p>
           <a:p>
             <a:pPr fontAlgn="base">
@@ -9808,6 +9896,11 @@
               </a:rPr>
               <a:t>章  存储器管理</a:t>
             </a:r>
+            <a:endParaRPr kumimoji="1" lang="zh-CN" altLang="en-US" sz="3200" b="1" dirty="0">
+              <a:solidFill>
+                <a:srgbClr val="000066"/>
+              </a:solidFill>
+            </a:endParaRPr>
           </a:p>
           <a:p>
             <a:pPr fontAlgn="base">
@@ -9967,6 +10060,11 @@
               </a:rPr>
               <a:t>章  磁盘存储器的管理（设备管理）</a:t>
             </a:r>
+            <a:endParaRPr kumimoji="1" lang="zh-CN" altLang="en-US" sz="3200" b="1" dirty="0" smtClean="0">
+              <a:solidFill>
+                <a:srgbClr val="000066"/>
+              </a:solidFill>
+            </a:endParaRPr>
           </a:p>
           <a:p>
             <a:pPr fontAlgn="base">
@@ -10026,11 +10124,6 @@
         </p:txBody>
       </p:sp>
     </p:spTree>
-    <p:extLst>
-      <p:ext uri="{BB962C8B-B14F-4D97-AF65-F5344CB8AC3E}">
-        <p14:creationId xmlns:p14="http://schemas.microsoft.com/office/powerpoint/2010/main" val="338919508"/>
-      </p:ext>
-    </p:extLst>
   </p:cSld>
   <p:clrMapOvr>
     <a:masterClrMapping/>
@@ -10099,6 +10192,7 @@
               <a:rPr lang="zh-CN" altLang="en-US"/>
               <a:t> </a:t>
             </a:r>
+            <a:endParaRPr lang="zh-CN" altLang="en-US"/>
           </a:p>
         </p:txBody>
       </p:sp>
@@ -10128,6 +10222,9 @@
               </a:rPr>
               <a:t>程序员将事先已穿孔（对应于程序和数据）的纸带（或卡片）装入纸带输入机（或卡片输入机）；</a:t>
             </a:r>
+            <a:endParaRPr lang="zh-CN" altLang="en-US">
+              <a:latin typeface="宋体" pitchFamily="2" charset="-122"/>
+            </a:endParaRPr>
           </a:p>
           <a:p>
             <a:r>
@@ -10136,6 +10233,9 @@
               </a:rPr>
               <a:t>再启动输入机将程序和数据输入计算机；</a:t>
             </a:r>
+            <a:endParaRPr lang="zh-CN" altLang="en-US">
+              <a:latin typeface="宋体" pitchFamily="2" charset="-122"/>
+            </a:endParaRPr>
           </a:p>
           <a:p>
             <a:r>
@@ -10144,6 +10244,9 @@
               </a:rPr>
               <a:t>然后启动计算机运行。</a:t>
             </a:r>
+            <a:endParaRPr lang="zh-CN" altLang="en-US">
+              <a:latin typeface="宋体" pitchFamily="2" charset="-122"/>
+            </a:endParaRPr>
           </a:p>
           <a:p>
             <a:r>
@@ -10156,6 +10259,7 @@
               <a:rPr lang="zh-CN" altLang="en-US"/>
               <a:t> </a:t>
             </a:r>
+            <a:endParaRPr lang="zh-CN" altLang="en-US"/>
           </a:p>
         </p:txBody>
       </p:sp>
@@ -10176,19 +10280,12 @@
           <a:p>
             <a:fld id="{B226E9F6-7CDC-4364-8B70-E5001C4984BA}" type="slidenum">
               <a:rPr lang="en-US" altLang="zh-CN"/>
-              <a:pPr/>
-              <a:t>20</a:t>
             </a:fld>
             <a:endParaRPr lang="en-US" altLang="zh-CN"/>
           </a:p>
         </p:txBody>
       </p:sp>
     </p:spTree>
-    <p:extLst>
-      <p:ext uri="{BB962C8B-B14F-4D97-AF65-F5344CB8AC3E}">
-        <p14:creationId xmlns:p14="http://schemas.microsoft.com/office/powerpoint/2010/main" val="3371421299"/>
-      </p:ext>
-    </p:extLst>
   </p:cSld>
   <p:clrMapOvr>
     <a:masterClrMapping/>
@@ -10270,6 +10367,7 @@
               <a:rPr lang="zh-CN" altLang="en-US" sz="4800"/>
               <a:t> </a:t>
             </a:r>
+            <a:endParaRPr lang="zh-CN" altLang="en-US" sz="4800"/>
           </a:p>
         </p:txBody>
       </p:sp>
@@ -10284,7 +10382,7 @@
           </p:nvPr>
         </p:nvPicPr>
         <p:blipFill>
-          <a:blip r:embed="rId2">
+          <a:blip r:embed="rId1">
             <a:extLst>
               <a:ext uri="{28A0092B-C50C-407E-A947-70E740481C1C}">
                 <a14:useLocalDpi xmlns:a14="http://schemas.microsoft.com/office/drawing/2010/main" val="0"/>
@@ -10302,7 +10400,6 @@
             <a:ext cx="6032500" cy="3687762"/>
           </a:xfrm>
           <a:noFill/>
-          <a:ln/>
           <a:extLst>
             <a:ext uri="{909E8E84-426E-40DD-AFC4-6F175D3DCCD1}">
               <a14:hiddenFill xmlns:a14="http://schemas.microsoft.com/office/drawing/2010/main">
@@ -10350,8 +10447,6 @@
           <a:p>
             <a:fld id="{5ACCA392-C572-46BD-8941-05B8B888C433}" type="slidenum">
               <a:rPr lang="en-US" altLang="zh-CN"/>
-              <a:pPr/>
-              <a:t>21</a:t>
             </a:fld>
             <a:endParaRPr lang="en-US" altLang="zh-CN"/>
           </a:p>
@@ -10381,8 +10476,6 @@
               <a:srgbClr val="FFFF00"/>
             </a:solidFill>
             <a:miter lim="800000"/>
-            <a:headEnd/>
-            <a:tailEnd/>
           </a:ln>
           <a:effectLst/>
           <a:extLst>
@@ -10429,6 +10522,12 @@
               </a:rPr>
               <a:t> </a:t>
             </a:r>
+            <a:endParaRPr kumimoji="1" lang="zh-CN" altLang="en-US" sz="2400">
+              <a:solidFill>
+                <a:srgbClr val="FFFF00"/>
+              </a:solidFill>
+              <a:latin typeface="Times New Roman" pitchFamily="18" charset="0"/>
+            </a:endParaRPr>
           </a:p>
         </p:txBody>
       </p:sp>
@@ -10557,6 +10656,12 @@
               </a:rPr>
               <a:t> </a:t>
             </a:r>
+            <a:endParaRPr kumimoji="1" lang="zh-CN" altLang="en-US" sz="2800" b="1">
+              <a:solidFill>
+                <a:srgbClr val="FFFFFF"/>
+              </a:solidFill>
+              <a:latin typeface="Times New Roman" pitchFamily="18" charset="0"/>
+            </a:endParaRPr>
           </a:p>
           <a:p>
             <a:pPr algn="just" fontAlgn="base">
@@ -10612,6 +10717,12 @@
               </a:rPr>
               <a:t>速度</a:t>
             </a:r>
+            <a:endParaRPr kumimoji="1" lang="zh-CN" altLang="en-US" sz="2800" b="1">
+              <a:solidFill>
+                <a:srgbClr val="FFFFFF"/>
+              </a:solidFill>
+              <a:latin typeface="Times New Roman" pitchFamily="18" charset="0"/>
+            </a:endParaRPr>
           </a:p>
         </p:txBody>
       </p:sp>
@@ -10656,11 +10767,6 @@
         </p:txBody>
       </p:sp>
     </p:spTree>
-    <p:extLst>
-      <p:ext uri="{BB962C8B-B14F-4D97-AF65-F5344CB8AC3E}">
-        <p14:creationId xmlns:p14="http://schemas.microsoft.com/office/powerpoint/2010/main" val="384832929"/>
-      </p:ext>
-    </p:extLst>
   </p:cSld>
   <p:clrMapOvr>
     <a:masterClrMapping/>
@@ -10674,13 +10780,13 @@
               <p:cTn id="2" dur="indefinite" nodeType="mainSeq">
                 <p:childTnLst>
                   <p:par>
-                    <p:cTn id="3" fill="hold" nodeType="clickPar">
+                    <p:cTn id="3" fill="hold">
                       <p:stCondLst>
                         <p:cond delay="indefinite"/>
                       </p:stCondLst>
                       <p:childTnLst>
                         <p:par>
-                          <p:cTn id="4" fill="hold" nodeType="withGroup">
+                          <p:cTn id="4" fill="hold">
                             <p:stCondLst>
                               <p:cond delay="0"/>
                             </p:stCondLst>
@@ -10844,6 +10950,7 @@
               <a:rPr lang="zh-CN" altLang="en-US"/>
               <a:t> </a:t>
             </a:r>
+            <a:endParaRPr lang="zh-CN" altLang="en-US"/>
           </a:p>
         </p:txBody>
       </p:sp>
@@ -10904,8 +11011,6 @@
           <a:p>
             <a:fld id="{2E855AEA-9FE8-419E-BD65-BD981D2D1FBA}" type="slidenum">
               <a:rPr lang="en-US" altLang="zh-CN"/>
-              <a:pPr/>
-              <a:t>22</a:t>
             </a:fld>
             <a:endParaRPr lang="en-US" altLang="zh-CN"/>
           </a:p>
@@ -10977,7 +11082,7 @@
               <a:buClr>
                 <a:srgbClr val="333399"/>
               </a:buClr>
-              <a:buFont typeface="Wingdings" pitchFamily="2" charset="2"/>
+              <a:buFont typeface="Wingdings" panose="05000000000000000000" pitchFamily="2" charset="2"/>
               <a:buChar char="l"/>
             </a:pPr>
             <a:r>
@@ -10989,6 +11094,12 @@
               </a:rPr>
               <a:t>把一批作业以脱机方式输入到磁带上； </a:t>
             </a:r>
+            <a:endParaRPr kumimoji="1" lang="zh-CN" altLang="en-US" sz="2800" b="1" dirty="0">
+              <a:solidFill>
+                <a:srgbClr val="000000"/>
+              </a:solidFill>
+              <a:latin typeface="Times New Roman" pitchFamily="18" charset="0"/>
+            </a:endParaRPr>
           </a:p>
           <a:p>
             <a:pPr lvl="1" fontAlgn="base">
@@ -11001,7 +11112,7 @@
               <a:buClr>
                 <a:srgbClr val="333399"/>
               </a:buClr>
-              <a:buFont typeface="Wingdings" pitchFamily="2" charset="2"/>
+              <a:buFont typeface="Wingdings" panose="05000000000000000000" pitchFamily="2" charset="2"/>
               <a:buChar char="l"/>
             </a:pPr>
             <a:r>
@@ -11040,6 +11151,12 @@
               </a:rPr>
               <a:t>）控制下使这批作业</a:t>
             </a:r>
+            <a:endParaRPr kumimoji="1" lang="zh-CN" altLang="en-US" sz="2800" b="1" dirty="0">
+              <a:solidFill>
+                <a:srgbClr val="000000"/>
+              </a:solidFill>
+              <a:latin typeface="Times New Roman" pitchFamily="18" charset="0"/>
+            </a:endParaRPr>
           </a:p>
           <a:p>
             <a:pPr lvl="1" fontAlgn="base">
@@ -11052,7 +11169,7 @@
               <a:buClr>
                 <a:srgbClr val="333399"/>
               </a:buClr>
-              <a:buFont typeface="Wingdings" pitchFamily="2" charset="2"/>
+              <a:buFont typeface="Wingdings" panose="05000000000000000000" pitchFamily="2" charset="2"/>
               <a:buNone/>
             </a:pPr>
             <a:r>
@@ -11064,6 +11181,12 @@
               </a:rPr>
               <a:t>   一个接一个地连续处理。</a:t>
             </a:r>
+            <a:endParaRPr kumimoji="1" lang="zh-CN" altLang="en-US" sz="2800" b="1" dirty="0">
+              <a:solidFill>
+                <a:srgbClr val="000000"/>
+              </a:solidFill>
+              <a:latin typeface="Times New Roman" pitchFamily="18" charset="0"/>
+            </a:endParaRPr>
           </a:p>
           <a:p>
             <a:pPr lvl="1" fontAlgn="base">
@@ -11076,7 +11199,7 @@
               <a:buClr>
                 <a:srgbClr val="333399"/>
               </a:buClr>
-              <a:buFont typeface="Wingdings" pitchFamily="2" charset="2"/>
+              <a:buFont typeface="Wingdings" panose="05000000000000000000" pitchFamily="2" charset="2"/>
               <a:buNone/>
             </a:pPr>
             <a:r>
@@ -11131,8 +11254,6 @@
               <a:schemeClr val="tx2"/>
             </a:solidFill>
             <a:miter lim="800000"/>
-            <a:headEnd/>
-            <a:tailEnd/>
           </a:ln>
           <a:effectLst/>
           <a:extLst>
@@ -11220,15 +11341,16 @@
               </a:rPr>
               <a:t> </a:t>
             </a:r>
+            <a:endParaRPr kumimoji="1" lang="zh-CN" altLang="en-US" sz="2400" dirty="0">
+              <a:solidFill>
+                <a:srgbClr val="000000"/>
+              </a:solidFill>
+              <a:latin typeface="Times New Roman" pitchFamily="18" charset="0"/>
+            </a:endParaRPr>
           </a:p>
         </p:txBody>
       </p:sp>
     </p:spTree>
-    <p:extLst>
-      <p:ext uri="{BB962C8B-B14F-4D97-AF65-F5344CB8AC3E}">
-        <p14:creationId xmlns:p14="http://schemas.microsoft.com/office/powerpoint/2010/main" val="1054113341"/>
-      </p:ext>
-    </p:extLst>
   </p:cSld>
   <p:clrMapOvr>
     <a:masterClrMapping/>
@@ -11277,8 +11399,6 @@
           <a:p>
             <a:fld id="{958B80A2-8993-45E8-807D-49108704CB0E}" type="slidenum">
               <a:rPr lang="en-US" altLang="zh-CN"/>
-              <a:pPr/>
-              <a:t>23</a:t>
             </a:fld>
             <a:endParaRPr lang="en-US" altLang="zh-CN"/>
           </a:p>
@@ -11308,8 +11428,6 @@
               <a:schemeClr val="tx1"/>
             </a:solidFill>
             <a:miter lim="800000"/>
-            <a:headEnd/>
-            <a:tailEnd/>
           </a:ln>
           <a:effectLst/>
           <a:extLst>
@@ -11344,6 +11462,11 @@
               </a:rPr>
               <a:t>开始</a:t>
             </a:r>
+            <a:endParaRPr kumimoji="1" lang="zh-CN" altLang="en-US" sz="2400" b="1">
+              <a:solidFill>
+                <a:srgbClr val="000000"/>
+              </a:solidFill>
+            </a:endParaRPr>
           </a:p>
         </p:txBody>
       </p:sp>
@@ -11371,8 +11494,6 @@
               <a:schemeClr val="tx1"/>
             </a:solidFill>
             <a:miter lim="800000"/>
-            <a:headEnd/>
-            <a:tailEnd/>
           </a:ln>
           <a:effectLst/>
           <a:extLst>
@@ -11479,6 +11600,11 @@
               </a:rPr>
               <a:t>还有下一个作业？</a:t>
             </a:r>
+            <a:endParaRPr kumimoji="1" lang="zh-CN" altLang="en-US" sz="2000" b="1">
+              <a:solidFill>
+                <a:srgbClr val="000000"/>
+              </a:solidFill>
+            </a:endParaRPr>
           </a:p>
         </p:txBody>
       </p:sp>
@@ -11506,8 +11632,6 @@
               <a:schemeClr val="tx1"/>
             </a:solidFill>
             <a:miter lim="800000"/>
-            <a:headEnd/>
-            <a:tailEnd/>
           </a:ln>
           <a:effectLst/>
           <a:extLst>
@@ -11542,6 +11666,11 @@
               </a:rPr>
               <a:t>停止</a:t>
             </a:r>
+            <a:endParaRPr kumimoji="1" lang="zh-CN" altLang="en-US" sz="2400" b="1">
+              <a:solidFill>
+                <a:srgbClr val="000000"/>
+              </a:solidFill>
+            </a:endParaRPr>
           </a:p>
         </p:txBody>
       </p:sp>
@@ -11569,8 +11698,6 @@
               <a:schemeClr val="tx1"/>
             </a:solidFill>
             <a:miter lim="800000"/>
-            <a:headEnd/>
-            <a:tailEnd/>
           </a:ln>
           <a:effectLst/>
           <a:extLst>
@@ -11607,6 +11734,11 @@
               </a:rPr>
               <a:t>把下一个作业的源程序转换位目标程序</a:t>
             </a:r>
+            <a:endParaRPr kumimoji="1" lang="zh-CN" altLang="en-US" sz="2400" b="1">
+              <a:solidFill>
+                <a:srgbClr val="000000"/>
+              </a:solidFill>
+            </a:endParaRPr>
           </a:p>
         </p:txBody>
       </p:sp>
@@ -11634,8 +11766,6 @@
               <a:schemeClr val="tx1"/>
             </a:solidFill>
             <a:miter lim="800000"/>
-            <a:headEnd/>
-            <a:tailEnd/>
           </a:ln>
           <a:effectLst/>
           <a:extLst>
@@ -11742,6 +11872,11 @@
               </a:rPr>
               <a:t>源程序有错吗？</a:t>
             </a:r>
+            <a:endParaRPr kumimoji="1" lang="zh-CN" altLang="en-US" sz="2000" b="1">
+              <a:solidFill>
+                <a:srgbClr val="000000"/>
+              </a:solidFill>
+            </a:endParaRPr>
           </a:p>
         </p:txBody>
       </p:sp>
@@ -11769,8 +11904,6 @@
               <a:schemeClr val="tx1"/>
             </a:solidFill>
             <a:miter lim="800000"/>
-            <a:headEnd/>
-            <a:tailEnd/>
           </a:ln>
           <a:effectLst/>
           <a:extLst>
@@ -11805,6 +11938,11 @@
               </a:rPr>
               <a:t>装配目标程序</a:t>
             </a:r>
+            <a:endParaRPr kumimoji="1" lang="zh-CN" altLang="en-US" sz="2400" b="1">
+              <a:solidFill>
+                <a:srgbClr val="000000"/>
+              </a:solidFill>
+            </a:endParaRPr>
           </a:p>
         </p:txBody>
       </p:sp>
@@ -11832,8 +11970,6 @@
               <a:schemeClr val="tx1"/>
             </a:solidFill>
             <a:miter lim="800000"/>
-            <a:headEnd/>
-            <a:tailEnd/>
           </a:ln>
           <a:effectLst/>
           <a:extLst>
@@ -11868,6 +12004,11 @@
               </a:rPr>
               <a:t>目标程序运行</a:t>
             </a:r>
+            <a:endParaRPr kumimoji="1" lang="zh-CN" altLang="en-US" sz="2400" b="1">
+              <a:solidFill>
+                <a:srgbClr val="000000"/>
+              </a:solidFill>
+            </a:endParaRPr>
           </a:p>
           <a:p>
             <a:pPr algn="ctr" fontAlgn="base">
@@ -11886,6 +12027,11 @@
               </a:rPr>
               <a:t>直到结束</a:t>
             </a:r>
+            <a:endParaRPr kumimoji="1" lang="zh-CN" altLang="en-US" sz="2400" b="1">
+              <a:solidFill>
+                <a:srgbClr val="000000"/>
+              </a:solidFill>
+            </a:endParaRPr>
           </a:p>
         </p:txBody>
       </p:sp>
@@ -11911,7 +12057,6 @@
               <a:schemeClr val="tx1"/>
             </a:solidFill>
             <a:miter lim="800000"/>
-            <a:headEnd/>
             <a:tailEnd type="triangle" w="med" len="med"/>
           </a:ln>
           <a:effectLst/>
@@ -11969,7 +12114,6 @@
               <a:schemeClr val="tx1"/>
             </a:solidFill>
             <a:miter lim="800000"/>
-            <a:headEnd/>
             <a:tailEnd type="triangle" w="med" len="med"/>
           </a:ln>
           <a:effectLst/>
@@ -12027,7 +12171,6 @@
               <a:schemeClr val="tx1"/>
             </a:solidFill>
             <a:miter lim="800000"/>
-            <a:headEnd/>
             <a:tailEnd type="triangle" w="med" len="med"/>
           </a:ln>
           <a:effectLst/>
@@ -12085,7 +12228,6 @@
               <a:schemeClr val="tx1"/>
             </a:solidFill>
             <a:miter lim="800000"/>
-            <a:headEnd/>
             <a:tailEnd type="triangle" w="med" len="med"/>
           </a:ln>
           <a:effectLst/>
@@ -12143,7 +12285,6 @@
               <a:schemeClr val="tx1"/>
             </a:solidFill>
             <a:miter lim="800000"/>
-            <a:headEnd/>
             <a:tailEnd type="triangle" w="med" len="med"/>
           </a:ln>
           <a:effectLst/>
@@ -12201,7 +12342,6 @@
               <a:schemeClr val="tx1"/>
             </a:solidFill>
             <a:miter lim="800000"/>
-            <a:headEnd/>
             <a:tailEnd type="triangle" w="med" len="med"/>
           </a:ln>
           <a:effectLst/>
@@ -12259,7 +12399,6 @@
               <a:schemeClr val="tx1"/>
             </a:solidFill>
             <a:miter lim="800000"/>
-            <a:headEnd/>
             <a:tailEnd type="triangle" w="med" len="med"/>
           </a:ln>
           <a:effectLst/>
@@ -12317,8 +12456,6 @@
               <a:schemeClr val="tx1"/>
             </a:solidFill>
             <a:miter lim="800000"/>
-            <a:headEnd/>
-            <a:tailEnd/>
           </a:ln>
           <a:effectLst/>
           <a:extLst>
@@ -12375,7 +12512,6 @@
               <a:schemeClr val="tx1"/>
             </a:solidFill>
             <a:miter lim="800000"/>
-            <a:headEnd/>
             <a:tailEnd type="triangle" w="med" len="med"/>
           </a:ln>
           <a:effectLst/>
@@ -12483,6 +12619,11 @@
               </a:rPr>
               <a:t>否</a:t>
             </a:r>
+            <a:endParaRPr kumimoji="1" lang="zh-CN" altLang="en-US" sz="2400" b="1">
+              <a:solidFill>
+                <a:srgbClr val="000000"/>
+              </a:solidFill>
+            </a:endParaRPr>
           </a:p>
         </p:txBody>
       </p:sp>
@@ -12558,6 +12699,11 @@
               </a:rPr>
               <a:t>是</a:t>
             </a:r>
+            <a:endParaRPr kumimoji="1" lang="zh-CN" altLang="en-US" sz="2400" b="1">
+              <a:solidFill>
+                <a:srgbClr val="000000"/>
+              </a:solidFill>
+            </a:endParaRPr>
           </a:p>
         </p:txBody>
       </p:sp>
@@ -12633,6 +12779,11 @@
               </a:rPr>
               <a:t>是</a:t>
             </a:r>
+            <a:endParaRPr kumimoji="1" lang="zh-CN" altLang="en-US" sz="2400" b="1">
+              <a:solidFill>
+                <a:srgbClr val="000000"/>
+              </a:solidFill>
+            </a:endParaRPr>
           </a:p>
         </p:txBody>
       </p:sp>
@@ -12708,6 +12859,11 @@
               </a:rPr>
               <a:t>否</a:t>
             </a:r>
+            <a:endParaRPr kumimoji="1" lang="zh-CN" altLang="en-US" sz="2400" b="1">
+              <a:solidFill>
+                <a:srgbClr val="000000"/>
+              </a:solidFill>
+            </a:endParaRPr>
           </a:p>
         </p:txBody>
       </p:sp>
@@ -12801,15 +12957,16 @@
               </a:rPr>
               <a:t>单道批处理系统的处理流程</a:t>
             </a:r>
+            <a:endParaRPr kumimoji="1" lang="zh-CN" altLang="en-US" sz="2400" b="1" dirty="0">
+              <a:solidFill>
+                <a:srgbClr val="333399"/>
+              </a:solidFill>
+              <a:ea typeface="黑体" pitchFamily="2" charset="-122"/>
+            </a:endParaRPr>
           </a:p>
         </p:txBody>
       </p:sp>
     </p:spTree>
-    <p:extLst>
-      <p:ext uri="{BB962C8B-B14F-4D97-AF65-F5344CB8AC3E}">
-        <p14:creationId xmlns:p14="http://schemas.microsoft.com/office/powerpoint/2010/main" val="1869852892"/>
-      </p:ext>
-    </p:extLst>
   </p:cSld>
   <p:clrMapOvr>
     <a:masterClrMapping/>
@@ -12870,6 +13027,10 @@
               </a:rPr>
               <a:t>单道批处理系统的特征</a:t>
             </a:r>
+            <a:endParaRPr lang="zh-CN" altLang="en-US" sz="4000" b="0" dirty="0">
+              <a:latin typeface="黑体" pitchFamily="2" charset="-122"/>
+              <a:ea typeface="黑体" pitchFamily="2" charset="-122"/>
+            </a:endParaRPr>
           </a:p>
         </p:txBody>
       </p:sp>
@@ -12890,8 +13051,6 @@
           <a:p>
             <a:fld id="{98F7A466-4F55-4E97-A014-5E968846736F}" type="slidenum">
               <a:rPr lang="en-US" altLang="zh-CN"/>
-              <a:pPr/>
-              <a:t>24</a:t>
             </a:fld>
             <a:endParaRPr lang="en-US" altLang="zh-CN"/>
           </a:p>
@@ -12980,6 +13139,13 @@
               </a:rPr>
               <a:t>自动性</a:t>
             </a:r>
+            <a:endParaRPr kumimoji="1" lang="zh-CN" altLang="en-US" sz="2800" b="1">
+              <a:solidFill>
+                <a:srgbClr val="333399"/>
+              </a:solidFill>
+              <a:latin typeface="Times New Roman" pitchFamily="18" charset="0"/>
+              <a:ea typeface="黑体" pitchFamily="2" charset="-122"/>
+            </a:endParaRPr>
           </a:p>
         </p:txBody>
       </p:sp>
@@ -13056,6 +13222,12 @@
               </a:rPr>
               <a:t>在磁带上的作业能自动地逐个地依次运行，而无需人工干预。</a:t>
             </a:r>
+            <a:endParaRPr kumimoji="1" lang="zh-CN" altLang="en-US" sz="2800" b="1">
+              <a:solidFill>
+                <a:srgbClr val="000000"/>
+              </a:solidFill>
+              <a:latin typeface="Times New Roman" pitchFamily="18" charset="0"/>
+            </a:endParaRPr>
           </a:p>
         </p:txBody>
       </p:sp>
@@ -13142,6 +13314,13 @@
               </a:rPr>
               <a:t>顺序性</a:t>
             </a:r>
+            <a:endParaRPr kumimoji="1" lang="zh-CN" altLang="en-US" sz="2800" b="1">
+              <a:solidFill>
+                <a:srgbClr val="333399"/>
+              </a:solidFill>
+              <a:latin typeface="Times New Roman" pitchFamily="18" charset="0"/>
+              <a:ea typeface="黑体" pitchFamily="2" charset="-122"/>
+            </a:endParaRPr>
           </a:p>
         </p:txBody>
       </p:sp>
@@ -13228,6 +13407,13 @@
               </a:rPr>
               <a:t>单道性</a:t>
             </a:r>
+            <a:endParaRPr kumimoji="1" lang="zh-CN" altLang="en-US" sz="2800" b="1">
+              <a:solidFill>
+                <a:srgbClr val="333399"/>
+              </a:solidFill>
+              <a:latin typeface="Times New Roman" pitchFamily="18" charset="0"/>
+              <a:ea typeface="黑体" pitchFamily="2" charset="-122"/>
+            </a:endParaRPr>
           </a:p>
         </p:txBody>
       </p:sp>
@@ -13304,6 +13490,12 @@
               </a:rPr>
               <a:t>磁带上的各道作业是顺序地进入内存，各道作业的完成顺序与它们进入内存的顺序相同，即先调入内存的作业先完成。</a:t>
             </a:r>
+            <a:endParaRPr kumimoji="1" lang="zh-CN" altLang="en-US" sz="2800" b="1">
+              <a:solidFill>
+                <a:srgbClr val="000000"/>
+              </a:solidFill>
+              <a:latin typeface="Times New Roman" pitchFamily="18" charset="0"/>
+            </a:endParaRPr>
           </a:p>
         </p:txBody>
       </p:sp>
@@ -13417,11 +13609,6 @@
         </p:txBody>
       </p:sp>
     </p:spTree>
-    <p:extLst>
-      <p:ext uri="{BB962C8B-B14F-4D97-AF65-F5344CB8AC3E}">
-        <p14:creationId xmlns:p14="http://schemas.microsoft.com/office/powerpoint/2010/main" val="121052074"/>
-      </p:ext>
-    </p:extLst>
   </p:cSld>
   <p:clrMapOvr>
     <a:masterClrMapping/>
@@ -13521,6 +13708,7 @@
               <a:rPr lang="zh-CN" altLang="en-US"/>
               <a:t> </a:t>
             </a:r>
+            <a:endParaRPr lang="zh-CN" altLang="en-US"/>
           </a:p>
         </p:txBody>
       </p:sp>
@@ -13541,8 +13729,6 @@
           <a:p>
             <a:fld id="{6697A7CB-C144-4E4A-AE00-B5B097E74D1C}" type="slidenum">
               <a:rPr lang="en-US" altLang="zh-CN"/>
-              <a:pPr/>
-              <a:t>25</a:t>
             </a:fld>
             <a:endParaRPr lang="en-US" altLang="zh-CN"/>
           </a:p>
@@ -13572,8 +13758,6 @@
               <a:schemeClr val="tx2"/>
             </a:solidFill>
             <a:miter lim="800000"/>
-            <a:headEnd/>
-            <a:tailEnd/>
           </a:ln>
           <a:effectLst/>
           <a:extLst>
@@ -13647,6 +13831,12 @@
               </a:rPr>
               <a:t> </a:t>
             </a:r>
+            <a:endParaRPr kumimoji="1" lang="zh-CN" altLang="en-US" sz="2400">
+              <a:solidFill>
+                <a:srgbClr val="000000"/>
+              </a:solidFill>
+              <a:latin typeface="Times New Roman" pitchFamily="18" charset="0"/>
+            </a:endParaRPr>
           </a:p>
         </p:txBody>
       </p:sp>
@@ -13716,7 +13906,7 @@
               <a:buClr>
                 <a:srgbClr val="333399"/>
               </a:buClr>
-              <a:buFont typeface="Wingdings" pitchFamily="2" charset="2"/>
+              <a:buFont typeface="Wingdings" panose="05000000000000000000" pitchFamily="2" charset="2"/>
               <a:buChar char="v"/>
             </a:pPr>
             <a:r>
@@ -13764,6 +13954,12 @@
               </a:rPr>
               <a:t> </a:t>
             </a:r>
+            <a:endParaRPr kumimoji="1" lang="zh-CN" altLang="en-US" sz="2800" b="1">
+              <a:solidFill>
+                <a:srgbClr val="000000"/>
+              </a:solidFill>
+              <a:latin typeface="Times New Roman" pitchFamily="18" charset="0"/>
+            </a:endParaRPr>
           </a:p>
           <a:p>
             <a:pPr fontAlgn="base">
@@ -13776,7 +13972,7 @@
               <a:buClr>
                 <a:srgbClr val="333399"/>
               </a:buClr>
-              <a:buFont typeface="Wingdings" pitchFamily="2" charset="2"/>
+              <a:buFont typeface="Wingdings" panose="05000000000000000000" pitchFamily="2" charset="2"/>
               <a:buChar char="v"/>
             </a:pPr>
             <a:r>
@@ -13815,6 +14011,12 @@
               </a:rPr>
               <a:t> </a:t>
             </a:r>
+            <a:endParaRPr kumimoji="1" lang="zh-CN" altLang="en-US" sz="2400">
+              <a:solidFill>
+                <a:srgbClr val="000000"/>
+              </a:solidFill>
+              <a:latin typeface="Times New Roman" pitchFamily="18" charset="0"/>
+            </a:endParaRPr>
           </a:p>
         </p:txBody>
       </p:sp>
@@ -13842,8 +14044,6 @@
               <a:schemeClr val="hlink"/>
             </a:solidFill>
             <a:miter lim="800000"/>
-            <a:headEnd/>
-            <a:tailEnd/>
           </a:ln>
           <a:effectLst/>
           <a:extLst>
@@ -13901,6 +14101,12 @@
               </a:rPr>
               <a:t> </a:t>
             </a:r>
+            <a:endParaRPr kumimoji="1" lang="zh-CN" altLang="en-US" sz="2400">
+              <a:solidFill>
+                <a:srgbClr val="000000"/>
+              </a:solidFill>
+              <a:latin typeface="Times New Roman" pitchFamily="18" charset="0"/>
+            </a:endParaRPr>
           </a:p>
         </p:txBody>
       </p:sp>
@@ -14013,6 +14219,12 @@
               </a:rPr>
               <a:t>利用率</a:t>
             </a:r>
+            <a:endParaRPr kumimoji="1" lang="zh-CN" altLang="en-US" sz="2800" b="1">
+              <a:solidFill>
+                <a:srgbClr val="000000"/>
+              </a:solidFill>
+              <a:latin typeface="Times New Roman" pitchFamily="18" charset="0"/>
+            </a:endParaRPr>
           </a:p>
           <a:p>
             <a:pPr algn="just" fontAlgn="base">
@@ -14068,6 +14280,12 @@
               </a:rPr>
               <a:t>设备利用率</a:t>
             </a:r>
+            <a:endParaRPr kumimoji="1" lang="zh-CN" altLang="en-US" sz="2800" b="1">
+              <a:solidFill>
+                <a:srgbClr val="000000"/>
+              </a:solidFill>
+              <a:latin typeface="Times New Roman" pitchFamily="18" charset="0"/>
+            </a:endParaRPr>
           </a:p>
           <a:p>
             <a:pPr fontAlgn="base">
@@ -14114,15 +14332,16 @@
               </a:rPr>
               <a:t> </a:t>
             </a:r>
+            <a:endParaRPr kumimoji="1" lang="zh-CN" altLang="en-US" sz="2400">
+              <a:solidFill>
+                <a:srgbClr val="000000"/>
+              </a:solidFill>
+              <a:latin typeface="Times New Roman" pitchFamily="18" charset="0"/>
+            </a:endParaRPr>
           </a:p>
         </p:txBody>
       </p:sp>
     </p:spTree>
-    <p:extLst>
-      <p:ext uri="{BB962C8B-B14F-4D97-AF65-F5344CB8AC3E}">
-        <p14:creationId xmlns:p14="http://schemas.microsoft.com/office/powerpoint/2010/main" val="3599814708"/>
-      </p:ext>
-    </p:extLst>
   </p:cSld>
   <p:clrMapOvr>
     <a:masterClrMapping/>
@@ -14171,8 +14390,6 @@
           <a:p>
             <a:fld id="{BB651407-4BC8-4624-A7AE-67D68ED728C9}" type="slidenum">
               <a:rPr lang="en-US" altLang="zh-CN"/>
-              <a:pPr/>
-              <a:t>26</a:t>
             </a:fld>
             <a:endParaRPr lang="en-US" altLang="zh-CN"/>
           </a:p>
@@ -14252,6 +14469,13 @@
               </a:rPr>
               <a:t>多道批处理系统的特征</a:t>
             </a:r>
+            <a:endParaRPr kumimoji="1" lang="zh-CN" altLang="en-US" sz="4000" b="1">
+              <a:solidFill>
+                <a:srgbClr val="333399"/>
+              </a:solidFill>
+              <a:latin typeface="黑体" pitchFamily="2" charset="-122"/>
+              <a:ea typeface="黑体" pitchFamily="2" charset="-122"/>
+            </a:endParaRPr>
           </a:p>
         </p:txBody>
       </p:sp>
@@ -14383,6 +14607,12 @@
               </a:rPr>
               <a:t> </a:t>
             </a:r>
+            <a:endParaRPr kumimoji="1" lang="zh-CN" altLang="en-US" sz="2400">
+              <a:solidFill>
+                <a:srgbClr val="333399"/>
+              </a:solidFill>
+              <a:latin typeface="Times New Roman" pitchFamily="18" charset="0"/>
+            </a:endParaRPr>
           </a:p>
         </p:txBody>
       </p:sp>
@@ -14468,6 +14698,12 @@
               </a:rPr>
               <a:t> </a:t>
             </a:r>
+            <a:endParaRPr kumimoji="1" lang="zh-CN" altLang="en-US" sz="2400">
+              <a:solidFill>
+                <a:srgbClr val="000000"/>
+              </a:solidFill>
+              <a:latin typeface="Times New Roman" pitchFamily="18" charset="0"/>
+            </a:endParaRPr>
           </a:p>
         </p:txBody>
       </p:sp>
@@ -14599,6 +14835,12 @@
               </a:rPr>
               <a:t> </a:t>
             </a:r>
+            <a:endParaRPr kumimoji="1" lang="zh-CN" altLang="en-US" sz="2400">
+              <a:solidFill>
+                <a:srgbClr val="333399"/>
+              </a:solidFill>
+              <a:latin typeface="Times New Roman" pitchFamily="18" charset="0"/>
+            </a:endParaRPr>
           </a:p>
         </p:txBody>
       </p:sp>
@@ -14684,6 +14926,12 @@
               </a:rPr>
               <a:t> </a:t>
             </a:r>
+            <a:endParaRPr kumimoji="1" lang="zh-CN" altLang="en-US" sz="2400">
+              <a:solidFill>
+                <a:srgbClr val="000000"/>
+              </a:solidFill>
+              <a:latin typeface="Times New Roman" pitchFamily="18" charset="0"/>
+            </a:endParaRPr>
           </a:p>
         </p:txBody>
       </p:sp>
@@ -14815,6 +15063,12 @@
               </a:rPr>
               <a:t> </a:t>
             </a:r>
+            <a:endParaRPr kumimoji="1" lang="zh-CN" altLang="en-US" sz="2400">
+              <a:solidFill>
+                <a:srgbClr val="333399"/>
+              </a:solidFill>
+              <a:latin typeface="Times New Roman" pitchFamily="18" charset="0"/>
+            </a:endParaRPr>
           </a:p>
         </p:txBody>
       </p:sp>
@@ -14938,15 +15192,16 @@
               </a:rPr>
               <a:t> </a:t>
             </a:r>
+            <a:endParaRPr kumimoji="1" lang="zh-CN" altLang="en-US" sz="2800" b="1">
+              <a:solidFill>
+                <a:srgbClr val="000000"/>
+              </a:solidFill>
+              <a:latin typeface="Times New Roman" pitchFamily="18" charset="0"/>
+            </a:endParaRPr>
           </a:p>
         </p:txBody>
       </p:sp>
     </p:spTree>
-    <p:extLst>
-      <p:ext uri="{BB962C8B-B14F-4D97-AF65-F5344CB8AC3E}">
-        <p14:creationId xmlns:p14="http://schemas.microsoft.com/office/powerpoint/2010/main" val="1591941461"/>
-      </p:ext>
-    </p:extLst>
   </p:cSld>
   <p:clrMapOvr>
     <a:masterClrMapping/>
@@ -14995,8 +15250,6 @@
           <a:p>
             <a:fld id="{1CC0745D-BB98-42C8-9F0A-3F9734BB81A3}" type="slidenum">
               <a:rPr lang="en-US" altLang="zh-CN"/>
-              <a:pPr/>
-              <a:t>27</a:t>
             </a:fld>
             <a:endParaRPr lang="en-US" altLang="zh-CN"/>
           </a:p>
@@ -15124,6 +15377,12 @@
               </a:rPr>
               <a:t> </a:t>
             </a:r>
+            <a:endParaRPr kumimoji="1" lang="en-US" altLang="zh-CN" sz="4400">
+              <a:solidFill>
+                <a:srgbClr val="333399"/>
+              </a:solidFill>
+              <a:latin typeface="Arial Black" pitchFamily="34" charset="0"/>
+            </a:endParaRPr>
           </a:p>
         </p:txBody>
       </p:sp>
@@ -15191,7 +15450,7 @@
               <a:buSzPct val="85000"/>
               <a:buFontTx/>
               <a:buBlip>
-                <a:blip r:embed="rId2"/>
+                <a:blip r:embed="rId1"/>
               </a:buBlip>
             </a:pPr>
             <a:r>
@@ -15212,6 +15471,12 @@
               </a:rPr>
               <a:t>  </a:t>
             </a:r>
+            <a:endParaRPr kumimoji="1" lang="zh-CN" altLang="en-US" sz="3200" b="1">
+              <a:solidFill>
+                <a:srgbClr val="000000"/>
+              </a:solidFill>
+              <a:latin typeface="宋体" pitchFamily="2" charset="-122"/>
+            </a:endParaRPr>
           </a:p>
         </p:txBody>
       </p:sp>
@@ -15315,6 +15580,12 @@
               </a:rPr>
               <a:t> </a:t>
             </a:r>
+            <a:endParaRPr kumimoji="1" lang="zh-CN" altLang="en-US" sz="2400">
+              <a:solidFill>
+                <a:srgbClr val="000000"/>
+              </a:solidFill>
+              <a:latin typeface="Times New Roman" pitchFamily="18" charset="0"/>
+            </a:endParaRPr>
           </a:p>
         </p:txBody>
       </p:sp>
@@ -15409,6 +15680,12 @@
               </a:rPr>
               <a:t>）系统吞吐量大。 </a:t>
             </a:r>
+            <a:endParaRPr kumimoji="1" lang="zh-CN" altLang="en-US" sz="2800" b="1">
+              <a:solidFill>
+                <a:srgbClr val="000000"/>
+              </a:solidFill>
+              <a:latin typeface="宋体" pitchFamily="2" charset="-122"/>
+            </a:endParaRPr>
           </a:p>
         </p:txBody>
       </p:sp>
@@ -15507,6 +15784,12 @@
               </a:rPr>
               <a:t> </a:t>
             </a:r>
+            <a:endParaRPr kumimoji="1" lang="zh-CN" altLang="en-US" sz="2800" b="1">
+              <a:solidFill>
+                <a:srgbClr val="FFFF00"/>
+              </a:solidFill>
+              <a:latin typeface="宋体" pitchFamily="2" charset="-122"/>
+            </a:endParaRPr>
           </a:p>
         </p:txBody>
       </p:sp>
@@ -15534,8 +15817,6 @@
               <a:srgbClr val="99CC00"/>
             </a:solidFill>
             <a:miter lim="800000"/>
-            <a:headEnd/>
-            <a:tailEnd/>
           </a:ln>
           <a:effectLst/>
           <a:extLst>
@@ -15600,6 +15881,12 @@
               </a:rPr>
               <a:t> </a:t>
             </a:r>
+            <a:endParaRPr kumimoji="1" lang="zh-CN" altLang="en-US" sz="2800" b="1">
+              <a:solidFill>
+                <a:srgbClr val="FFFF00"/>
+              </a:solidFill>
+              <a:latin typeface="宋体" pitchFamily="2" charset="-122"/>
+            </a:endParaRPr>
           </a:p>
         </p:txBody>
       </p:sp>
@@ -15634,11 +15921,8 @@
               <a:schemeClr val="tx1"/>
             </a:solidFill>
             <a:miter lim="800000"/>
-            <a:headEnd/>
-            <a:tailEnd/>
           </a:ln>
           <a:effectLst/>
-          <a:extLst/>
         </p:spPr>
         <p:txBody>
           <a:bodyPr lIns="18000" rIns="18000"/>
@@ -15670,6 +15954,12 @@
               </a:rPr>
               <a:t> </a:t>
             </a:r>
+            <a:endParaRPr kumimoji="1" lang="zh-CN" altLang="en-US" sz="2400">
+              <a:solidFill>
+                <a:srgbClr val="000000"/>
+              </a:solidFill>
+              <a:latin typeface="Times New Roman" pitchFamily="18" charset="0"/>
+            </a:endParaRPr>
           </a:p>
         </p:txBody>
       </p:sp>
@@ -15703,8 +15993,6 @@
               <a:schemeClr val="tx1"/>
             </a:solidFill>
             <a:miter lim="800000"/>
-            <a:headEnd/>
-            <a:tailEnd/>
           </a:ln>
           <a:effectLst/>
         </p:spPr>
@@ -15749,6 +16037,12 @@
               </a:rPr>
               <a:t> </a:t>
             </a:r>
+            <a:endParaRPr kumimoji="1" lang="zh-CN" altLang="en-US" sz="2400" b="1" dirty="0">
+              <a:solidFill>
+                <a:srgbClr val="151AF3"/>
+              </a:solidFill>
+              <a:latin typeface="Times New Roman" pitchFamily="18" charset="0"/>
+            </a:endParaRPr>
           </a:p>
         </p:txBody>
       </p:sp>
@@ -15782,11 +16076,8 @@
               <a:schemeClr val="tx1"/>
             </a:solidFill>
             <a:miter lim="800000"/>
-            <a:headEnd/>
-            <a:tailEnd/>
           </a:ln>
           <a:effectLst/>
-          <a:extLst/>
         </p:spPr>
         <p:txBody>
           <a:bodyPr lIns="18000" rIns="18000"/>
@@ -15818,15 +16109,16 @@
               </a:rPr>
               <a:t> </a:t>
             </a:r>
+            <a:endParaRPr kumimoji="1" lang="zh-CN" altLang="en-US" sz="2400" dirty="0">
+              <a:solidFill>
+                <a:srgbClr val="0000FF"/>
+              </a:solidFill>
+              <a:latin typeface="Times New Roman" pitchFamily="18" charset="0"/>
+            </a:endParaRPr>
           </a:p>
         </p:txBody>
       </p:sp>
     </p:spTree>
-    <p:extLst>
-      <p:ext uri="{BB962C8B-B14F-4D97-AF65-F5344CB8AC3E}">
-        <p14:creationId xmlns:p14="http://schemas.microsoft.com/office/powerpoint/2010/main" val="3095274534"/>
-      </p:ext>
-    </p:extLst>
   </p:cSld>
   <p:clrMapOvr>
     <a:masterClrMapping/>
@@ -15840,13 +16132,13 @@
               <p:cTn id="2" dur="indefinite" nodeType="mainSeq">
                 <p:childTnLst>
                   <p:par>
-                    <p:cTn id="3" fill="hold" nodeType="clickPar">
+                    <p:cTn id="3" fill="hold">
                       <p:stCondLst>
                         <p:cond delay="indefinite"/>
                       </p:stCondLst>
                       <p:childTnLst>
                         <p:par>
-                          <p:cTn id="4" fill="hold" nodeType="withGroup">
+                          <p:cTn id="4" fill="hold">
                             <p:stCondLst>
                               <p:cond delay="0"/>
                             </p:stCondLst>
@@ -15931,13 +16223,13 @@
                     </p:cTn>
                   </p:par>
                   <p:par>
-                    <p:cTn id="9" fill="hold" nodeType="clickPar">
+                    <p:cTn id="9" fill="hold">
                       <p:stCondLst>
                         <p:cond delay="indefinite"/>
                       </p:stCondLst>
                       <p:childTnLst>
                         <p:par>
-                          <p:cTn id="10" fill="hold" nodeType="withGroup">
+                          <p:cTn id="10" fill="hold">
                             <p:stCondLst>
                               <p:cond delay="0"/>
                             </p:stCondLst>
@@ -16022,13 +16314,13 @@
                     </p:cTn>
                   </p:par>
                   <p:par>
-                    <p:cTn id="15" fill="hold" nodeType="clickPar">
+                    <p:cTn id="15" fill="hold">
                       <p:stCondLst>
                         <p:cond delay="indefinite"/>
                       </p:stCondLst>
                       <p:childTnLst>
                         <p:par>
-                          <p:cTn id="16" fill="hold" nodeType="withGroup">
+                          <p:cTn id="16" fill="hold">
                             <p:stCondLst>
                               <p:cond delay="0"/>
                             </p:stCondLst>
@@ -16091,13 +16383,13 @@
                     </p:cTn>
                   </p:par>
                   <p:par>
-                    <p:cTn id="20" fill="hold" nodeType="clickPar">
+                    <p:cTn id="20" fill="hold">
                       <p:stCondLst>
                         <p:cond delay="indefinite"/>
                       </p:stCondLst>
                       <p:childTnLst>
                         <p:par>
-                          <p:cTn id="21" fill="hold" nodeType="withGroup">
+                          <p:cTn id="21" fill="hold">
                             <p:stCondLst>
                               <p:cond delay="0"/>
                             </p:stCondLst>
@@ -16182,13 +16474,13 @@
                     </p:cTn>
                   </p:par>
                   <p:par>
-                    <p:cTn id="26" fill="hold" nodeType="clickPar">
+                    <p:cTn id="26" fill="hold">
                       <p:stCondLst>
                         <p:cond delay="indefinite"/>
                       </p:stCondLst>
                       <p:childTnLst>
                         <p:par>
-                          <p:cTn id="27" fill="hold" nodeType="withGroup">
+                          <p:cTn id="27" fill="hold">
                             <p:stCondLst>
                               <p:cond delay="0"/>
                             </p:stCondLst>
@@ -16235,13 +16527,13 @@
                     </p:cTn>
                   </p:par>
                   <p:par>
-                    <p:cTn id="31" fill="hold" nodeType="clickPar">
+                    <p:cTn id="31" fill="hold">
                       <p:stCondLst>
                         <p:cond delay="indefinite"/>
                       </p:stCondLst>
                       <p:childTnLst>
                         <p:par>
-                          <p:cTn id="32" fill="hold" nodeType="withGroup">
+                          <p:cTn id="32" fill="hold">
                             <p:stCondLst>
                               <p:cond delay="0"/>
                             </p:stCondLst>
@@ -16326,13 +16618,13 @@
                     </p:cTn>
                   </p:par>
                   <p:par>
-                    <p:cTn id="37" fill="hold" nodeType="clickPar">
+                    <p:cTn id="37" fill="hold">
                       <p:stCondLst>
                         <p:cond delay="indefinite"/>
                       </p:stCondLst>
                       <p:childTnLst>
                         <p:par>
-                          <p:cTn id="38" fill="hold" nodeType="withGroup">
+                          <p:cTn id="38" fill="hold">
                             <p:stCondLst>
                               <p:cond delay="0"/>
                             </p:stCondLst>
@@ -16446,8 +16738,6 @@
           <a:p>
             <a:fld id="{0A44E9F1-D862-491E-A315-D48D640AD15C}" type="slidenum">
               <a:rPr lang="en-US" altLang="zh-CN"/>
-              <a:pPr/>
-              <a:t>28</a:t>
             </a:fld>
             <a:endParaRPr lang="en-US" altLang="zh-CN"/>
           </a:p>
@@ -16575,6 +16865,12 @@
               </a:rPr>
               <a:t> </a:t>
             </a:r>
+            <a:endParaRPr kumimoji="1" lang="en-US" altLang="zh-CN" sz="4400">
+              <a:solidFill>
+                <a:srgbClr val="333399"/>
+              </a:solidFill>
+              <a:latin typeface="Arial Black" pitchFamily="34" charset="0"/>
+            </a:endParaRPr>
           </a:p>
         </p:txBody>
       </p:sp>
@@ -16642,7 +16938,7 @@
               <a:buSzPct val="85000"/>
               <a:buFontTx/>
               <a:buBlip>
-                <a:blip r:embed="rId2"/>
+                <a:blip r:embed="rId1"/>
               </a:buBlip>
             </a:pPr>
             <a:r>
@@ -16654,6 +16950,12 @@
               </a:rPr>
               <a:t>多道批处理系统需要解决的问题 </a:t>
             </a:r>
+            <a:endParaRPr kumimoji="1" lang="zh-CN" altLang="en-US" sz="3600" b="1">
+              <a:solidFill>
+                <a:srgbClr val="000000"/>
+              </a:solidFill>
+              <a:latin typeface="宋体" pitchFamily="2" charset="-122"/>
+            </a:endParaRPr>
           </a:p>
         </p:txBody>
       </p:sp>
@@ -16793,6 +17095,12 @@
               </a:rPr>
               <a:t> </a:t>
             </a:r>
+            <a:endParaRPr kumimoji="1" lang="zh-CN" altLang="en-US" sz="2400" dirty="0">
+              <a:solidFill>
+                <a:srgbClr val="000000"/>
+              </a:solidFill>
+              <a:latin typeface="Times New Roman" pitchFamily="18" charset="0"/>
+            </a:endParaRPr>
           </a:p>
         </p:txBody>
       </p:sp>
@@ -16905,6 +17213,12 @@
               </a:rPr>
               <a:t>。 </a:t>
             </a:r>
+            <a:endParaRPr kumimoji="1" lang="zh-CN" altLang="en-US" sz="2800" b="1" dirty="0">
+              <a:solidFill>
+                <a:srgbClr val="000000"/>
+              </a:solidFill>
+              <a:latin typeface="宋体" pitchFamily="2" charset="-122"/>
+            </a:endParaRPr>
           </a:p>
         </p:txBody>
       </p:sp>
@@ -17044,6 +17358,12 @@
               </a:rPr>
               <a:t>。 </a:t>
             </a:r>
+            <a:endParaRPr kumimoji="1" lang="zh-CN" altLang="en-US" sz="2800" b="1" dirty="0">
+              <a:solidFill>
+                <a:srgbClr val="000000"/>
+              </a:solidFill>
+              <a:latin typeface="宋体" pitchFamily="2" charset="-122"/>
+            </a:endParaRPr>
           </a:p>
         </p:txBody>
       </p:sp>
@@ -17156,6 +17476,12 @@
               </a:rPr>
               <a:t>问题。 </a:t>
             </a:r>
+            <a:endParaRPr kumimoji="1" lang="zh-CN" altLang="en-US" sz="2800" b="1" dirty="0">
+              <a:solidFill>
+                <a:srgbClr val="000000"/>
+              </a:solidFill>
+              <a:latin typeface="宋体" pitchFamily="2" charset="-122"/>
+            </a:endParaRPr>
           </a:p>
         </p:txBody>
       </p:sp>
@@ -17312,11 +17638,6 @@
         </p:txBody>
       </p:sp>
     </p:spTree>
-    <p:extLst>
-      <p:ext uri="{BB962C8B-B14F-4D97-AF65-F5344CB8AC3E}">
-        <p14:creationId xmlns:p14="http://schemas.microsoft.com/office/powerpoint/2010/main" val="2310313108"/>
-      </p:ext>
-    </p:extLst>
   </p:cSld>
   <p:clrMapOvr>
     <a:masterClrMapping/>
@@ -17386,6 +17707,7 @@
               <a:rPr lang="zh-CN" altLang="en-US"/>
               <a:t> </a:t>
             </a:r>
+            <a:endParaRPr lang="zh-CN" altLang="en-US"/>
           </a:p>
         </p:txBody>
       </p:sp>
@@ -17451,6 +17773,7 @@
               <a:rPr lang="zh-CN" altLang="en-US"/>
               <a:t> </a:t>
             </a:r>
+            <a:endParaRPr lang="zh-CN" altLang="en-US"/>
           </a:p>
         </p:txBody>
       </p:sp>
@@ -17471,19 +17794,12 @@
           <a:p>
             <a:fld id="{6A4D7B69-F027-4558-B1EC-33153FD69164}" type="slidenum">
               <a:rPr lang="en-US" altLang="zh-CN"/>
-              <a:pPr/>
-              <a:t>29</a:t>
             </a:fld>
             <a:endParaRPr lang="en-US" altLang="zh-CN"/>
           </a:p>
         </p:txBody>
       </p:sp>
     </p:spTree>
-    <p:extLst>
-      <p:ext uri="{BB962C8B-B14F-4D97-AF65-F5344CB8AC3E}">
-        <p14:creationId xmlns:p14="http://schemas.microsoft.com/office/powerpoint/2010/main" val="1904168875"/>
-      </p:ext>
-    </p:extLst>
   </p:cSld>
   <p:clrMapOvr>
     <a:masterClrMapping/>
@@ -17560,6 +17876,7 @@
               <a:rPr lang="zh-CN" altLang="en-US" b="1" dirty="0"/>
               <a:t> </a:t>
             </a:r>
+            <a:endParaRPr lang="zh-CN" altLang="en-US" b="1" dirty="0"/>
           </a:p>
         </p:txBody>
       </p:sp>
@@ -17580,8 +17897,6 @@
           <a:p>
             <a:fld id="{633D0133-8987-443D-8D79-6A44AAE6C061}" type="slidenum">
               <a:rPr lang="en-US" altLang="zh-CN"/>
-              <a:pPr/>
-              <a:t>3</a:t>
             </a:fld>
             <a:endParaRPr lang="en-US" altLang="zh-CN"/>
           </a:p>
@@ -17670,6 +17985,12 @@
               </a:rPr>
               <a:t>的目标和作用</a:t>
             </a:r>
+            <a:endParaRPr kumimoji="1" lang="zh-CN" altLang="en-US" sz="3200" b="1" dirty="0">
+              <a:solidFill>
+                <a:srgbClr val="333399"/>
+              </a:solidFill>
+              <a:latin typeface="Times New Roman" pitchFamily="18" charset="0"/>
+            </a:endParaRPr>
           </a:p>
           <a:p>
             <a:pPr algn="just" fontAlgn="base">
@@ -17699,6 +18020,12 @@
               </a:rPr>
               <a:t>的发展过程 </a:t>
             </a:r>
+            <a:endParaRPr kumimoji="1" lang="zh-CN" altLang="en-US" sz="3200" b="1" dirty="0">
+              <a:solidFill>
+                <a:srgbClr val="333399"/>
+              </a:solidFill>
+              <a:latin typeface="Times New Roman" pitchFamily="18" charset="0"/>
+            </a:endParaRPr>
           </a:p>
           <a:p>
             <a:pPr algn="just" fontAlgn="base">
@@ -17728,6 +18055,12 @@
               </a:rPr>
               <a:t>操作系统的基本特性 </a:t>
             </a:r>
+            <a:endParaRPr kumimoji="1" lang="zh-CN" altLang="en-US" sz="3200" b="1" dirty="0">
+              <a:solidFill>
+                <a:srgbClr val="333399"/>
+              </a:solidFill>
+              <a:latin typeface="Times New Roman" pitchFamily="18" charset="0"/>
+            </a:endParaRPr>
           </a:p>
           <a:p>
             <a:pPr algn="just" fontAlgn="base">
@@ -17757,6 +18090,12 @@
               </a:rPr>
               <a:t>操作系统的主要功能 </a:t>
             </a:r>
+            <a:endParaRPr kumimoji="1" lang="zh-CN" altLang="en-US" sz="3200" b="1" dirty="0">
+              <a:solidFill>
+                <a:srgbClr val="333399"/>
+              </a:solidFill>
+              <a:latin typeface="Times New Roman" pitchFamily="18" charset="0"/>
+            </a:endParaRPr>
           </a:p>
           <a:p>
             <a:pPr algn="just" fontAlgn="base">
@@ -17786,15 +18125,16 @@
               </a:rPr>
               <a:t>操作系统的结构设计</a:t>
             </a:r>
+            <a:endParaRPr kumimoji="1" lang="zh-CN" altLang="en-US" sz="3200" b="1" dirty="0">
+              <a:solidFill>
+                <a:srgbClr val="333399"/>
+              </a:solidFill>
+              <a:latin typeface="Times New Roman" pitchFamily="18" charset="0"/>
+            </a:endParaRPr>
           </a:p>
         </p:txBody>
       </p:sp>
     </p:spTree>
-    <p:extLst>
-      <p:ext uri="{BB962C8B-B14F-4D97-AF65-F5344CB8AC3E}">
-        <p14:creationId xmlns:p14="http://schemas.microsoft.com/office/powerpoint/2010/main" val="4140619528"/>
-      </p:ext>
-    </p:extLst>
   </p:cSld>
   <p:clrMapOvr>
     <a:masterClrMapping/>
@@ -17843,8 +18183,6 @@
           <a:p>
             <a:fld id="{4FEC7364-A73D-43EA-9F49-FB016D0D1A3E}" type="slidenum">
               <a:rPr lang="en-US" altLang="zh-CN"/>
-              <a:pPr/>
-              <a:t>30</a:t>
             </a:fld>
             <a:endParaRPr lang="en-US" altLang="zh-CN"/>
           </a:p>
@@ -17952,6 +18290,12 @@
               </a:rPr>
               <a:t> </a:t>
             </a:r>
+            <a:endParaRPr kumimoji="1" lang="en-US" altLang="zh-CN" sz="4400" b="1">
+              <a:solidFill>
+                <a:srgbClr val="000066"/>
+              </a:solidFill>
+              <a:latin typeface="Arial Black" pitchFamily="34" charset="0"/>
+            </a:endParaRPr>
           </a:p>
         </p:txBody>
       </p:sp>
@@ -18076,6 +18420,12 @@
               </a:rPr>
               <a:t> </a:t>
             </a:r>
+            <a:endParaRPr kumimoji="1" lang="zh-CN" altLang="en-US" sz="2400">
+              <a:solidFill>
+                <a:srgbClr val="0000FF"/>
+              </a:solidFill>
+              <a:latin typeface="Times New Roman" pitchFamily="18" charset="0"/>
+            </a:endParaRPr>
           </a:p>
         </p:txBody>
       </p:sp>
@@ -18163,6 +18513,13 @@
               </a:rPr>
               <a:t> </a:t>
             </a:r>
+            <a:endParaRPr kumimoji="1" lang="zh-CN" altLang="en-US" sz="3600">
+              <a:solidFill>
+                <a:srgbClr val="000000"/>
+              </a:solidFill>
+              <a:latin typeface="黑体" pitchFamily="2" charset="-122"/>
+              <a:ea typeface="黑体" pitchFamily="2" charset="-122"/>
+            </a:endParaRPr>
           </a:p>
         </p:txBody>
       </p:sp>
@@ -18275,6 +18632,12 @@
               </a:rPr>
               <a:t>机交互</a:t>
             </a:r>
+            <a:endParaRPr kumimoji="1" lang="zh-CN" altLang="en-US" sz="3200" b="1">
+              <a:solidFill>
+                <a:srgbClr val="333399"/>
+              </a:solidFill>
+              <a:latin typeface="Times New Roman" pitchFamily="18" charset="0"/>
+            </a:endParaRPr>
           </a:p>
           <a:p>
             <a:pPr algn="just" fontAlgn="base">
@@ -18312,6 +18675,12 @@
               </a:rPr>
               <a:t>）共享主机</a:t>
             </a:r>
+            <a:endParaRPr kumimoji="1" lang="zh-CN" altLang="en-US" sz="3200" b="1">
+              <a:solidFill>
+                <a:srgbClr val="333399"/>
+              </a:solidFill>
+              <a:latin typeface="Times New Roman" pitchFamily="18" charset="0"/>
+            </a:endParaRPr>
           </a:p>
           <a:p>
             <a:pPr algn="just" fontAlgn="base">
@@ -18358,15 +18727,16 @@
               </a:rPr>
               <a:t> </a:t>
             </a:r>
+            <a:endParaRPr kumimoji="1" lang="zh-CN" altLang="en-US" sz="2800" b="1">
+              <a:solidFill>
+                <a:srgbClr val="333399"/>
+              </a:solidFill>
+              <a:latin typeface="Times New Roman" pitchFamily="18" charset="0"/>
+            </a:endParaRPr>
           </a:p>
         </p:txBody>
       </p:sp>
     </p:spTree>
-    <p:extLst>
-      <p:ext uri="{BB962C8B-B14F-4D97-AF65-F5344CB8AC3E}">
-        <p14:creationId xmlns:p14="http://schemas.microsoft.com/office/powerpoint/2010/main" val="1569298920"/>
-      </p:ext>
-    </p:extLst>
   </p:cSld>
   <p:clrMapOvr>
     <a:masterClrMapping/>
@@ -18415,8 +18785,6 @@
           <a:p>
             <a:fld id="{FCFF3484-58AD-4A1E-BD94-0F9FF041CE74}" type="slidenum">
               <a:rPr lang="en-US" altLang="zh-CN"/>
-              <a:pPr/>
-              <a:t>31</a:t>
             </a:fld>
             <a:endParaRPr lang="en-US" altLang="zh-CN"/>
           </a:p>
@@ -18524,6 +18892,12 @@
               </a:rPr>
               <a:t> </a:t>
             </a:r>
+            <a:endParaRPr kumimoji="1" lang="en-US" altLang="zh-CN" sz="4400" b="1">
+              <a:solidFill>
+                <a:srgbClr val="000066"/>
+              </a:solidFill>
+              <a:latin typeface="Arial Black" pitchFamily="34" charset="0"/>
+            </a:endParaRPr>
           </a:p>
         </p:txBody>
       </p:sp>
@@ -18618,6 +18992,12 @@
               </a:rPr>
               <a:t> </a:t>
             </a:r>
+            <a:endParaRPr kumimoji="1" lang="zh-CN" altLang="en-US" sz="3200" b="1">
+              <a:solidFill>
+                <a:srgbClr val="000000"/>
+              </a:solidFill>
+              <a:latin typeface="Times New Roman" pitchFamily="18" charset="0"/>
+            </a:endParaRPr>
           </a:p>
         </p:txBody>
       </p:sp>
@@ -18722,6 +19102,13 @@
               </a:rPr>
               <a:t>及时接收</a:t>
             </a:r>
+            <a:endParaRPr kumimoji="1" lang="zh-CN" altLang="en-US" sz="2800" b="1">
+              <a:solidFill>
+                <a:srgbClr val="000000"/>
+              </a:solidFill>
+              <a:latin typeface="Times New Roman" pitchFamily="18" charset="0"/>
+              <a:ea typeface="黑体" pitchFamily="2" charset="-122"/>
+            </a:endParaRPr>
           </a:p>
           <a:p>
             <a:pPr fontAlgn="base">
@@ -18778,6 +19165,12 @@
               </a:rPr>
               <a:t> </a:t>
             </a:r>
+            <a:endParaRPr kumimoji="1" lang="zh-CN" altLang="en-US" sz="2400">
+              <a:solidFill>
+                <a:srgbClr val="000000"/>
+              </a:solidFill>
+              <a:latin typeface="Times New Roman" pitchFamily="18" charset="0"/>
+            </a:endParaRPr>
           </a:p>
         </p:txBody>
       </p:sp>
@@ -18847,7 +19240,7 @@
               <a:buClr>
                 <a:srgbClr val="333399"/>
               </a:buClr>
-              <a:buFont typeface="Wingdings" pitchFamily="2" charset="2"/>
+              <a:buFont typeface="Wingdings" panose="05000000000000000000" pitchFamily="2" charset="2"/>
               <a:buChar char="Ø"/>
             </a:pPr>
             <a:r>
@@ -18877,6 +19270,12 @@
               </a:rPr>
               <a:t>内存</a:t>
             </a:r>
+            <a:endParaRPr kumimoji="1" lang="zh-CN" altLang="en-US" sz="2800" b="1" dirty="0">
+              <a:solidFill>
+                <a:srgbClr val="000000"/>
+              </a:solidFill>
+              <a:latin typeface="Times New Roman" pitchFamily="18" charset="0"/>
+            </a:endParaRPr>
           </a:p>
           <a:p>
             <a:pPr algn="just" fontAlgn="base">
@@ -18889,7 +19288,7 @@
               <a:buClr>
                 <a:srgbClr val="333399"/>
               </a:buClr>
-              <a:buFont typeface="Wingdings" pitchFamily="2" charset="2"/>
+              <a:buFont typeface="Wingdings" panose="05000000000000000000" pitchFamily="2" charset="2"/>
               <a:buChar char="Ø"/>
             </a:pPr>
             <a:r>
@@ -18948,11 +19347,6 @@
         </p:txBody>
       </p:sp>
     </p:spTree>
-    <p:extLst>
-      <p:ext uri="{BB962C8B-B14F-4D97-AF65-F5344CB8AC3E}">
-        <p14:creationId xmlns:p14="http://schemas.microsoft.com/office/powerpoint/2010/main" val="3384508478"/>
-      </p:ext>
-    </p:extLst>
   </p:cSld>
   <p:clrMapOvr>
     <a:masterClrMapping/>
@@ -19031,6 +19425,10 @@
               </a:rPr>
               <a:t>(4)</a:t>
             </a:r>
+            <a:endParaRPr lang="en-US" altLang="zh-CN">
+              <a:latin typeface="黑体" pitchFamily="2" charset="-122"/>
+              <a:ea typeface="黑体" pitchFamily="2" charset="-122"/>
+            </a:endParaRPr>
           </a:p>
         </p:txBody>
       </p:sp>
@@ -19057,7 +19455,7 @@
           <a:lstStyle/>
           <a:p>
             <a:pPr>
-              <a:buFont typeface="Wingdings" pitchFamily="2" charset="2"/>
+              <a:buFont typeface="Wingdings" panose="05000000000000000000" pitchFamily="2" charset="2"/>
               <a:buNone/>
             </a:pPr>
             <a:r>
@@ -19074,6 +19472,7 @@
               <a:rPr lang="zh-CN" altLang="en-US" sz="4000"/>
               <a:t> </a:t>
             </a:r>
+            <a:endParaRPr lang="zh-CN" altLang="en-US" sz="4000"/>
           </a:p>
         </p:txBody>
       </p:sp>
@@ -19094,8 +19493,6 @@
           <a:p>
             <a:fld id="{049F6CC2-C4B5-4122-B41E-A88AB9572C4B}" type="slidenum">
               <a:rPr lang="en-US" altLang="zh-CN"/>
-              <a:pPr/>
-              <a:t>32</a:t>
             </a:fld>
             <a:endParaRPr lang="en-US" altLang="zh-CN"/>
           </a:p>
@@ -19192,6 +19589,12 @@
               </a:rPr>
               <a:t>）多路性：</a:t>
             </a:r>
+            <a:endParaRPr kumimoji="1" lang="zh-CN" altLang="en-US" sz="2800" b="1">
+              <a:solidFill>
+                <a:srgbClr val="000066"/>
+              </a:solidFill>
+              <a:latin typeface="Times New Roman" pitchFamily="18" charset="0"/>
+            </a:endParaRPr>
           </a:p>
         </p:txBody>
       </p:sp>
@@ -19268,6 +19671,12 @@
               </a:rPr>
               <a:t>允许一台主机上同时联接多个联机终端</a:t>
             </a:r>
+            <a:endParaRPr kumimoji="1" lang="zh-CN" altLang="en-US" sz="2800" b="1">
+              <a:solidFill>
+                <a:srgbClr val="000000"/>
+              </a:solidFill>
+              <a:latin typeface="Times New Roman" pitchFamily="18" charset="0"/>
+            </a:endParaRPr>
           </a:p>
         </p:txBody>
       </p:sp>
@@ -19371,6 +19780,12 @@
               </a:rPr>
               <a:t> </a:t>
             </a:r>
+            <a:endParaRPr kumimoji="1" lang="zh-CN" altLang="en-US" sz="2400">
+              <a:solidFill>
+                <a:srgbClr val="000066"/>
+              </a:solidFill>
+              <a:latin typeface="Times New Roman" pitchFamily="18" charset="0"/>
+            </a:endParaRPr>
           </a:p>
         </p:txBody>
       </p:sp>
@@ -19456,6 +19871,12 @@
               </a:rPr>
               <a:t> </a:t>
             </a:r>
+            <a:endParaRPr kumimoji="1" lang="zh-CN" altLang="en-US" sz="2400">
+              <a:solidFill>
+                <a:srgbClr val="000000"/>
+              </a:solidFill>
+              <a:latin typeface="Times New Roman" pitchFamily="18" charset="0"/>
+            </a:endParaRPr>
           </a:p>
         </p:txBody>
       </p:sp>
@@ -19559,6 +19980,12 @@
               </a:rPr>
               <a:t> </a:t>
             </a:r>
+            <a:endParaRPr kumimoji="1" lang="zh-CN" altLang="en-US" sz="2400">
+              <a:solidFill>
+                <a:srgbClr val="000066"/>
+              </a:solidFill>
+              <a:latin typeface="Times New Roman" pitchFamily="18" charset="0"/>
+            </a:endParaRPr>
           </a:p>
         </p:txBody>
       </p:sp>
@@ -19644,6 +20071,12 @@
               </a:rPr>
               <a:t> </a:t>
             </a:r>
+            <a:endParaRPr kumimoji="1" lang="zh-CN" altLang="en-US" sz="2800" b="1">
+              <a:solidFill>
+                <a:srgbClr val="000000"/>
+              </a:solidFill>
+              <a:latin typeface="Times New Roman" pitchFamily="18" charset="0"/>
+            </a:endParaRPr>
           </a:p>
         </p:txBody>
       </p:sp>
@@ -19747,6 +20180,12 @@
               </a:rPr>
               <a:t> </a:t>
             </a:r>
+            <a:endParaRPr kumimoji="1" lang="zh-CN" altLang="en-US" sz="2400">
+              <a:solidFill>
+                <a:srgbClr val="000066"/>
+              </a:solidFill>
+              <a:latin typeface="Times New Roman" pitchFamily="18" charset="0"/>
+            </a:endParaRPr>
           </a:p>
         </p:txBody>
       </p:sp>
@@ -19832,15 +20271,16 @@
               </a:rPr>
               <a:t> </a:t>
             </a:r>
+            <a:endParaRPr kumimoji="1" lang="zh-CN" altLang="en-US" sz="2400">
+              <a:solidFill>
+                <a:srgbClr val="000000"/>
+              </a:solidFill>
+              <a:latin typeface="Times New Roman" pitchFamily="18" charset="0"/>
+            </a:endParaRPr>
           </a:p>
         </p:txBody>
       </p:sp>
     </p:spTree>
-    <p:extLst>
-      <p:ext uri="{BB962C8B-B14F-4D97-AF65-F5344CB8AC3E}">
-        <p14:creationId xmlns:p14="http://schemas.microsoft.com/office/powerpoint/2010/main" val="423442629"/>
-      </p:ext>
-    </p:extLst>
   </p:cSld>
   <p:clrMapOvr>
     <a:masterClrMapping/>
@@ -19916,6 +20356,7 @@
               <a:rPr lang="zh-CN" altLang="en-US"/>
               <a:t> </a:t>
             </a:r>
+            <a:endParaRPr lang="zh-CN" altLang="en-US"/>
           </a:p>
         </p:txBody>
       </p:sp>
@@ -19940,7 +20381,7 @@
           <a:lstStyle/>
           <a:p>
             <a:pPr>
-              <a:buFont typeface="Wingdings" pitchFamily="2" charset="2"/>
+              <a:buFont typeface="Wingdings" panose="05000000000000000000" pitchFamily="2" charset="2"/>
               <a:buNone/>
             </a:pPr>
             <a:r>
@@ -19982,10 +20423,16 @@
               </a:rPr>
               <a:t>）</a:t>
             </a:r>
+            <a:endParaRPr lang="zh-CN" altLang="en-US" dirty="0">
+              <a:solidFill>
+                <a:schemeClr val="tx2"/>
+              </a:solidFill>
+              <a:latin typeface="宋体" pitchFamily="2" charset="-122"/>
+            </a:endParaRPr>
           </a:p>
           <a:p>
             <a:pPr>
-              <a:buFont typeface="Wingdings" pitchFamily="2" charset="2"/>
+              <a:buFont typeface="Wingdings" panose="05000000000000000000" pitchFamily="2" charset="2"/>
               <a:buNone/>
             </a:pPr>
             <a:r>
@@ -20027,8 +20474,6 @@
           <a:p>
             <a:fld id="{4B572A6D-1DAB-4F2F-929F-4DC03CEBE630}" type="slidenum">
               <a:rPr lang="en-US" altLang="zh-CN"/>
-              <a:pPr/>
-              <a:t>33</a:t>
             </a:fld>
             <a:endParaRPr lang="en-US" altLang="zh-CN"/>
           </a:p>
@@ -20107,15 +20552,16 @@
               </a:rPr>
               <a:t>定义：</a:t>
             </a:r>
+            <a:endParaRPr kumimoji="1" lang="zh-CN" altLang="en-US" sz="4000" b="1">
+              <a:solidFill>
+                <a:srgbClr val="000000"/>
+              </a:solidFill>
+              <a:ea typeface="黑体" pitchFamily="2" charset="-122"/>
+            </a:endParaRPr>
           </a:p>
         </p:txBody>
       </p:sp>
     </p:spTree>
-    <p:extLst>
-      <p:ext uri="{BB962C8B-B14F-4D97-AF65-F5344CB8AC3E}">
-        <p14:creationId xmlns:p14="http://schemas.microsoft.com/office/powerpoint/2010/main" val="2062983339"/>
-      </p:ext>
-    </p:extLst>
   </p:cSld>
   <p:clrMapOvr>
     <a:masterClrMapping/>
@@ -20187,6 +20633,10 @@
               </a:rPr>
               <a:t>实时系统</a:t>
             </a:r>
+            <a:endParaRPr lang="zh-CN" altLang="en-US">
+              <a:latin typeface="黑体" pitchFamily="2" charset="-122"/>
+              <a:ea typeface="黑体" pitchFamily="2" charset="-122"/>
+            </a:endParaRPr>
           </a:p>
         </p:txBody>
       </p:sp>
@@ -20211,7 +20661,7 @@
           <a:lstStyle/>
           <a:p>
             <a:pPr>
-              <a:buFont typeface="Wingdings" pitchFamily="2" charset="2"/>
+              <a:buFont typeface="Wingdings" panose="05000000000000000000" pitchFamily="2" charset="2"/>
               <a:buNone/>
             </a:pPr>
             <a:r>
@@ -20232,6 +20682,7 @@
               <a:rPr lang="zh-CN" altLang="en-US" sz="4000"/>
               <a:t> </a:t>
             </a:r>
+            <a:endParaRPr lang="zh-CN" altLang="en-US" sz="4000"/>
           </a:p>
         </p:txBody>
       </p:sp>
@@ -20252,8 +20703,6 @@
           <a:p>
             <a:fld id="{A714A268-C605-46C5-BBD7-05B3682E0B8B}" type="slidenum">
               <a:rPr lang="en-US" altLang="zh-CN"/>
-              <a:pPr/>
-              <a:t>34</a:t>
             </a:fld>
             <a:endParaRPr lang="en-US" altLang="zh-CN"/>
           </a:p>
@@ -20350,6 +20799,12 @@
               </a:rPr>
               <a:t>）实时控制。</a:t>
             </a:r>
+            <a:endParaRPr kumimoji="1" lang="zh-CN" altLang="en-US" sz="3200" b="1">
+              <a:solidFill>
+                <a:srgbClr val="333399"/>
+              </a:solidFill>
+              <a:latin typeface="Times New Roman" pitchFamily="18" charset="0"/>
+            </a:endParaRPr>
           </a:p>
         </p:txBody>
       </p:sp>
@@ -20544,6 +20999,12 @@
               </a:rPr>
               <a:t>）实时信息处理。</a:t>
             </a:r>
+            <a:endParaRPr kumimoji="1" lang="zh-CN" altLang="en-US" sz="3200" b="1">
+              <a:solidFill>
+                <a:srgbClr val="333399"/>
+              </a:solidFill>
+              <a:latin typeface="宋体" pitchFamily="2" charset="-122"/>
+            </a:endParaRPr>
           </a:p>
         </p:txBody>
       </p:sp>
@@ -20620,6 +21081,12 @@
               </a:rPr>
               <a:t>实时数据采集处理；执行机构；自动控制。</a:t>
             </a:r>
+            <a:endParaRPr kumimoji="1" lang="zh-CN" altLang="en-US" sz="3200" b="1">
+              <a:solidFill>
+                <a:srgbClr val="000000"/>
+              </a:solidFill>
+              <a:latin typeface="Times New Roman" pitchFamily="18" charset="0"/>
+            </a:endParaRPr>
           </a:p>
         </p:txBody>
       </p:sp>
@@ -20688,7 +21155,7 @@
                 <a:srgbClr val="FF3300"/>
               </a:buClr>
               <a:buSzPct val="60000"/>
-              <a:buFont typeface="Wingdings" pitchFamily="2" charset="2"/>
+              <a:buFont typeface="Wingdings" panose="05000000000000000000" pitchFamily="2" charset="2"/>
               <a:buNone/>
             </a:pPr>
             <a:r>
@@ -20719,6 +21186,11 @@
               </a:rPr>
               <a:t> </a:t>
             </a:r>
+            <a:endParaRPr kumimoji="1" lang="zh-CN" altLang="en-US" sz="3600" b="1">
+              <a:solidFill>
+                <a:srgbClr val="000000"/>
+              </a:solidFill>
+            </a:endParaRPr>
           </a:p>
         </p:txBody>
       </p:sp>
@@ -20804,15 +21276,16 @@
               </a:rPr>
               <a:t> </a:t>
             </a:r>
+            <a:endParaRPr kumimoji="1" lang="zh-CN" altLang="en-US" sz="2400">
+              <a:solidFill>
+                <a:srgbClr val="000000"/>
+              </a:solidFill>
+              <a:latin typeface="Times New Roman" pitchFamily="18" charset="0"/>
+            </a:endParaRPr>
           </a:p>
         </p:txBody>
       </p:sp>
     </p:spTree>
-    <p:extLst>
-      <p:ext uri="{BB962C8B-B14F-4D97-AF65-F5344CB8AC3E}">
-        <p14:creationId xmlns:p14="http://schemas.microsoft.com/office/powerpoint/2010/main" val="1942859759"/>
-      </p:ext>
-    </p:extLst>
   </p:cSld>
   <p:clrMapOvr>
     <a:masterClrMapping/>
@@ -20865,7 +21338,7 @@
           <a:lstStyle/>
           <a:p>
             <a:pPr>
-              <a:buFont typeface="Wingdings" pitchFamily="2" charset="2"/>
+              <a:buFont typeface="Wingdings" panose="05000000000000000000" pitchFamily="2" charset="2"/>
               <a:buNone/>
             </a:pPr>
             <a:r>
@@ -20884,6 +21357,7 @@
               <a:rPr lang="zh-CN" altLang="en-US" sz="3600" dirty="0"/>
               <a:t> </a:t>
             </a:r>
+            <a:endParaRPr lang="zh-CN" altLang="en-US" sz="3600" dirty="0"/>
           </a:p>
         </p:txBody>
       </p:sp>
@@ -20904,8 +21378,6 @@
           <a:p>
             <a:fld id="{38E2ACBB-BE16-492E-9998-229FE4F906C4}" type="slidenum">
               <a:rPr lang="en-US" altLang="zh-CN"/>
-              <a:pPr/>
-              <a:t>35</a:t>
             </a:fld>
             <a:endParaRPr lang="en-US" altLang="zh-CN"/>
           </a:p>
@@ -21011,6 +21483,12 @@
               </a:rPr>
               <a:t> </a:t>
             </a:r>
+            <a:endParaRPr kumimoji="1" lang="zh-CN" altLang="en-US" sz="2400">
+              <a:solidFill>
+                <a:srgbClr val="FF3300"/>
+              </a:solidFill>
+              <a:latin typeface="Times New Roman" pitchFamily="18" charset="0"/>
+            </a:endParaRPr>
           </a:p>
         </p:txBody>
       </p:sp>
@@ -21096,6 +21574,12 @@
               </a:rPr>
               <a:t> </a:t>
             </a:r>
+            <a:endParaRPr kumimoji="1" lang="zh-CN" altLang="en-US" sz="2400">
+              <a:solidFill>
+                <a:srgbClr val="000000"/>
+              </a:solidFill>
+              <a:latin typeface="Times New Roman" pitchFamily="18" charset="0"/>
+            </a:endParaRPr>
           </a:p>
         </p:txBody>
       </p:sp>
@@ -21199,6 +21683,12 @@
               </a:rPr>
               <a:t> </a:t>
             </a:r>
+            <a:endParaRPr kumimoji="1" lang="zh-CN" altLang="en-US" sz="2800" b="1">
+              <a:solidFill>
+                <a:srgbClr val="FF3300"/>
+              </a:solidFill>
+              <a:latin typeface="Times New Roman" pitchFamily="18" charset="0"/>
+            </a:endParaRPr>
           </a:p>
         </p:txBody>
       </p:sp>
@@ -21284,6 +21774,12 @@
               </a:rPr>
               <a:t> </a:t>
             </a:r>
+            <a:endParaRPr kumimoji="1" lang="zh-CN" altLang="en-US" sz="2400">
+              <a:solidFill>
+                <a:srgbClr val="000000"/>
+              </a:solidFill>
+              <a:latin typeface="Times New Roman" pitchFamily="18" charset="0"/>
+            </a:endParaRPr>
           </a:p>
         </p:txBody>
       </p:sp>
@@ -21387,6 +21883,12 @@
               </a:rPr>
               <a:t> </a:t>
             </a:r>
+            <a:endParaRPr kumimoji="1" lang="zh-CN" altLang="en-US" sz="2800" b="1">
+              <a:solidFill>
+                <a:srgbClr val="FF3300"/>
+              </a:solidFill>
+              <a:latin typeface="Times New Roman" pitchFamily="18" charset="0"/>
+            </a:endParaRPr>
           </a:p>
         </p:txBody>
       </p:sp>
@@ -21490,6 +21992,12 @@
               </a:rPr>
               <a:t> </a:t>
             </a:r>
+            <a:endParaRPr kumimoji="1" lang="zh-CN" altLang="en-US" sz="2400">
+              <a:solidFill>
+                <a:srgbClr val="000000"/>
+              </a:solidFill>
+              <a:latin typeface="Times New Roman" pitchFamily="18" charset="0"/>
+            </a:endParaRPr>
           </a:p>
         </p:txBody>
       </p:sp>
@@ -21593,6 +22101,12 @@
               </a:rPr>
               <a:t> </a:t>
             </a:r>
+            <a:endParaRPr kumimoji="1" lang="zh-CN" altLang="en-US" sz="2800" b="1">
+              <a:solidFill>
+                <a:srgbClr val="FF3300"/>
+              </a:solidFill>
+              <a:latin typeface="Times New Roman" pitchFamily="18" charset="0"/>
+            </a:endParaRPr>
           </a:p>
         </p:txBody>
       </p:sp>
@@ -21678,6 +22192,12 @@
               </a:rPr>
               <a:t> </a:t>
             </a:r>
+            <a:endParaRPr kumimoji="1" lang="zh-CN" altLang="en-US" sz="2400">
+              <a:solidFill>
+                <a:srgbClr val="000000"/>
+              </a:solidFill>
+              <a:latin typeface="Times New Roman" pitchFamily="18" charset="0"/>
+            </a:endParaRPr>
           </a:p>
         </p:txBody>
       </p:sp>
@@ -21800,6 +22320,12 @@
               </a:rPr>
               <a:t> </a:t>
             </a:r>
+            <a:endParaRPr kumimoji="1" lang="zh-CN" altLang="en-US" sz="2800" b="1" dirty="0">
+              <a:solidFill>
+                <a:srgbClr val="000000"/>
+              </a:solidFill>
+              <a:latin typeface="Times New Roman" pitchFamily="18" charset="0"/>
+            </a:endParaRPr>
           </a:p>
         </p:txBody>
       </p:sp>
@@ -21885,15 +22411,16 @@
               </a:rPr>
               <a:t> </a:t>
             </a:r>
+            <a:endParaRPr kumimoji="1" lang="zh-CN" altLang="en-US" sz="2400">
+              <a:solidFill>
+                <a:srgbClr val="000000"/>
+              </a:solidFill>
+              <a:latin typeface="Times New Roman" pitchFamily="18" charset="0"/>
+            </a:endParaRPr>
           </a:p>
         </p:txBody>
       </p:sp>
     </p:spTree>
-    <p:extLst>
-      <p:ext uri="{BB962C8B-B14F-4D97-AF65-F5344CB8AC3E}">
-        <p14:creationId xmlns:p14="http://schemas.microsoft.com/office/powerpoint/2010/main" val="2658161822"/>
-      </p:ext>
-    </p:extLst>
   </p:cSld>
   <p:clrMapOvr>
     <a:masterClrMapping/>
@@ -22067,6 +22594,11 @@
               </a:rPr>
               <a:t> </a:t>
             </a:r>
+            <a:endParaRPr lang="zh-CN" altLang="en-US" b="1" dirty="0">
+              <a:solidFill>
+                <a:prstClr val="black"/>
+              </a:solidFill>
+            </a:endParaRPr>
           </a:p>
           <a:p>
             <a:pPr lvl="0" fontAlgn="base">
@@ -22125,6 +22657,11 @@
               </a:rPr>
               <a:t>） </a:t>
             </a:r>
+            <a:endParaRPr lang="zh-CN" altLang="en-US" sz="3600" b="1" dirty="0">
+              <a:solidFill>
+                <a:srgbClr val="2F2F2F"/>
+              </a:solidFill>
+            </a:endParaRPr>
           </a:p>
           <a:p>
             <a:pPr lvl="0">
@@ -22165,6 +22702,11 @@
               </a:rPr>
               <a:t>） </a:t>
             </a:r>
+            <a:endParaRPr lang="zh-CN" altLang="en-US" sz="3600" b="1" dirty="0">
+              <a:solidFill>
+                <a:srgbClr val="2F2F2F"/>
+              </a:solidFill>
+            </a:endParaRPr>
           </a:p>
           <a:p>
             <a:pPr lvl="0">
@@ -22221,6 +22763,11 @@
               </a:rPr>
               <a:t>） </a:t>
             </a:r>
+            <a:endParaRPr lang="zh-CN" altLang="en-US" sz="3600" b="1" dirty="0">
+              <a:solidFill>
+                <a:srgbClr val="2F2F2F"/>
+              </a:solidFill>
+            </a:endParaRPr>
           </a:p>
           <a:p>
             <a:endParaRPr lang="zh-CN" altLang="en-US" sz="3600" b="1" dirty="0">
@@ -22248,19 +22795,12 @@
           <a:p>
             <a:fld id="{A9B2FF18-6F55-4F31-A9D5-4570487BA2A7}" type="slidenum">
               <a:rPr lang="en-US" altLang="zh-CN" smtClean="0"/>
-              <a:pPr/>
-              <a:t>36</a:t>
             </a:fld>
             <a:endParaRPr lang="en-US" altLang="zh-CN"/>
           </a:p>
         </p:txBody>
       </p:sp>
     </p:spTree>
-    <p:extLst>
-      <p:ext uri="{BB962C8B-B14F-4D97-AF65-F5344CB8AC3E}">
-        <p14:creationId xmlns:p14="http://schemas.microsoft.com/office/powerpoint/2010/main" val="686838413"/>
-      </p:ext>
-    </p:extLst>
   </p:cSld>
   <p:clrMapOvr>
     <a:masterClrMapping/>
@@ -22313,7 +22853,7 @@
           <a:lstStyle/>
           <a:p>
             <a:pPr>
-              <a:buFont typeface="Wingdings" pitchFamily="2" charset="2"/>
+              <a:buFont typeface="Wingdings" panose="05000000000000000000" pitchFamily="2" charset="2"/>
               <a:buNone/>
             </a:pPr>
             <a:r>
@@ -22372,6 +22912,7 @@
               <a:rPr lang="zh-CN" altLang="en-US" b="1" dirty="0"/>
               <a:t> </a:t>
             </a:r>
+            <a:endParaRPr lang="zh-CN" altLang="en-US" b="1" dirty="0"/>
           </a:p>
         </p:txBody>
       </p:sp>
@@ -22392,8 +22933,6 @@
           <a:p>
             <a:fld id="{C0B0ECF7-2804-42F9-9FC4-9987647CE26B}" type="slidenum">
               <a:rPr lang="en-US" altLang="zh-CN"/>
-              <a:pPr/>
-              <a:t>37</a:t>
             </a:fld>
             <a:endParaRPr lang="en-US" altLang="zh-CN"/>
           </a:p>
@@ -22423,8 +22962,6 @@
               <a:schemeClr val="tx2"/>
             </a:solidFill>
             <a:miter lim="800000"/>
-            <a:headEnd/>
-            <a:tailEnd/>
           </a:ln>
           <a:effectLst/>
           <a:extLst>
@@ -22480,6 +23017,12 @@
               </a:rPr>
               <a:t> </a:t>
             </a:r>
+            <a:endParaRPr kumimoji="1" lang="zh-CN" altLang="en-US" sz="2400">
+              <a:solidFill>
+                <a:srgbClr val="FFFFFF"/>
+              </a:solidFill>
+              <a:latin typeface="Times New Roman" pitchFamily="18" charset="0"/>
+            </a:endParaRPr>
           </a:p>
         </p:txBody>
       </p:sp>
@@ -22557,6 +23100,13 @@
               </a:rPr>
               <a:t>并行与并发：</a:t>
             </a:r>
+            <a:endParaRPr kumimoji="1" lang="zh-CN" altLang="en-US" sz="3200" b="1">
+              <a:solidFill>
+                <a:srgbClr val="1C1C1C"/>
+              </a:solidFill>
+              <a:latin typeface="Times New Roman" pitchFamily="18" charset="0"/>
+              <a:ea typeface="隶书" pitchFamily="49" charset="-122"/>
+            </a:endParaRPr>
           </a:p>
         </p:txBody>
       </p:sp>
@@ -22663,6 +23213,12 @@
               </a:rPr>
               <a:t> </a:t>
             </a:r>
+            <a:endParaRPr kumimoji="1" lang="zh-CN" altLang="en-US" sz="2400">
+              <a:solidFill>
+                <a:srgbClr val="000000"/>
+              </a:solidFill>
+              <a:latin typeface="Times New Roman" pitchFamily="18" charset="0"/>
+            </a:endParaRPr>
           </a:p>
         </p:txBody>
       </p:sp>
@@ -22760,6 +23316,13 @@
               </a:rPr>
               <a:t>两个或多个事件在同一时间间隔内发生。 </a:t>
             </a:r>
+            <a:endParaRPr kumimoji="1" lang="zh-CN" altLang="en-US" sz="2800" b="1">
+              <a:solidFill>
+                <a:srgbClr val="000000"/>
+              </a:solidFill>
+              <a:latin typeface="楷体_GB2312" pitchFamily="49" charset="-122"/>
+              <a:ea typeface="楷体_GB2312" pitchFamily="49" charset="-122"/>
+            </a:endParaRPr>
           </a:p>
         </p:txBody>
       </p:sp>
@@ -22787,8 +23350,6 @@
               <a:srgbClr val="FFFF00"/>
             </a:solidFill>
             <a:miter lim="800000"/>
-            <a:headEnd/>
-            <a:tailEnd/>
           </a:ln>
           <a:effectLst/>
           <a:extLst>
@@ -22847,15 +23408,17 @@
               </a:rPr>
               <a:t> </a:t>
             </a:r>
+            <a:endParaRPr kumimoji="1" lang="zh-CN" altLang="en-US" sz="2800">
+              <a:solidFill>
+                <a:srgbClr val="000000"/>
+              </a:solidFill>
+              <a:latin typeface="楷体_GB2312" pitchFamily="49" charset="-122"/>
+              <a:ea typeface="楷体_GB2312" pitchFamily="49" charset="-122"/>
+            </a:endParaRPr>
           </a:p>
         </p:txBody>
       </p:sp>
     </p:spTree>
-    <p:extLst>
-      <p:ext uri="{BB962C8B-B14F-4D97-AF65-F5344CB8AC3E}">
-        <p14:creationId xmlns:p14="http://schemas.microsoft.com/office/powerpoint/2010/main" val="3960977524"/>
-      </p:ext>
-    </p:extLst>
   </p:cSld>
   <p:clrMapOvr>
     <a:masterClrMapping/>
@@ -22869,13 +23432,13 @@
               <p:cTn id="2" dur="indefinite" nodeType="mainSeq">
                 <p:childTnLst>
                   <p:par>
-                    <p:cTn id="3" fill="hold" nodeType="clickPar">
+                    <p:cTn id="3" fill="hold">
                       <p:stCondLst>
                         <p:cond delay="indefinite"/>
                       </p:stCondLst>
                       <p:childTnLst>
                         <p:par>
-                          <p:cTn id="4" fill="hold" nodeType="withGroup">
+                          <p:cTn id="4" fill="hold">
                             <p:stCondLst>
                               <p:cond delay="0"/>
                             </p:stCondLst>
@@ -22983,8 +23546,6 @@
           <a:p>
             <a:fld id="{DC8A0AC0-51C9-4AB4-A164-747BA6516EA7}" type="slidenum">
               <a:rPr lang="en-US" altLang="zh-CN"/>
-              <a:pPr/>
-              <a:t>38</a:t>
             </a:fld>
             <a:endParaRPr lang="en-US" altLang="zh-CN"/>
           </a:p>
@@ -23058,7 +23619,7 @@
                 <a:solidFill>
                   <a:srgbClr val="333399"/>
                 </a:solidFill>
-                <a:latin typeface="Arial" charset="0"/>
+                <a:latin typeface="Arial" panose="02080604020202020204" pitchFamily="34" charset="0"/>
               </a:rPr>
               <a:t>1</a:t>
             </a:r>
@@ -23067,7 +23628,7 @@
                 <a:solidFill>
                   <a:srgbClr val="333399"/>
                 </a:solidFill>
-                <a:latin typeface="Arial" charset="0"/>
+                <a:latin typeface="Arial" panose="02080604020202020204" pitchFamily="34" charset="0"/>
               </a:rPr>
               <a:t>、</a:t>
             </a:r>
@@ -23095,7 +23656,7 @@
                 <a:solidFill>
                   <a:srgbClr val="333399"/>
                 </a:solidFill>
-                <a:latin typeface="Arial" charset="0"/>
+                <a:latin typeface="Arial" panose="02080604020202020204" pitchFamily="34" charset="0"/>
               </a:rPr>
               <a:t>Concurrence</a:t>
             </a:r>
@@ -23113,10 +23674,16 @@
                 <a:solidFill>
                   <a:srgbClr val="000000"/>
                 </a:solidFill>
-                <a:latin typeface="Arial" charset="0"/>
+                <a:latin typeface="Arial" panose="02080604020202020204" pitchFamily="34" charset="0"/>
               </a:rPr>
               <a:t> </a:t>
             </a:r>
+            <a:endParaRPr kumimoji="1" lang="zh-CN" altLang="en-US" sz="3200" b="1" dirty="0">
+              <a:solidFill>
+                <a:srgbClr val="000000"/>
+              </a:solidFill>
+              <a:latin typeface="Arial" panose="02080604020202020204" pitchFamily="34" charset="0"/>
+            </a:endParaRPr>
           </a:p>
         </p:txBody>
       </p:sp>
@@ -23214,6 +23781,13 @@
               </a:rPr>
               <a:t>进程</a:t>
             </a:r>
+            <a:endParaRPr kumimoji="1" lang="zh-CN" altLang="en-US" sz="2800" b="1" dirty="0">
+              <a:solidFill>
+                <a:srgbClr val="000000"/>
+              </a:solidFill>
+              <a:latin typeface="Times New Roman" pitchFamily="18" charset="0"/>
+              <a:ea typeface="楷体_GB2312" pitchFamily="49" charset="-122"/>
+            </a:endParaRPr>
           </a:p>
         </p:txBody>
       </p:sp>
@@ -23345,6 +23919,12 @@
               </a:rPr>
               <a:t> </a:t>
             </a:r>
+            <a:endParaRPr kumimoji="1" lang="zh-CN" altLang="en-US" sz="2800" b="1">
+              <a:solidFill>
+                <a:srgbClr val="000000"/>
+              </a:solidFill>
+              <a:latin typeface="Times New Roman" pitchFamily="18" charset="0"/>
+            </a:endParaRPr>
           </a:p>
         </p:txBody>
       </p:sp>
@@ -23372,8 +23952,6 @@
               <a:srgbClr val="FFFF00"/>
             </a:solidFill>
             <a:miter lim="800000"/>
-            <a:headEnd/>
-            <a:tailEnd/>
           </a:ln>
           <a:effectLst/>
           <a:extLst>
@@ -23417,8 +23995,8 @@
                 <a:solidFill>
                   <a:srgbClr val="FFFFFF"/>
                 </a:solidFill>
-                <a:latin typeface="黑体" pitchFamily="49" charset="-122"/>
-                <a:ea typeface="黑体" pitchFamily="49" charset="-122"/>
+                <a:latin typeface="黑体" pitchFamily="2" charset="-122"/>
+                <a:ea typeface="黑体" pitchFamily="2" charset="-122"/>
               </a:rPr>
               <a:t>是</a:t>
             </a:r>
@@ -23427,8 +24005,8 @@
                 <a:solidFill>
                   <a:srgbClr val="FFFFFF"/>
                 </a:solidFill>
-                <a:latin typeface="黑体" pitchFamily="49" charset="-122"/>
-                <a:ea typeface="黑体" pitchFamily="49" charset="-122"/>
+                <a:latin typeface="黑体" pitchFamily="2" charset="-122"/>
+                <a:ea typeface="黑体" pitchFamily="2" charset="-122"/>
               </a:rPr>
               <a:t>指在系统中能独立运行并作为资源分配的基本单位，它是由一组机器指令、数据和堆栈等组成的，是一个活动实体</a:t>
             </a:r>
@@ -23442,6 +24020,13 @@
               </a:rPr>
               <a:t>。</a:t>
             </a:r>
+            <a:endParaRPr kumimoji="1" lang="zh-CN" altLang="en-US" sz="2800" dirty="0">
+              <a:solidFill>
+                <a:srgbClr val="FFFFFF"/>
+              </a:solidFill>
+              <a:latin typeface="华文行楷" pitchFamily="2" charset="-122"/>
+              <a:ea typeface="华文行楷" pitchFamily="2" charset="-122"/>
+            </a:endParaRPr>
           </a:p>
         </p:txBody>
       </p:sp>
@@ -23546,11 +24131,6 @@
         </p:txBody>
       </p:sp>
     </p:spTree>
-    <p:extLst>
-      <p:ext uri="{BB962C8B-B14F-4D97-AF65-F5344CB8AC3E}">
-        <p14:creationId xmlns:p14="http://schemas.microsoft.com/office/powerpoint/2010/main" val="3327517935"/>
-      </p:ext>
-    </p:extLst>
   </p:cSld>
   <p:clrMapOvr>
     <a:masterClrMapping/>
@@ -23564,13 +24144,13 @@
               <p:cTn id="2" dur="indefinite" nodeType="mainSeq">
                 <p:childTnLst>
                   <p:par>
-                    <p:cTn id="3" fill="hold" nodeType="clickPar">
+                    <p:cTn id="3" fill="hold">
                       <p:stCondLst>
                         <p:cond delay="indefinite"/>
                       </p:stCondLst>
                       <p:childTnLst>
                         <p:par>
-                          <p:cTn id="4" fill="hold" nodeType="withGroup">
+                          <p:cTn id="4" fill="hold">
                             <p:stCondLst>
                               <p:cond delay="0"/>
                             </p:stCondLst>
@@ -23617,13 +24197,13 @@
                     </p:cTn>
                   </p:par>
                   <p:par>
-                    <p:cTn id="8" fill="hold" nodeType="clickPar">
+                    <p:cTn id="8" fill="hold">
                       <p:stCondLst>
                         <p:cond delay="indefinite"/>
                       </p:stCondLst>
                       <p:childTnLst>
                         <p:par>
-                          <p:cTn id="9" fill="hold" nodeType="withGroup">
+                          <p:cTn id="9" fill="hold">
                             <p:stCondLst>
                               <p:cond delay="0"/>
                             </p:stCondLst>
@@ -23770,8 +24350,6 @@
           <a:p>
             <a:fld id="{D4F15E22-B0F7-4759-96CF-5251582CC227}" type="slidenum">
               <a:rPr lang="en-US" altLang="zh-CN"/>
-              <a:pPr/>
-              <a:t>39</a:t>
             </a:fld>
             <a:endParaRPr lang="en-US" altLang="zh-CN"/>
           </a:p>
@@ -23845,7 +24423,7 @@
                 <a:solidFill>
                   <a:srgbClr val="333399"/>
                 </a:solidFill>
-                <a:latin typeface="Arial" charset="0"/>
+                <a:latin typeface="Arial" panose="02080604020202020204" pitchFamily="34" charset="0"/>
               </a:rPr>
               <a:t>2 </a:t>
             </a:r>
@@ -23854,7 +24432,7 @@
                 <a:solidFill>
                   <a:srgbClr val="333399"/>
                 </a:solidFill>
-                <a:latin typeface="Arial" charset="0"/>
+                <a:latin typeface="Arial" panose="02080604020202020204" pitchFamily="34" charset="0"/>
               </a:rPr>
               <a:t>、</a:t>
             </a:r>
@@ -23881,7 +24459,7 @@
                 <a:solidFill>
                   <a:srgbClr val="333399"/>
                 </a:solidFill>
-                <a:latin typeface="Arial" charset="0"/>
+                <a:latin typeface="Arial" panose="02080604020202020204" pitchFamily="34" charset="0"/>
               </a:rPr>
               <a:t>sharing</a:t>
             </a:r>
@@ -23899,10 +24477,16 @@
                 <a:solidFill>
                   <a:srgbClr val="333399"/>
                 </a:solidFill>
-                <a:latin typeface="Arial" charset="0"/>
+                <a:latin typeface="Arial" panose="02080604020202020204" pitchFamily="34" charset="0"/>
               </a:rPr>
               <a:t> </a:t>
             </a:r>
+            <a:endParaRPr kumimoji="1" lang="zh-CN" altLang="en-US" sz="3600" b="1" dirty="0">
+              <a:solidFill>
+                <a:srgbClr val="333399"/>
+              </a:solidFill>
+              <a:latin typeface="Arial" panose="02080604020202020204" pitchFamily="34" charset="0"/>
+            </a:endParaRPr>
           </a:p>
         </p:txBody>
       </p:sp>
@@ -23930,8 +24514,6 @@
               <a:schemeClr val="tx2"/>
             </a:solidFill>
             <a:miter lim="800000"/>
-            <a:headEnd/>
-            <a:tailEnd/>
           </a:ln>
           <a:effectLst/>
           <a:extLst>
@@ -23989,6 +24571,12 @@
               </a:rPr>
               <a:t> </a:t>
             </a:r>
+            <a:endParaRPr kumimoji="1" lang="zh-CN" altLang="en-US" sz="2400">
+              <a:solidFill>
+                <a:srgbClr val="000000"/>
+              </a:solidFill>
+              <a:latin typeface="Times New Roman" pitchFamily="18" charset="0"/>
+            </a:endParaRPr>
           </a:p>
         </p:txBody>
       </p:sp>
@@ -24074,6 +24662,12 @@
               </a:rPr>
               <a:t> </a:t>
             </a:r>
+            <a:endParaRPr kumimoji="1" lang="zh-CN" altLang="en-US" sz="2800" b="1">
+              <a:solidFill>
+                <a:srgbClr val="000000"/>
+              </a:solidFill>
+              <a:latin typeface="Times New Roman" pitchFamily="18" charset="0"/>
+            </a:endParaRPr>
           </a:p>
         </p:txBody>
       </p:sp>
@@ -24186,6 +24780,12 @@
               </a:rPr>
               <a:t> </a:t>
             </a:r>
+            <a:endParaRPr kumimoji="1" lang="zh-CN" altLang="en-US" sz="2400" b="1">
+              <a:solidFill>
+                <a:srgbClr val="FFFF00"/>
+              </a:solidFill>
+              <a:latin typeface="Times New Roman" pitchFamily="18" charset="0"/>
+            </a:endParaRPr>
           </a:p>
         </p:txBody>
       </p:sp>
@@ -24290,6 +24890,12 @@
               </a:rPr>
               <a:t> </a:t>
             </a:r>
+            <a:endParaRPr kumimoji="1" lang="zh-CN" altLang="en-US" sz="2400">
+              <a:solidFill>
+                <a:srgbClr val="000000"/>
+              </a:solidFill>
+              <a:latin typeface="Times New Roman" pitchFamily="18" charset="0"/>
+            </a:endParaRPr>
           </a:p>
         </p:txBody>
       </p:sp>
@@ -24315,8 +24921,6 @@
               <a:schemeClr val="tx2"/>
             </a:solidFill>
             <a:miter lim="800000"/>
-            <a:headEnd/>
-            <a:tailEnd/>
           </a:ln>
           <a:effectLst/>
           <a:extLst>
@@ -24361,6 +24965,12 @@
               </a:rPr>
               <a:t>什么叫临界资源？   临界资源例子。</a:t>
             </a:r>
+            <a:endParaRPr kumimoji="1" lang="zh-CN" altLang="en-US" sz="2400" b="1" dirty="0">
+              <a:solidFill>
+                <a:srgbClr val="333399"/>
+              </a:solidFill>
+              <a:latin typeface="宋体" pitchFamily="2" charset="-122"/>
+            </a:endParaRPr>
           </a:p>
         </p:txBody>
       </p:sp>
@@ -24473,6 +25083,12 @@
               </a:rPr>
               <a:t> </a:t>
             </a:r>
+            <a:endParaRPr kumimoji="1" lang="zh-CN" altLang="en-US" sz="2400">
+              <a:solidFill>
+                <a:srgbClr val="0000FF"/>
+              </a:solidFill>
+              <a:latin typeface="Times New Roman" pitchFamily="18" charset="0"/>
+            </a:endParaRPr>
           </a:p>
         </p:txBody>
       </p:sp>
@@ -24559,6 +25175,13 @@
               </a:rPr>
               <a:t>共享资源</a:t>
             </a:r>
+            <a:endParaRPr kumimoji="1" lang="zh-CN" altLang="en-US" sz="2400" b="1">
+              <a:solidFill>
+                <a:srgbClr val="333399"/>
+              </a:solidFill>
+              <a:latin typeface="黑体" pitchFamily="2" charset="-122"/>
+              <a:ea typeface="黑体" pitchFamily="2" charset="-122"/>
+            </a:endParaRPr>
           </a:p>
         </p:txBody>
       </p:sp>
@@ -24584,8 +25207,6 @@
               <a:schemeClr val="tx2"/>
             </a:solidFill>
             <a:miter lim="800000"/>
-            <a:headEnd/>
-            <a:tailEnd/>
           </a:ln>
           <a:effectLst/>
           <a:extLst>
@@ -24711,6 +25332,12 @@
               </a:rPr>
               <a:t> </a:t>
             </a:r>
+            <a:endParaRPr kumimoji="1" lang="zh-CN" altLang="en-US" sz="2400" b="1">
+              <a:solidFill>
+                <a:srgbClr val="333399"/>
+              </a:solidFill>
+              <a:latin typeface="Times New Roman" pitchFamily="18" charset="0"/>
+            </a:endParaRPr>
           </a:p>
         </p:txBody>
       </p:sp>
@@ -24738,8 +25365,6 @@
               <a:srgbClr val="FFFF00"/>
             </a:solidFill>
             <a:miter lim="800000"/>
-            <a:headEnd/>
-            <a:tailEnd/>
           </a:ln>
           <a:effectLst/>
           <a:extLst>
@@ -24777,15 +25402,16 @@
               </a:rPr>
               <a:t>共享资源</a:t>
             </a:r>
+            <a:endParaRPr kumimoji="1" lang="zh-CN" altLang="en-US" sz="2400" b="1">
+              <a:solidFill>
+                <a:srgbClr val="FFFF00"/>
+              </a:solidFill>
+              <a:latin typeface="Times New Roman" pitchFamily="18" charset="0"/>
+            </a:endParaRPr>
           </a:p>
         </p:txBody>
       </p:sp>
     </p:spTree>
-    <p:extLst>
-      <p:ext uri="{BB962C8B-B14F-4D97-AF65-F5344CB8AC3E}">
-        <p14:creationId xmlns:p14="http://schemas.microsoft.com/office/powerpoint/2010/main" val="2801610672"/>
-      </p:ext>
-    </p:extLst>
   </p:cSld>
   <p:clrMapOvr>
     <a:masterClrMapping/>
@@ -24799,13 +25425,13 @@
               <p:cTn id="2" dur="indefinite" nodeType="mainSeq">
                 <p:childTnLst>
                   <p:par>
-                    <p:cTn id="3" fill="hold" nodeType="clickPar">
+                    <p:cTn id="3" fill="hold">
                       <p:stCondLst>
                         <p:cond delay="indefinite"/>
                       </p:stCondLst>
                       <p:childTnLst>
                         <p:par>
-                          <p:cTn id="4" fill="hold" nodeType="withGroup">
+                          <p:cTn id="4" fill="hold">
                             <p:stCondLst>
                               <p:cond delay="0"/>
                             </p:stCondLst>
@@ -24852,13 +25478,13 @@
                     </p:cTn>
                   </p:par>
                   <p:par>
-                    <p:cTn id="8" fill="hold" nodeType="clickPar">
+                    <p:cTn id="8" fill="hold">
                       <p:stCondLst>
                         <p:cond delay="indefinite"/>
                       </p:stCondLst>
                       <p:childTnLst>
                         <p:par>
-                          <p:cTn id="9" fill="hold" nodeType="withGroup">
+                          <p:cTn id="9" fill="hold">
                             <p:stCondLst>
                               <p:cond delay="0"/>
                             </p:stCondLst>
@@ -24943,13 +25569,13 @@
                     </p:cTn>
                   </p:par>
                   <p:par>
-                    <p:cTn id="14" fill="hold" nodeType="clickPar">
+                    <p:cTn id="14" fill="hold">
                       <p:stCondLst>
                         <p:cond delay="indefinite"/>
                       </p:stCondLst>
                       <p:childTnLst>
                         <p:par>
-                          <p:cTn id="15" fill="hold" nodeType="withGroup">
+                          <p:cTn id="15" fill="hold">
                             <p:stCondLst>
                               <p:cond delay="0"/>
                             </p:stCondLst>
@@ -24996,13 +25622,13 @@
                     </p:cTn>
                   </p:par>
                   <p:par>
-                    <p:cTn id="19" fill="hold" nodeType="clickPar">
+                    <p:cTn id="19" fill="hold">
                       <p:stCondLst>
                         <p:cond delay="indefinite"/>
                       </p:stCondLst>
                       <p:childTnLst>
                         <p:par>
-                          <p:cTn id="20" fill="hold" nodeType="withGroup">
+                          <p:cTn id="20" fill="hold">
                             <p:stCondLst>
                               <p:cond delay="0"/>
                             </p:stCondLst>
@@ -25087,13 +25713,13 @@
                     </p:cTn>
                   </p:par>
                   <p:par>
-                    <p:cTn id="25" fill="hold" nodeType="clickPar">
+                    <p:cTn id="25" fill="hold">
                       <p:stCondLst>
                         <p:cond delay="indefinite"/>
                       </p:stCondLst>
                       <p:childTnLst>
                         <p:par>
-                          <p:cTn id="26" fill="hold" nodeType="withGroup">
+                          <p:cTn id="26" fill="hold">
                             <p:stCondLst>
                               <p:cond delay="0"/>
                             </p:stCondLst>
@@ -25140,13 +25766,13 @@
                     </p:cTn>
                   </p:par>
                   <p:par>
-                    <p:cTn id="30" fill="hold" nodeType="clickPar">
+                    <p:cTn id="30" fill="hold">
                       <p:stCondLst>
                         <p:cond delay="indefinite"/>
                       </p:stCondLst>
                       <p:childTnLst>
                         <p:par>
-                          <p:cTn id="31" fill="hold" nodeType="withGroup">
+                          <p:cTn id="31" fill="hold">
                             <p:stCondLst>
                               <p:cond delay="0"/>
                             </p:stCondLst>
@@ -25231,13 +25857,13 @@
                     </p:cTn>
                   </p:par>
                   <p:par>
-                    <p:cTn id="36" fill="hold" nodeType="clickPar">
+                    <p:cTn id="36" fill="hold">
                       <p:stCondLst>
                         <p:cond delay="indefinite"/>
                       </p:stCondLst>
                       <p:childTnLst>
                         <p:par>
-                          <p:cTn id="37" fill="hold" nodeType="withGroup">
+                          <p:cTn id="37" fill="hold">
                             <p:stCondLst>
                               <p:cond delay="0"/>
                             </p:stCondLst>
@@ -25322,13 +25948,13 @@
                     </p:cTn>
                   </p:par>
                   <p:par>
-                    <p:cTn id="42" fill="hold" nodeType="clickPar">
+                    <p:cTn id="42" fill="hold">
                       <p:stCondLst>
                         <p:cond delay="indefinite"/>
                       </p:stCondLst>
                       <p:childTnLst>
                         <p:par>
-                          <p:cTn id="43" fill="hold" nodeType="withGroup">
+                          <p:cTn id="43" fill="hold">
                             <p:stCondLst>
                               <p:cond delay="0"/>
                             </p:stCondLst>
@@ -25375,13 +26001,13 @@
                     </p:cTn>
                   </p:par>
                   <p:par>
-                    <p:cTn id="47" fill="hold" nodeType="clickPar">
+                    <p:cTn id="47" fill="hold">
                       <p:stCondLst>
                         <p:cond delay="indefinite"/>
                       </p:stCondLst>
                       <p:childTnLst>
                         <p:par>
-                          <p:cTn id="48" fill="hold" nodeType="withGroup">
+                          <p:cTn id="48" fill="hold">
                             <p:stCondLst>
                               <p:cond delay="0"/>
                             </p:stCondLst>
@@ -25496,14 +26122,13 @@
             <a:ext cx="8463284" cy="2932113"/>
           </a:xfrm>
           <a:noFill/>
-          <a:ln/>
         </p:spPr>
         <p:txBody>
           <a:bodyPr/>
           <a:lstStyle/>
           <a:p>
             <a:pPr>
-              <a:buFont typeface="Wingdings" pitchFamily="2" charset="2"/>
+              <a:buFont typeface="Wingdings" panose="05000000000000000000" pitchFamily="2" charset="2"/>
               <a:buNone/>
             </a:pPr>
             <a:r>
@@ -25530,6 +26155,7 @@
               <a:rPr lang="zh-CN" altLang="en-US" sz="4000" dirty="0"/>
               <a:t>）是计算机硬件上的第一层软件，是计算机必须配置的最基本、最重要的系统软件。</a:t>
             </a:r>
+            <a:endParaRPr lang="zh-CN" altLang="en-US" sz="4000" dirty="0"/>
           </a:p>
         </p:txBody>
       </p:sp>
@@ -25550,19 +26176,12 @@
           <a:p>
             <a:fld id="{D7FA437D-1E9E-4D8C-84D5-2054CD366035}" type="slidenum">
               <a:rPr lang="en-US" altLang="zh-CN"/>
-              <a:pPr/>
-              <a:t>4</a:t>
             </a:fld>
             <a:endParaRPr lang="en-US" altLang="zh-CN"/>
           </a:p>
         </p:txBody>
       </p:sp>
     </p:spTree>
-    <p:extLst>
-      <p:ext uri="{BB962C8B-B14F-4D97-AF65-F5344CB8AC3E}">
-        <p14:creationId xmlns:p14="http://schemas.microsoft.com/office/powerpoint/2010/main" val="2645396255"/>
-      </p:ext>
-    </p:extLst>
   </p:cSld>
   <p:clrMapOvr>
     <a:masterClrMapping/>
@@ -25718,8 +26337,6 @@
           <a:p>
             <a:fld id="{34B605EE-81E1-4845-A535-5CB2E7A85ECE}" type="slidenum">
               <a:rPr lang="en-US" altLang="zh-CN"/>
-              <a:pPr/>
-              <a:t>40</a:t>
             </a:fld>
             <a:endParaRPr lang="en-US" altLang="zh-CN"/>
           </a:p>
@@ -25816,6 +26433,12 @@
               </a:rPr>
               <a:t> </a:t>
             </a:r>
+            <a:endParaRPr kumimoji="1" lang="zh-CN" altLang="en-US" sz="2400" b="1">
+              <a:solidFill>
+                <a:srgbClr val="000000"/>
+              </a:solidFill>
+              <a:latin typeface="Times New Roman" pitchFamily="18" charset="0"/>
+            </a:endParaRPr>
           </a:p>
         </p:txBody>
       </p:sp>
@@ -25910,6 +26533,12 @@
               </a:rPr>
               <a:t> </a:t>
             </a:r>
+            <a:endParaRPr kumimoji="1" lang="zh-CN" altLang="en-US" sz="2400" b="1">
+              <a:solidFill>
+                <a:srgbClr val="000000"/>
+              </a:solidFill>
+              <a:latin typeface="Times New Roman" pitchFamily="18" charset="0"/>
+            </a:endParaRPr>
           </a:p>
         </p:txBody>
       </p:sp>
@@ -25979,7 +26608,7 @@
               <a:buClr>
                 <a:srgbClr val="0000FF"/>
               </a:buClr>
-              <a:buFont typeface="Wingdings" pitchFamily="2" charset="2"/>
+              <a:buFont typeface="Wingdings" panose="05000000000000000000" pitchFamily="2" charset="2"/>
               <a:buChar char="v"/>
             </a:pPr>
             <a:r>
@@ -25991,6 +26620,12 @@
               </a:rPr>
               <a:t>  </a:t>
             </a:r>
+            <a:endParaRPr kumimoji="1" lang="en-US" altLang="zh-CN" sz="2800">
+              <a:solidFill>
+                <a:srgbClr val="000000"/>
+              </a:solidFill>
+              <a:latin typeface="Times New Roman" pitchFamily="18" charset="0"/>
+            </a:endParaRPr>
           </a:p>
         </p:txBody>
       </p:sp>
@@ -26060,7 +26695,7 @@
               <a:buClr>
                 <a:srgbClr val="0000FF"/>
               </a:buClr>
-              <a:buFont typeface="Wingdings" pitchFamily="2" charset="2"/>
+              <a:buFont typeface="Wingdings" panose="05000000000000000000" pitchFamily="2" charset="2"/>
               <a:buChar char="v"/>
             </a:pPr>
             <a:r>
@@ -26072,15 +26707,16 @@
               </a:rPr>
               <a:t>  </a:t>
             </a:r>
+            <a:endParaRPr kumimoji="1" lang="en-US" altLang="zh-CN" sz="2800">
+              <a:solidFill>
+                <a:srgbClr val="000000"/>
+              </a:solidFill>
+              <a:latin typeface="Times New Roman" pitchFamily="18" charset="0"/>
+            </a:endParaRPr>
           </a:p>
         </p:txBody>
       </p:sp>
     </p:spTree>
-    <p:extLst>
-      <p:ext uri="{BB962C8B-B14F-4D97-AF65-F5344CB8AC3E}">
-        <p14:creationId xmlns:p14="http://schemas.microsoft.com/office/powerpoint/2010/main" val="2846824700"/>
-      </p:ext>
-    </p:extLst>
   </p:cSld>
   <p:clrMapOvr>
     <a:masterClrMapping/>
@@ -26178,7 +26814,7 @@
           <a:lstStyle/>
           <a:p>
             <a:pPr>
-              <a:buFont typeface="Wingdings" pitchFamily="2" charset="2"/>
+              <a:buFont typeface="Wingdings" panose="05000000000000000000" pitchFamily="2" charset="2"/>
               <a:buNone/>
             </a:pPr>
             <a:r>
@@ -26240,6 +26876,11 @@
               </a:rPr>
               <a:t> </a:t>
             </a:r>
+            <a:endParaRPr lang="zh-CN" altLang="en-US" sz="3600" dirty="0">
+              <a:solidFill>
+                <a:srgbClr val="002060"/>
+              </a:solidFill>
+            </a:endParaRPr>
           </a:p>
         </p:txBody>
       </p:sp>
@@ -26260,8 +26901,6 @@
           <a:p>
             <a:fld id="{361216B5-FDBE-4C94-8807-20CE690FEF99}" type="slidenum">
               <a:rPr lang="en-US" altLang="zh-CN"/>
-              <a:pPr/>
-              <a:t>41</a:t>
             </a:fld>
             <a:endParaRPr lang="en-US" altLang="zh-CN"/>
           </a:p>
@@ -26291,8 +26930,6 @@
               <a:schemeClr val="tx2"/>
             </a:solidFill>
             <a:miter lim="800000"/>
-            <a:headEnd/>
-            <a:tailEnd/>
           </a:ln>
           <a:effectLst/>
           <a:extLst>
@@ -26358,6 +26995,12 @@
               </a:rPr>
               <a:t> </a:t>
             </a:r>
+            <a:endParaRPr kumimoji="1" lang="zh-CN" altLang="en-US" sz="2400">
+              <a:solidFill>
+                <a:srgbClr val="000000"/>
+              </a:solidFill>
+              <a:latin typeface="Times New Roman" pitchFamily="18" charset="0"/>
+            </a:endParaRPr>
           </a:p>
         </p:txBody>
       </p:sp>
@@ -26554,15 +27197,16 @@
               </a:rPr>
               <a:t> </a:t>
             </a:r>
+            <a:endParaRPr kumimoji="1" lang="zh-CN" altLang="en-US" sz="2400">
+              <a:solidFill>
+                <a:srgbClr val="000000"/>
+              </a:solidFill>
+              <a:latin typeface="Times New Roman" pitchFamily="18" charset="0"/>
+            </a:endParaRPr>
           </a:p>
         </p:txBody>
       </p:sp>
     </p:spTree>
-    <p:extLst>
-      <p:ext uri="{BB962C8B-B14F-4D97-AF65-F5344CB8AC3E}">
-        <p14:creationId xmlns:p14="http://schemas.microsoft.com/office/powerpoint/2010/main" val="3917267540"/>
-      </p:ext>
-    </p:extLst>
   </p:cSld>
   <p:clrMapOvr>
     <a:masterClrMapping/>
@@ -26669,6 +27313,13 @@
               </a:rPr>
               <a:t>虚拟技术</a:t>
             </a:r>
+            <a:endParaRPr lang="zh-CN" altLang="en-US" sz="3600">
+              <a:solidFill>
+                <a:schemeClr val="tx2"/>
+              </a:solidFill>
+              <a:latin typeface="黑体" pitchFamily="2" charset="-122"/>
+              <a:ea typeface="黑体" pitchFamily="2" charset="-122"/>
+            </a:endParaRPr>
           </a:p>
         </p:txBody>
       </p:sp>
@@ -26689,8 +27340,6 @@
           <a:p>
             <a:fld id="{1D76735D-1AD9-4408-BF2A-40036655928A}" type="slidenum">
               <a:rPr lang="en-US" altLang="zh-CN"/>
-              <a:pPr/>
-              <a:t>42</a:t>
             </a:fld>
             <a:endParaRPr lang="en-US" altLang="zh-CN"/>
           </a:p>
@@ -26842,6 +27491,12 @@
               </a:rPr>
               <a:t> </a:t>
             </a:r>
+            <a:endParaRPr kumimoji="1" lang="zh-CN" altLang="en-US" sz="2400">
+              <a:solidFill>
+                <a:srgbClr val="000000"/>
+              </a:solidFill>
+              <a:latin typeface="Times New Roman" pitchFamily="18" charset="0"/>
+            </a:endParaRPr>
           </a:p>
         </p:txBody>
       </p:sp>
@@ -26955,6 +27610,12 @@
               </a:rPr>
               <a:t> </a:t>
             </a:r>
+            <a:endParaRPr kumimoji="1" lang="zh-CN" altLang="en-US" sz="2400">
+              <a:solidFill>
+                <a:srgbClr val="000000"/>
+              </a:solidFill>
+              <a:latin typeface="Times New Roman" pitchFamily="18" charset="0"/>
+            </a:endParaRPr>
           </a:p>
         </p:txBody>
       </p:sp>
@@ -27122,6 +27783,12 @@
               </a:rPr>
               <a:t> </a:t>
             </a:r>
+            <a:endParaRPr kumimoji="1" lang="zh-CN" altLang="en-US" sz="2400">
+              <a:solidFill>
+                <a:srgbClr val="000000"/>
+              </a:solidFill>
+              <a:latin typeface="Times New Roman" pitchFamily="18" charset="0"/>
+            </a:endParaRPr>
           </a:p>
         </p:txBody>
       </p:sp>
@@ -27191,7 +27858,7 @@
               <a:buClr>
                 <a:srgbClr val="0000FF"/>
               </a:buClr>
-              <a:buFont typeface="Wingdings" pitchFamily="2" charset="2"/>
+              <a:buFont typeface="Wingdings" panose="05000000000000000000" pitchFamily="2" charset="2"/>
               <a:buChar char="v"/>
             </a:pPr>
             <a:r>
@@ -27203,6 +27870,12 @@
               </a:rPr>
               <a:t>  </a:t>
             </a:r>
+            <a:endParaRPr kumimoji="1" lang="en-US" altLang="zh-CN" sz="2800">
+              <a:solidFill>
+                <a:srgbClr val="000000"/>
+              </a:solidFill>
+              <a:latin typeface="Times New Roman" pitchFamily="18" charset="0"/>
+            </a:endParaRPr>
           </a:p>
         </p:txBody>
       </p:sp>
@@ -27272,7 +27945,7 @@
               <a:buClr>
                 <a:srgbClr val="0000FF"/>
               </a:buClr>
-              <a:buFont typeface="Wingdings" pitchFamily="2" charset="2"/>
+              <a:buFont typeface="Wingdings" panose="05000000000000000000" pitchFamily="2" charset="2"/>
               <a:buChar char="v"/>
             </a:pPr>
             <a:r>
@@ -27284,6 +27957,12 @@
               </a:rPr>
               <a:t>  </a:t>
             </a:r>
+            <a:endParaRPr kumimoji="1" lang="en-US" altLang="zh-CN" sz="2800">
+              <a:solidFill>
+                <a:srgbClr val="000000"/>
+              </a:solidFill>
+              <a:latin typeface="Times New Roman" pitchFamily="18" charset="0"/>
+            </a:endParaRPr>
           </a:p>
         </p:txBody>
       </p:sp>
@@ -27353,7 +28032,7 @@
               <a:buClr>
                 <a:srgbClr val="0000FF"/>
               </a:buClr>
-              <a:buFont typeface="Wingdings" pitchFamily="2" charset="2"/>
+              <a:buFont typeface="Wingdings" panose="05000000000000000000" pitchFamily="2" charset="2"/>
               <a:buChar char="v"/>
             </a:pPr>
             <a:r>
@@ -27365,15 +28044,16 @@
               </a:rPr>
               <a:t>  </a:t>
             </a:r>
+            <a:endParaRPr kumimoji="1" lang="en-US" altLang="zh-CN" sz="2800">
+              <a:solidFill>
+                <a:srgbClr val="000000"/>
+              </a:solidFill>
+              <a:latin typeface="Times New Roman" pitchFamily="18" charset="0"/>
+            </a:endParaRPr>
           </a:p>
         </p:txBody>
       </p:sp>
     </p:spTree>
-    <p:extLst>
-      <p:ext uri="{BB962C8B-B14F-4D97-AF65-F5344CB8AC3E}">
-        <p14:creationId xmlns:p14="http://schemas.microsoft.com/office/powerpoint/2010/main" val="4282822153"/>
-      </p:ext>
-    </p:extLst>
   </p:cSld>
   <p:clrMapOvr>
     <a:masterClrMapping/>
@@ -27426,7 +28106,7 @@
           <a:lstStyle/>
           <a:p>
             <a:pPr>
-              <a:buFont typeface="Wingdings" pitchFamily="2" charset="2"/>
+              <a:buFont typeface="Wingdings" panose="05000000000000000000" pitchFamily="2" charset="2"/>
               <a:buNone/>
             </a:pPr>
             <a:r>
@@ -27467,6 +28147,7 @@
               <a:rPr lang="zh-CN" altLang="en-US" dirty="0"/>
               <a:t> </a:t>
             </a:r>
+            <a:endParaRPr lang="zh-CN" altLang="en-US" dirty="0"/>
           </a:p>
         </p:txBody>
       </p:sp>
@@ -27487,8 +28168,6 @@
           <a:p>
             <a:fld id="{F3316649-DED7-4BB4-AA23-690250449874}" type="slidenum">
               <a:rPr lang="en-US" altLang="zh-CN"/>
-              <a:pPr/>
-              <a:t>43</a:t>
             </a:fld>
             <a:endParaRPr lang="en-US" altLang="zh-CN"/>
           </a:p>
@@ -27657,6 +28336,12 @@
               </a:rPr>
               <a:t> </a:t>
             </a:r>
+            <a:endParaRPr kumimoji="1" lang="zh-CN" altLang="en-US" sz="2800" b="1" dirty="0">
+              <a:solidFill>
+                <a:srgbClr val="000000"/>
+              </a:solidFill>
+              <a:latin typeface="Times New Roman" pitchFamily="18" charset="0"/>
+            </a:endParaRPr>
           </a:p>
           <a:p>
             <a:pPr fontAlgn="base">
@@ -27676,6 +28361,12 @@
               </a:rPr>
               <a:t>    内存中的每个进程在何时能获得处理机运行，何时又因提出某种资源请求而暂停，以及进程以怎样的速度向前推进，每道程序总共需要多少时间才能完成等等，都是不可预知的。</a:t>
             </a:r>
+            <a:endParaRPr kumimoji="1" lang="zh-CN" altLang="en-US" sz="2800" b="1" dirty="0">
+              <a:solidFill>
+                <a:srgbClr val="000000"/>
+              </a:solidFill>
+              <a:latin typeface="宋体" pitchFamily="2" charset="-122"/>
+            </a:endParaRPr>
           </a:p>
           <a:p>
             <a:pPr fontAlgn="base">
@@ -27704,15 +28395,16 @@
               </a:rPr>
               <a:t> </a:t>
             </a:r>
+            <a:endParaRPr kumimoji="1" lang="zh-CN" altLang="en-US" sz="2800" b="1" dirty="0">
+              <a:solidFill>
+                <a:srgbClr val="FFFF00"/>
+              </a:solidFill>
+              <a:latin typeface="Times New Roman" pitchFamily="18" charset="0"/>
+            </a:endParaRPr>
           </a:p>
         </p:txBody>
       </p:sp>
     </p:spTree>
-    <p:extLst>
-      <p:ext uri="{BB962C8B-B14F-4D97-AF65-F5344CB8AC3E}">
-        <p14:creationId xmlns:p14="http://schemas.microsoft.com/office/powerpoint/2010/main" val="619856857"/>
-      </p:ext>
-    </p:extLst>
   </p:cSld>
   <p:clrMapOvr>
     <a:masterClrMapping/>
@@ -27781,6 +28473,7 @@
               <a:rPr lang="zh-CN" altLang="en-US" dirty="0"/>
               <a:t> </a:t>
             </a:r>
+            <a:endParaRPr lang="zh-CN" altLang="en-US" dirty="0"/>
           </a:p>
         </p:txBody>
       </p:sp>
@@ -27820,6 +28513,9 @@
               </a:rPr>
               <a:t>管理功能</a:t>
             </a:r>
+            <a:endParaRPr lang="zh-CN" altLang="en-US" sz="3600" dirty="0">
+              <a:latin typeface="宋体" pitchFamily="2" charset="-122"/>
+            </a:endParaRPr>
           </a:p>
           <a:p>
             <a:r>
@@ -27861,6 +28557,7 @@
               <a:rPr lang="zh-CN" altLang="en-US" sz="3600" dirty="0"/>
               <a:t> </a:t>
             </a:r>
+            <a:endParaRPr lang="zh-CN" altLang="en-US" sz="3600" dirty="0"/>
           </a:p>
           <a:p>
             <a:r>
@@ -27879,6 +28576,9 @@
               </a:rPr>
               <a:t>功能</a:t>
             </a:r>
+            <a:endParaRPr lang="zh-CN" altLang="en-US" sz="3600" dirty="0">
+              <a:latin typeface="宋体" pitchFamily="2" charset="-122"/>
+            </a:endParaRPr>
           </a:p>
           <a:p>
             <a:r>
@@ -27908,19 +28608,12 @@
           <a:p>
             <a:fld id="{392D1189-77BB-4A11-8E40-88439D2FC617}" type="slidenum">
               <a:rPr lang="en-US" altLang="zh-CN"/>
-              <a:pPr/>
-              <a:t>44</a:t>
             </a:fld>
             <a:endParaRPr lang="en-US" altLang="zh-CN"/>
           </a:p>
         </p:txBody>
       </p:sp>
     </p:spTree>
-    <p:extLst>
-      <p:ext uri="{BB962C8B-B14F-4D97-AF65-F5344CB8AC3E}">
-        <p14:creationId xmlns:p14="http://schemas.microsoft.com/office/powerpoint/2010/main" val="718300563"/>
-      </p:ext>
-    </p:extLst>
   </p:cSld>
   <p:clrMapOvr>
     <a:masterClrMapping/>
@@ -28031,6 +28724,7 @@
               <a:rPr lang="zh-CN" altLang="en-US"/>
               <a:t> </a:t>
             </a:r>
+            <a:endParaRPr lang="zh-CN" altLang="en-US"/>
           </a:p>
         </p:txBody>
       </p:sp>
@@ -28051,8 +28745,6 @@
           <a:p>
             <a:fld id="{133BF887-AC5F-44C6-AB09-D53D251BE800}" type="slidenum">
               <a:rPr lang="en-US" altLang="zh-CN"/>
-              <a:pPr/>
-              <a:t>45</a:t>
             </a:fld>
             <a:endParaRPr lang="en-US" altLang="zh-CN"/>
           </a:p>
@@ -28168,6 +28860,12 @@
               </a:rPr>
               <a:t> </a:t>
             </a:r>
+            <a:endParaRPr kumimoji="1" lang="zh-CN" altLang="en-US" sz="3200">
+              <a:solidFill>
+                <a:srgbClr val="000000"/>
+              </a:solidFill>
+              <a:latin typeface="Times New Roman" pitchFamily="18" charset="0"/>
+            </a:endParaRPr>
           </a:p>
           <a:p>
             <a:pPr fontAlgn="base">
@@ -28233,15 +28931,16 @@
               </a:rPr>
               <a:t> </a:t>
             </a:r>
+            <a:endParaRPr kumimoji="1" lang="zh-CN" altLang="en-US" sz="3200" b="1">
+              <a:solidFill>
+                <a:srgbClr val="000000"/>
+              </a:solidFill>
+              <a:latin typeface="Times New Roman" pitchFamily="18" charset="0"/>
+            </a:endParaRPr>
           </a:p>
         </p:txBody>
       </p:sp>
     </p:spTree>
-    <p:extLst>
-      <p:ext uri="{BB962C8B-B14F-4D97-AF65-F5344CB8AC3E}">
-        <p14:creationId xmlns:p14="http://schemas.microsoft.com/office/powerpoint/2010/main" val="4183290224"/>
-      </p:ext>
-    </p:extLst>
   </p:cSld>
   <p:clrMapOvr>
     <a:masterClrMapping/>
@@ -28344,6 +29043,9 @@
               </a:rPr>
               <a:t>处理机管理的主要功能是：</a:t>
             </a:r>
+            <a:endParaRPr lang="zh-CN" altLang="en-US" sz="3600">
+              <a:latin typeface="宋体" pitchFamily="2" charset="-122"/>
+            </a:endParaRPr>
           </a:p>
         </p:txBody>
       </p:sp>
@@ -28364,8 +29066,6 @@
           <a:p>
             <a:fld id="{69B9C8E5-257A-4E73-AB1A-075228FB4682}" type="slidenum">
               <a:rPr lang="en-US" altLang="zh-CN"/>
-              <a:pPr/>
-              <a:t>46</a:t>
             </a:fld>
             <a:endParaRPr lang="en-US" altLang="zh-CN"/>
           </a:p>
@@ -28743,8 +29443,6 @@
               <a:srgbClr val="FFFF00"/>
             </a:solidFill>
             <a:miter lim="800000"/>
-            <a:headEnd/>
-            <a:tailEnd/>
           </a:ln>
           <a:effectLst/>
           <a:extLst>
@@ -28782,6 +29480,12 @@
               </a:rPr>
               <a:t>进程控制</a:t>
             </a:r>
+            <a:endParaRPr kumimoji="1" lang="zh-CN" altLang="en-US" sz="2800" b="1">
+              <a:solidFill>
+                <a:srgbClr val="FFFFFF"/>
+              </a:solidFill>
+              <a:latin typeface="宋体" pitchFamily="2" charset="-122"/>
+            </a:endParaRPr>
           </a:p>
         </p:txBody>
       </p:sp>
@@ -28809,8 +29513,6 @@
               <a:srgbClr val="FFFF00"/>
             </a:solidFill>
             <a:miter lim="800000"/>
-            <a:headEnd/>
-            <a:tailEnd/>
           </a:ln>
           <a:effectLst/>
           <a:extLst>
@@ -28848,6 +29550,12 @@
               </a:rPr>
               <a:t>进程同步</a:t>
             </a:r>
+            <a:endParaRPr kumimoji="1" lang="zh-CN" altLang="en-US" sz="2800" b="1">
+              <a:solidFill>
+                <a:srgbClr val="FFFFFF"/>
+              </a:solidFill>
+              <a:latin typeface="宋体" pitchFamily="2" charset="-122"/>
+            </a:endParaRPr>
           </a:p>
         </p:txBody>
       </p:sp>
@@ -28875,8 +29583,6 @@
               <a:srgbClr val="FFFF00"/>
             </a:solidFill>
             <a:miter lim="800000"/>
-            <a:headEnd/>
-            <a:tailEnd/>
           </a:ln>
           <a:effectLst/>
           <a:extLst>
@@ -28914,6 +29620,12 @@
               </a:rPr>
               <a:t>进程通信</a:t>
             </a:r>
+            <a:endParaRPr kumimoji="1" lang="zh-CN" altLang="en-US" sz="2800" b="1">
+              <a:solidFill>
+                <a:srgbClr val="FFFFFF"/>
+              </a:solidFill>
+              <a:latin typeface="宋体" pitchFamily="2" charset="-122"/>
+            </a:endParaRPr>
           </a:p>
         </p:txBody>
       </p:sp>
@@ -28941,8 +29653,6 @@
               <a:srgbClr val="FFFF00"/>
             </a:solidFill>
             <a:miter lim="800000"/>
-            <a:headEnd/>
-            <a:tailEnd/>
           </a:ln>
           <a:effectLst/>
           <a:extLst>
@@ -28980,15 +29690,16 @@
               </a:rPr>
               <a:t>进程调度（处理机调度）</a:t>
             </a:r>
+            <a:endParaRPr kumimoji="1" lang="zh-CN" altLang="en-US" sz="2800" b="1">
+              <a:solidFill>
+                <a:srgbClr val="FFFFFF"/>
+              </a:solidFill>
+              <a:latin typeface="宋体" pitchFamily="2" charset="-122"/>
+            </a:endParaRPr>
           </a:p>
         </p:txBody>
       </p:sp>
     </p:spTree>
-    <p:extLst>
-      <p:ext uri="{BB962C8B-B14F-4D97-AF65-F5344CB8AC3E}">
-        <p14:creationId xmlns:p14="http://schemas.microsoft.com/office/powerpoint/2010/main" val="1708260920"/>
-      </p:ext>
-    </p:extLst>
   </p:cSld>
   <p:clrMapOvr>
     <a:masterClrMapping/>
@@ -29002,13 +29713,13 @@
               <p:cTn id="2" dur="indefinite" nodeType="mainSeq">
                 <p:childTnLst>
                   <p:par>
-                    <p:cTn id="3" fill="hold" nodeType="clickPar">
+                    <p:cTn id="3" fill="hold">
                       <p:stCondLst>
                         <p:cond delay="indefinite"/>
                       </p:stCondLst>
                       <p:childTnLst>
                         <p:par>
-                          <p:cTn id="4" fill="hold" nodeType="withGroup">
+                          <p:cTn id="4" fill="hold">
                             <p:stCondLst>
                               <p:cond delay="0"/>
                             </p:stCondLst>
@@ -29093,13 +29804,13 @@
                     </p:cTn>
                   </p:par>
                   <p:par>
-                    <p:cTn id="9" fill="hold" nodeType="clickPar">
+                    <p:cTn id="9" fill="hold">
                       <p:stCondLst>
                         <p:cond delay="indefinite"/>
                       </p:stCondLst>
                       <p:childTnLst>
                         <p:par>
-                          <p:cTn id="10" fill="hold" nodeType="withGroup">
+                          <p:cTn id="10" fill="hold">
                             <p:stCondLst>
                               <p:cond delay="0"/>
                             </p:stCondLst>
@@ -29184,13 +29895,13 @@
                     </p:cTn>
                   </p:par>
                   <p:par>
-                    <p:cTn id="15" fill="hold" nodeType="clickPar">
+                    <p:cTn id="15" fill="hold">
                       <p:stCondLst>
                         <p:cond delay="indefinite"/>
                       </p:stCondLst>
                       <p:childTnLst>
                         <p:par>
-                          <p:cTn id="16" fill="hold" nodeType="withGroup">
+                          <p:cTn id="16" fill="hold">
                             <p:stCondLst>
                               <p:cond delay="0"/>
                             </p:stCondLst>
@@ -29275,13 +29986,13 @@
                     </p:cTn>
                   </p:par>
                   <p:par>
-                    <p:cTn id="21" fill="hold" nodeType="clickPar">
+                    <p:cTn id="21" fill="hold">
                       <p:stCondLst>
                         <p:cond delay="indefinite"/>
                       </p:stCondLst>
                       <p:childTnLst>
                         <p:par>
-                          <p:cTn id="22" fill="hold" nodeType="withGroup">
+                          <p:cTn id="22" fill="hold">
                             <p:stCondLst>
                               <p:cond delay="0"/>
                             </p:stCondLst>
@@ -29366,13 +30077,13 @@
                     </p:cTn>
                   </p:par>
                   <p:par>
-                    <p:cTn id="27" fill="hold" nodeType="clickPar">
+                    <p:cTn id="27" fill="hold">
                       <p:stCondLst>
                         <p:cond delay="indefinite"/>
                       </p:stCondLst>
                       <p:childTnLst>
                         <p:par>
-                          <p:cTn id="28" fill="hold" nodeType="withGroup">
+                          <p:cTn id="28" fill="hold">
                             <p:stCondLst>
                               <p:cond delay="0"/>
                             </p:stCondLst>
@@ -29457,13 +30168,13 @@
                     </p:cTn>
                   </p:par>
                   <p:par>
-                    <p:cTn id="33" fill="hold" nodeType="clickPar">
+                    <p:cTn id="33" fill="hold">
                       <p:stCondLst>
                         <p:cond delay="indefinite"/>
                       </p:stCondLst>
                       <p:childTnLst>
                         <p:par>
-                          <p:cTn id="34" fill="hold" nodeType="withGroup">
+                          <p:cTn id="34" fill="hold">
                             <p:stCondLst>
                               <p:cond delay="0"/>
                             </p:stCondLst>
@@ -29548,13 +30259,13 @@
                     </p:cTn>
                   </p:par>
                   <p:par>
-                    <p:cTn id="39" fill="hold" nodeType="clickPar">
+                    <p:cTn id="39" fill="hold">
                       <p:stCondLst>
                         <p:cond delay="indefinite"/>
                       </p:stCondLst>
                       <p:childTnLst>
                         <p:par>
-                          <p:cTn id="40" fill="hold" nodeType="withGroup">
+                          <p:cTn id="40" fill="hold">
                             <p:stCondLst>
                               <p:cond delay="0"/>
                             </p:stCondLst>
@@ -29639,13 +30350,13 @@
                     </p:cTn>
                   </p:par>
                   <p:par>
-                    <p:cTn id="45" fill="hold" nodeType="clickPar">
+                    <p:cTn id="45" fill="hold">
                       <p:stCondLst>
                         <p:cond delay="indefinite"/>
                       </p:stCondLst>
                       <p:childTnLst>
                         <p:par>
-                          <p:cTn id="46" fill="hold" nodeType="withGroup">
+                          <p:cTn id="46" fill="hold">
                             <p:stCondLst>
                               <p:cond delay="0"/>
                             </p:stCondLst>
@@ -29856,6 +30567,7 @@
               <a:rPr lang="zh-CN" altLang="en-US" dirty="0"/>
               <a:t> </a:t>
             </a:r>
+            <a:endParaRPr lang="zh-CN" altLang="en-US" dirty="0"/>
           </a:p>
         </p:txBody>
       </p:sp>
@@ -29876,8 +30588,6 @@
           <a:p>
             <a:fld id="{F499F4E7-05CE-4DCD-B56C-02A56C7519D0}" type="slidenum">
               <a:rPr lang="en-US" altLang="zh-CN"/>
-              <a:pPr/>
-              <a:t>47</a:t>
             </a:fld>
             <a:endParaRPr lang="en-US" altLang="zh-CN"/>
           </a:p>
@@ -29965,6 +30675,12 @@
               </a:rPr>
               <a:t> </a:t>
             </a:r>
+            <a:endParaRPr kumimoji="1" lang="zh-CN" altLang="en-US" sz="3200" b="1">
+              <a:solidFill>
+                <a:srgbClr val="000000"/>
+              </a:solidFill>
+              <a:latin typeface="Times New Roman" pitchFamily="18" charset="0"/>
+            </a:endParaRPr>
           </a:p>
         </p:txBody>
       </p:sp>
@@ -30113,6 +30829,12 @@
               </a:rPr>
               <a:t>)</a:t>
             </a:r>
+            <a:endParaRPr kumimoji="1" lang="en-US" altLang="zh-CN" sz="2800" b="1" dirty="0">
+              <a:solidFill>
+                <a:srgbClr val="000000"/>
+              </a:solidFill>
+              <a:latin typeface="Times New Roman" pitchFamily="18" charset="0"/>
+            </a:endParaRPr>
           </a:p>
           <a:p>
             <a:pPr fontAlgn="base">
@@ -30177,6 +30899,12 @@
               </a:rPr>
               <a:t>)</a:t>
             </a:r>
+            <a:endParaRPr kumimoji="1" lang="en-US" altLang="zh-CN" sz="2800" b="1" dirty="0">
+              <a:solidFill>
+                <a:srgbClr val="000000"/>
+              </a:solidFill>
+              <a:latin typeface="Times New Roman" pitchFamily="18" charset="0"/>
+            </a:endParaRPr>
           </a:p>
           <a:p>
             <a:pPr fontAlgn="base">
@@ -30241,6 +30969,12 @@
               </a:rPr>
               <a:t>)</a:t>
             </a:r>
+            <a:endParaRPr kumimoji="1" lang="en-US" altLang="zh-CN" sz="2800" b="1" dirty="0">
+              <a:solidFill>
+                <a:srgbClr val="000000"/>
+              </a:solidFill>
+              <a:latin typeface="Times New Roman" pitchFamily="18" charset="0"/>
+            </a:endParaRPr>
           </a:p>
           <a:p>
             <a:pPr fontAlgn="base">
@@ -30305,15 +31039,16 @@
               </a:rPr>
               <a:t>)</a:t>
             </a:r>
+            <a:endParaRPr kumimoji="1" lang="en-US" altLang="zh-CN" sz="2800" b="1" dirty="0">
+              <a:solidFill>
+                <a:srgbClr val="000000"/>
+              </a:solidFill>
+              <a:latin typeface="Times New Roman" pitchFamily="18" charset="0"/>
+            </a:endParaRPr>
           </a:p>
         </p:txBody>
       </p:sp>
     </p:spTree>
-    <p:extLst>
-      <p:ext uri="{BB962C8B-B14F-4D97-AF65-F5344CB8AC3E}">
-        <p14:creationId xmlns:p14="http://schemas.microsoft.com/office/powerpoint/2010/main" val="2938459108"/>
-      </p:ext>
-    </p:extLst>
   </p:cSld>
   <p:clrMapOvr>
     <a:masterClrMapping/>
@@ -30416,10 +31151,13 @@
               </a:rPr>
               <a:t>设备管理功能</a:t>
             </a:r>
+            <a:endParaRPr lang="zh-CN" altLang="en-US" sz="3600">
+              <a:latin typeface="Times New Roman" pitchFamily="18" charset="0"/>
+            </a:endParaRPr>
           </a:p>
           <a:p>
             <a:pPr>
-              <a:buFont typeface="Wingdings" pitchFamily="2" charset="2"/>
+              <a:buFont typeface="Wingdings" panose="05000000000000000000" pitchFamily="2" charset="2"/>
               <a:buNone/>
             </a:pPr>
             <a:r>
@@ -30428,15 +31166,18 @@
               </a:rPr>
               <a:t>   主要任务：  </a:t>
             </a:r>
+            <a:endParaRPr lang="zh-CN" altLang="en-US">
+              <a:latin typeface="Times New Roman" pitchFamily="18" charset="0"/>
+            </a:endParaRPr>
           </a:p>
           <a:p>
             <a:pPr lvl="1" algn="just">
-              <a:buFont typeface="Wingdings" pitchFamily="2" charset="2"/>
+              <a:buFont typeface="Wingdings" panose="05000000000000000000" pitchFamily="2" charset="2"/>
               <a:buNone/>
             </a:pPr>
             <a:r>
               <a:rPr lang="en-US" altLang="zh-CN">
-                <a:latin typeface="Wingdings" pitchFamily="2" charset="2"/>
+                <a:latin typeface="Wingdings" panose="05000000000000000000" pitchFamily="2" charset="2"/>
               </a:rPr>
               <a:t>l</a:t>
             </a:r>
@@ -30466,12 +31207,12 @@
           </a:p>
           <a:p>
             <a:pPr lvl="1" algn="just">
-              <a:buFont typeface="Wingdings" pitchFamily="2" charset="2"/>
+              <a:buFont typeface="Wingdings" panose="05000000000000000000" pitchFamily="2" charset="2"/>
               <a:buNone/>
             </a:pPr>
             <a:r>
               <a:rPr lang="en-US" altLang="zh-CN">
-                <a:latin typeface="Wingdings" pitchFamily="2" charset="2"/>
+                <a:latin typeface="Wingdings" panose="05000000000000000000" pitchFamily="2" charset="2"/>
               </a:rPr>
               <a:t>l</a:t>
             </a:r>
@@ -30495,12 +31236,12 @@
           </a:p>
           <a:p>
             <a:pPr lvl="1" algn="just">
-              <a:buFont typeface="Wingdings" pitchFamily="2" charset="2"/>
+              <a:buFont typeface="Wingdings" panose="05000000000000000000" pitchFamily="2" charset="2"/>
               <a:buNone/>
             </a:pPr>
             <a:r>
               <a:rPr lang="en-US" altLang="zh-CN">
-                <a:latin typeface="Wingdings" pitchFamily="2" charset="2"/>
+                <a:latin typeface="Wingdings" panose="05000000000000000000" pitchFamily="2" charset="2"/>
               </a:rPr>
               <a:t>l</a:t>
             </a:r>
@@ -30540,12 +31281,12 @@
           </a:p>
           <a:p>
             <a:pPr lvl="1" algn="just">
-              <a:buFont typeface="Wingdings" pitchFamily="2" charset="2"/>
+              <a:buFont typeface="Wingdings" panose="05000000000000000000" pitchFamily="2" charset="2"/>
               <a:buNone/>
             </a:pPr>
             <a:r>
               <a:rPr lang="en-US" altLang="zh-CN">
-                <a:latin typeface="Wingdings" pitchFamily="2" charset="2"/>
+                <a:latin typeface="Wingdings" panose="05000000000000000000" pitchFamily="2" charset="2"/>
               </a:rPr>
               <a:t>l</a:t>
             </a:r>
@@ -30571,15 +31312,18 @@
               </a:rPr>
               <a:t>速度；</a:t>
             </a:r>
+            <a:endParaRPr lang="zh-CN" altLang="en-US">
+              <a:latin typeface="Times New Roman" pitchFamily="18" charset="0"/>
+            </a:endParaRPr>
           </a:p>
           <a:p>
             <a:pPr lvl="1" algn="just">
-              <a:buFont typeface="Wingdings" pitchFamily="2" charset="2"/>
+              <a:buFont typeface="Wingdings" panose="05000000000000000000" pitchFamily="2" charset="2"/>
               <a:buNone/>
             </a:pPr>
             <a:r>
               <a:rPr lang="en-US" altLang="zh-CN">
-                <a:latin typeface="Wingdings" pitchFamily="2" charset="2"/>
+                <a:latin typeface="Wingdings" panose="05000000000000000000" pitchFamily="2" charset="2"/>
               </a:rPr>
               <a:t>l</a:t>
             </a:r>
@@ -30599,6 +31343,9 @@
               </a:rPr>
               <a:t>设备。</a:t>
             </a:r>
+            <a:endParaRPr lang="zh-CN" altLang="en-US">
+              <a:latin typeface="Times New Roman" pitchFamily="18" charset="0"/>
+            </a:endParaRPr>
           </a:p>
         </p:txBody>
       </p:sp>
@@ -30619,19 +31366,12 @@
           <a:p>
             <a:fld id="{FBA3CF98-9EE4-4EFB-A2D7-22608CB4F067}" type="slidenum">
               <a:rPr lang="en-US" altLang="zh-CN"/>
-              <a:pPr/>
-              <a:t>48</a:t>
             </a:fld>
             <a:endParaRPr lang="en-US" altLang="zh-CN"/>
           </a:p>
         </p:txBody>
       </p:sp>
     </p:spTree>
-    <p:extLst>
-      <p:ext uri="{BB962C8B-B14F-4D97-AF65-F5344CB8AC3E}">
-        <p14:creationId xmlns:p14="http://schemas.microsoft.com/office/powerpoint/2010/main" val="766573978"/>
-      </p:ext>
-    </p:extLst>
   </p:cSld>
   <p:clrMapOvr>
     <a:masterClrMapping/>
@@ -30738,6 +31478,7 @@
               <a:rPr lang="zh-CN" altLang="en-US"/>
               <a:t> </a:t>
             </a:r>
+            <a:endParaRPr lang="zh-CN" altLang="en-US"/>
           </a:p>
         </p:txBody>
       </p:sp>
@@ -30758,8 +31499,6 @@
           <a:p>
             <a:fld id="{6E54622B-0442-40C7-A377-CA1D55EF6C63}" type="slidenum">
               <a:rPr lang="en-US" altLang="zh-CN"/>
-              <a:pPr/>
-              <a:t>49</a:t>
             </a:fld>
             <a:endParaRPr lang="en-US" altLang="zh-CN"/>
           </a:p>
@@ -30863,6 +31602,11 @@
               </a:rPr>
               <a:t> </a:t>
             </a:r>
+            <a:endParaRPr kumimoji="1" lang="en-US" altLang="zh-CN" sz="2800" b="1">
+              <a:solidFill>
+                <a:srgbClr val="000000"/>
+              </a:solidFill>
+            </a:endParaRPr>
           </a:p>
         </p:txBody>
       </p:sp>
@@ -31015,6 +31759,11 @@
               </a:rPr>
               <a:t> </a:t>
             </a:r>
+            <a:endParaRPr kumimoji="1" lang="zh-CN" altLang="en-US" sz="2600">
+              <a:solidFill>
+                <a:srgbClr val="000000"/>
+              </a:solidFill>
+            </a:endParaRPr>
           </a:p>
         </p:txBody>
       </p:sp>
@@ -31205,6 +31954,11 @@
               </a:rPr>
               <a:t> </a:t>
             </a:r>
+            <a:endParaRPr kumimoji="1" lang="en-US" altLang="zh-CN" sz="2800">
+              <a:solidFill>
+                <a:srgbClr val="000000"/>
+              </a:solidFill>
+            </a:endParaRPr>
           </a:p>
         </p:txBody>
       </p:sp>
@@ -31289,15 +32043,15 @@
               </a:rPr>
               <a:t> </a:t>
             </a:r>
+            <a:endParaRPr kumimoji="1" lang="zh-CN" altLang="en-US" sz="2800">
+              <a:solidFill>
+                <a:srgbClr val="000000"/>
+              </a:solidFill>
+            </a:endParaRPr>
           </a:p>
         </p:txBody>
       </p:sp>
     </p:spTree>
-    <p:extLst>
-      <p:ext uri="{BB962C8B-B14F-4D97-AF65-F5344CB8AC3E}">
-        <p14:creationId xmlns:p14="http://schemas.microsoft.com/office/powerpoint/2010/main" val="1410160633"/>
-      </p:ext>
-    </p:extLst>
   </p:cSld>
   <p:clrMapOvr>
     <a:masterClrMapping/>
@@ -31361,6 +32115,9 @@
               </a:rPr>
               <a:t>的目标和作用</a:t>
             </a:r>
+            <a:endParaRPr lang="zh-CN" altLang="en-US" dirty="0">
+              <a:latin typeface="Times New Roman" pitchFamily="18" charset="0"/>
+            </a:endParaRPr>
           </a:p>
         </p:txBody>
       </p:sp>
@@ -31381,8 +32138,6 @@
           <a:p>
             <a:fld id="{F9CDA820-5481-4F2D-8942-31770B8C73A3}" type="slidenum">
               <a:rPr lang="en-US" altLang="zh-CN"/>
-              <a:pPr/>
-              <a:t>5</a:t>
             </a:fld>
             <a:endParaRPr lang="en-US" altLang="zh-CN"/>
           </a:p>
@@ -31457,7 +32212,7 @@
                 <a:solidFill>
                   <a:srgbClr val="000000"/>
                 </a:solidFill>
-                <a:latin typeface="Arial" charset="0"/>
+                <a:latin typeface="Arial" panose="02080604020202020204" pitchFamily="34" charset="0"/>
                 <a:ea typeface="黑体" pitchFamily="2" charset="-122"/>
               </a:rPr>
               <a:t>1.1.1   OS</a:t>
@@ -31467,11 +32222,18 @@
                 <a:solidFill>
                   <a:srgbClr val="000000"/>
                 </a:solidFill>
-                <a:latin typeface="Arial" charset="0"/>
+                <a:latin typeface="Arial" panose="02080604020202020204" pitchFamily="34" charset="0"/>
                 <a:ea typeface="黑体" pitchFamily="2" charset="-122"/>
               </a:rPr>
               <a:t>的目标</a:t>
             </a:r>
+            <a:endParaRPr kumimoji="1" lang="zh-CN" altLang="en-US" sz="4000" b="1" dirty="0">
+              <a:solidFill>
+                <a:srgbClr val="000000"/>
+              </a:solidFill>
+              <a:latin typeface="Arial" panose="02080604020202020204" pitchFamily="34" charset="0"/>
+              <a:ea typeface="黑体" pitchFamily="2" charset="-122"/>
+            </a:endParaRPr>
           </a:p>
         </p:txBody>
       </p:sp>
@@ -31542,7 +32304,7 @@
                 <a:srgbClr val="0000FF"/>
               </a:buClr>
               <a:buSzPct val="85000"/>
-              <a:buFont typeface="Wingdings" pitchFamily="2" charset="2"/>
+              <a:buFont typeface="Wingdings" panose="05000000000000000000" pitchFamily="2" charset="2"/>
               <a:buChar char="n"/>
             </a:pPr>
             <a:r>
@@ -31565,6 +32327,13 @@
               </a:rPr>
               <a:t>方便性</a:t>
             </a:r>
+            <a:endParaRPr kumimoji="1" lang="zh-CN" altLang="en-US" sz="2800" b="1">
+              <a:solidFill>
+                <a:srgbClr val="000000"/>
+              </a:solidFill>
+              <a:latin typeface="楷体_GB2312" pitchFamily="49" charset="-122"/>
+              <a:ea typeface="楷体_GB2312" pitchFamily="49" charset="-122"/>
+            </a:endParaRPr>
           </a:p>
           <a:p>
             <a:pPr fontAlgn="base">
@@ -31578,7 +32347,7 @@
                 <a:srgbClr val="0000FF"/>
               </a:buClr>
               <a:buSzPct val="85000"/>
-              <a:buFont typeface="Wingdings" pitchFamily="2" charset="2"/>
+              <a:buFont typeface="Wingdings" panose="05000000000000000000" pitchFamily="2" charset="2"/>
               <a:buChar char="n"/>
             </a:pPr>
             <a:r>
@@ -31591,6 +32360,13 @@
               </a:rPr>
               <a:t> 有效性</a:t>
             </a:r>
+            <a:endParaRPr kumimoji="1" lang="zh-CN" altLang="en-US" sz="2800" b="1">
+              <a:solidFill>
+                <a:srgbClr val="000000"/>
+              </a:solidFill>
+              <a:latin typeface="楷体_GB2312" pitchFamily="49" charset="-122"/>
+              <a:ea typeface="楷体_GB2312" pitchFamily="49" charset="-122"/>
+            </a:endParaRPr>
           </a:p>
           <a:p>
             <a:pPr fontAlgn="base">
@@ -31604,7 +32380,7 @@
                 <a:srgbClr val="0000FF"/>
               </a:buClr>
               <a:buSzPct val="85000"/>
-              <a:buFont typeface="Wingdings" pitchFamily="2" charset="2"/>
+              <a:buFont typeface="Wingdings" panose="05000000000000000000" pitchFamily="2" charset="2"/>
               <a:buChar char="n"/>
             </a:pPr>
             <a:r>
@@ -31617,6 +32393,13 @@
               </a:rPr>
               <a:t> 可扩展性</a:t>
             </a:r>
+            <a:endParaRPr kumimoji="1" lang="zh-CN" altLang="en-US" sz="2800" b="1">
+              <a:solidFill>
+                <a:srgbClr val="000000"/>
+              </a:solidFill>
+              <a:latin typeface="楷体_GB2312" pitchFamily="49" charset="-122"/>
+              <a:ea typeface="楷体_GB2312" pitchFamily="49" charset="-122"/>
+            </a:endParaRPr>
           </a:p>
           <a:p>
             <a:pPr fontAlgn="base">
@@ -31630,7 +32413,7 @@
                 <a:srgbClr val="0000FF"/>
               </a:buClr>
               <a:buSzPct val="85000"/>
-              <a:buFont typeface="Wingdings" pitchFamily="2" charset="2"/>
+              <a:buFont typeface="Wingdings" panose="05000000000000000000" pitchFamily="2" charset="2"/>
               <a:buChar char="n"/>
             </a:pPr>
             <a:r>
@@ -31643,15 +32426,17 @@
               </a:rPr>
               <a:t> 开放性</a:t>
             </a:r>
+            <a:endParaRPr kumimoji="1" lang="zh-CN" altLang="en-US" sz="2800" b="1">
+              <a:solidFill>
+                <a:srgbClr val="000000"/>
+              </a:solidFill>
+              <a:latin typeface="楷体_GB2312" pitchFamily="49" charset="-122"/>
+              <a:ea typeface="楷体_GB2312" pitchFamily="49" charset="-122"/>
+            </a:endParaRPr>
           </a:p>
         </p:txBody>
       </p:sp>
     </p:spTree>
-    <p:extLst>
-      <p:ext uri="{BB962C8B-B14F-4D97-AF65-F5344CB8AC3E}">
-        <p14:creationId xmlns:p14="http://schemas.microsoft.com/office/powerpoint/2010/main" val="1239617714"/>
-      </p:ext>
-    </p:extLst>
   </p:cSld>
   <p:clrMapOvr>
     <a:masterClrMapping/>
@@ -31760,13 +32545,17 @@
               </a:rPr>
               <a:t>文件管理</a:t>
             </a:r>
+            <a:endParaRPr lang="zh-CN" altLang="en-US" sz="4000">
+              <a:latin typeface="Times New Roman" pitchFamily="18" charset="0"/>
+              <a:ea typeface="黑体" pitchFamily="2" charset="-122"/>
+            </a:endParaRPr>
           </a:p>
           <a:p>
             <a:pPr>
               <a:lnSpc>
                 <a:spcPct val="90000"/>
               </a:lnSpc>
-              <a:buFont typeface="Wingdings" pitchFamily="2" charset="2"/>
+              <a:buFont typeface="Wingdings" panose="05000000000000000000" pitchFamily="2" charset="2"/>
               <a:buNone/>
             </a:pPr>
             <a:r>
@@ -31786,6 +32575,7 @@
               <a:rPr lang="zh-CN" altLang="en-US" sz="2800"/>
               <a:t> </a:t>
             </a:r>
+            <a:endParaRPr lang="zh-CN" altLang="en-US" sz="2800"/>
           </a:p>
           <a:p>
             <a:pPr>
@@ -31795,7 +32585,7 @@
               <a:spcBef>
                 <a:spcPct val="50000"/>
               </a:spcBef>
-              <a:buFont typeface="Wingdings" pitchFamily="2" charset="2"/>
+              <a:buFont typeface="Wingdings" panose="05000000000000000000" pitchFamily="2" charset="2"/>
               <a:buNone/>
             </a:pPr>
             <a:r>
@@ -31804,6 +32594,9 @@
               </a:rPr>
               <a:t>   对用户文件和系统文件进行管理，以方便用户使用，并保证文件的安全性。</a:t>
             </a:r>
+            <a:endParaRPr lang="zh-CN" altLang="en-US" sz="2800">
+              <a:latin typeface="Times New Roman" pitchFamily="18" charset="0"/>
+            </a:endParaRPr>
           </a:p>
           <a:p>
             <a:pPr>
@@ -31813,7 +32606,7 @@
               <a:spcBef>
                 <a:spcPct val="50000"/>
               </a:spcBef>
-              <a:buFont typeface="Wingdings" pitchFamily="2" charset="2"/>
+              <a:buFont typeface="Wingdings" panose="05000000000000000000" pitchFamily="2" charset="2"/>
               <a:buNone/>
             </a:pPr>
             <a:r>
@@ -31822,13 +32615,16 @@
               </a:rPr>
               <a:t>   文件管理应具有以下功能： </a:t>
             </a:r>
+            <a:endParaRPr lang="zh-CN" altLang="en-US" sz="2800">
+              <a:latin typeface="Times New Roman" pitchFamily="18" charset="0"/>
+            </a:endParaRPr>
           </a:p>
           <a:p>
             <a:pPr>
               <a:lnSpc>
                 <a:spcPct val="90000"/>
               </a:lnSpc>
-              <a:buFont typeface="Wingdings" pitchFamily="2" charset="2"/>
+              <a:buFont typeface="Wingdings" panose="05000000000000000000" pitchFamily="2" charset="2"/>
               <a:buNone/>
             </a:pPr>
             <a:r>
@@ -31849,13 +32645,16 @@
               </a:rPr>
               <a:t>．文件存储空间的管理 </a:t>
             </a:r>
+            <a:endParaRPr lang="zh-CN" altLang="en-US" sz="2800">
+              <a:latin typeface="Times New Roman" pitchFamily="18" charset="0"/>
+            </a:endParaRPr>
           </a:p>
           <a:p>
             <a:pPr>
               <a:lnSpc>
                 <a:spcPct val="90000"/>
               </a:lnSpc>
-              <a:buFont typeface="Wingdings" pitchFamily="2" charset="2"/>
+              <a:buFont typeface="Wingdings" panose="05000000000000000000" pitchFamily="2" charset="2"/>
               <a:buNone/>
             </a:pPr>
             <a:r>
@@ -31876,13 +32675,16 @@
               </a:rPr>
               <a:t>．目录管理 </a:t>
             </a:r>
+            <a:endParaRPr lang="zh-CN" altLang="en-US" sz="2800">
+              <a:latin typeface="Times New Roman" pitchFamily="18" charset="0"/>
+            </a:endParaRPr>
           </a:p>
           <a:p>
             <a:pPr>
               <a:lnSpc>
                 <a:spcPct val="90000"/>
               </a:lnSpc>
-              <a:buFont typeface="Wingdings" pitchFamily="2" charset="2"/>
+              <a:buFont typeface="Wingdings" panose="05000000000000000000" pitchFamily="2" charset="2"/>
               <a:buNone/>
             </a:pPr>
             <a:r>
@@ -31919,6 +32721,7 @@
               <a:rPr lang="zh-CN" altLang="en-US" sz="2800"/>
               <a:t> </a:t>
             </a:r>
+            <a:endParaRPr lang="zh-CN" altLang="en-US" sz="2800"/>
           </a:p>
         </p:txBody>
       </p:sp>
@@ -31939,19 +32742,12 @@
           <a:p>
             <a:fld id="{8CAEE71F-762A-46B1-9199-4F71DF882BF6}" type="slidenum">
               <a:rPr lang="en-US" altLang="zh-CN"/>
-              <a:pPr/>
-              <a:t>50</a:t>
             </a:fld>
             <a:endParaRPr lang="en-US" altLang="zh-CN"/>
           </a:p>
         </p:txBody>
       </p:sp>
     </p:spTree>
-    <p:extLst>
-      <p:ext uri="{BB962C8B-B14F-4D97-AF65-F5344CB8AC3E}">
-        <p14:creationId xmlns:p14="http://schemas.microsoft.com/office/powerpoint/2010/main" val="403727520"/>
-      </p:ext>
-    </p:extLst>
   </p:cSld>
   <p:clrMapOvr>
     <a:masterClrMapping/>
@@ -32058,6 +32854,7 @@
               <a:rPr lang="zh-CN" altLang="en-US"/>
               <a:t> </a:t>
             </a:r>
+            <a:endParaRPr lang="zh-CN" altLang="en-US"/>
           </a:p>
         </p:txBody>
       </p:sp>
@@ -32078,8 +32875,6 @@
           <a:p>
             <a:fld id="{A70EB9EC-C0B9-4270-9D5F-7926DAB5ABFC}" type="slidenum">
               <a:rPr lang="en-US" altLang="zh-CN"/>
-              <a:pPr/>
-              <a:t>51</a:t>
             </a:fld>
             <a:endParaRPr lang="en-US" altLang="zh-CN"/>
           </a:p>
@@ -32202,6 +32997,11 @@
               </a:rPr>
               <a:t> </a:t>
             </a:r>
+            <a:endParaRPr kumimoji="1" lang="en-US" altLang="zh-CN" sz="2800" b="1">
+              <a:solidFill>
+                <a:srgbClr val="000000"/>
+              </a:solidFill>
+            </a:endParaRPr>
           </a:p>
           <a:p>
             <a:pPr fontAlgn="base">
@@ -32265,6 +33065,11 @@
               </a:rPr>
               <a:t> </a:t>
             </a:r>
+            <a:endParaRPr kumimoji="1" lang="en-US" altLang="zh-CN" sz="2800" b="1">
+              <a:solidFill>
+                <a:srgbClr val="000000"/>
+              </a:solidFill>
+            </a:endParaRPr>
           </a:p>
           <a:p>
             <a:pPr fontAlgn="base">
@@ -32318,15 +33123,15 @@
               </a:rPr>
               <a:t> </a:t>
             </a:r>
+            <a:endParaRPr kumimoji="1" lang="zh-CN" altLang="en-US" sz="2400">
+              <a:solidFill>
+                <a:srgbClr val="000000"/>
+              </a:solidFill>
+            </a:endParaRPr>
           </a:p>
         </p:txBody>
       </p:sp>
     </p:spTree>
-    <p:extLst>
-      <p:ext uri="{BB962C8B-B14F-4D97-AF65-F5344CB8AC3E}">
-        <p14:creationId xmlns:p14="http://schemas.microsoft.com/office/powerpoint/2010/main" val="2105873858"/>
-      </p:ext>
-    </p:extLst>
   </p:cSld>
   <p:clrMapOvr>
     <a:masterClrMapping/>
@@ -32448,8 +33253,6 @@
           <a:p>
             <a:fld id="{A70EB9EC-C0B9-4270-9D5F-7926DAB5ABFC}" type="slidenum">
               <a:rPr lang="en-US" altLang="zh-CN"/>
-              <a:pPr/>
-              <a:t>52</a:t>
             </a:fld>
             <a:endParaRPr lang="en-US" altLang="zh-CN"/>
           </a:p>
@@ -32795,11 +33598,6 @@
         </p:txBody>
       </p:sp>
     </p:spTree>
-    <p:extLst>
-      <p:ext uri="{BB962C8B-B14F-4D97-AF65-F5344CB8AC3E}">
-        <p14:creationId xmlns:p14="http://schemas.microsoft.com/office/powerpoint/2010/main" val="1841403042"/>
-      </p:ext>
-    </p:extLst>
   </p:cSld>
   <p:clrMapOvr>
     <a:masterClrMapping/>
@@ -32921,8 +33719,6 @@
           <a:p>
             <a:fld id="{A70EB9EC-C0B9-4270-9D5F-7926DAB5ABFC}" type="slidenum">
               <a:rPr lang="en-US" altLang="zh-CN"/>
-              <a:pPr/>
-              <a:t>53</a:t>
             </a:fld>
             <a:endParaRPr lang="en-US" altLang="zh-CN"/>
           </a:p>
@@ -33237,11 +34033,6 @@
         </p:txBody>
       </p:sp>
     </p:spTree>
-    <p:extLst>
-      <p:ext uri="{BB962C8B-B14F-4D97-AF65-F5344CB8AC3E}">
-        <p14:creationId xmlns:p14="http://schemas.microsoft.com/office/powerpoint/2010/main" val="498901418"/>
-      </p:ext>
-    </p:extLst>
   </p:cSld>
   <p:clrMapOvr>
     <a:masterClrMapping/>
@@ -33363,8 +34154,6 @@
           <a:p>
             <a:fld id="{A70EB9EC-C0B9-4270-9D5F-7926DAB5ABFC}" type="slidenum">
               <a:rPr lang="en-US" altLang="zh-CN"/>
-              <a:pPr/>
-              <a:t>54</a:t>
             </a:fld>
             <a:endParaRPr lang="en-US" altLang="zh-CN"/>
           </a:p>
@@ -33677,11 +34466,6 @@
         </p:txBody>
       </p:sp>
     </p:spTree>
-    <p:extLst>
-      <p:ext uri="{BB962C8B-B14F-4D97-AF65-F5344CB8AC3E}">
-        <p14:creationId xmlns:p14="http://schemas.microsoft.com/office/powerpoint/2010/main" val="500801174"/>
-      </p:ext>
-    </p:extLst>
   </p:cSld>
   <p:clrMapOvr>
     <a:masterClrMapping/>
@@ -33750,6 +34534,7 @@
               <a:rPr lang="zh-CN" altLang="en-US"/>
               <a:t> </a:t>
             </a:r>
+            <a:endParaRPr lang="zh-CN" altLang="en-US"/>
           </a:p>
         </p:txBody>
       </p:sp>
@@ -33787,6 +34572,7 @@
               <a:rPr lang="zh-CN" altLang="en-US"/>
               <a:t> </a:t>
             </a:r>
+            <a:endParaRPr lang="zh-CN" altLang="en-US"/>
           </a:p>
         </p:txBody>
       </p:sp>
@@ -33807,8 +34593,6 @@
           <a:p>
             <a:fld id="{43F7F767-F615-4521-ABF4-EC36BA743754}" type="slidenum">
               <a:rPr lang="en-US" altLang="zh-CN"/>
-              <a:pPr/>
-              <a:t>55</a:t>
             </a:fld>
             <a:endParaRPr lang="en-US" altLang="zh-CN"/>
           </a:p>
@@ -33912,6 +34696,11 @@
               </a:rPr>
               <a:t> </a:t>
             </a:r>
+            <a:endParaRPr kumimoji="1" lang="zh-CN" altLang="en-US" sz="2800" b="1">
+              <a:solidFill>
+                <a:srgbClr val="000000"/>
+              </a:solidFill>
+            </a:endParaRPr>
           </a:p>
           <a:p>
             <a:pPr fontAlgn="base">
@@ -33956,6 +34745,11 @@
               </a:rPr>
               <a:t> </a:t>
             </a:r>
+            <a:endParaRPr kumimoji="1" lang="zh-CN" altLang="en-US" sz="2800" b="1">
+              <a:solidFill>
+                <a:srgbClr val="000000"/>
+              </a:solidFill>
+            </a:endParaRPr>
           </a:p>
           <a:p>
             <a:pPr fontAlgn="base">
@@ -34000,15 +34794,18 @@
               </a:rPr>
               <a:t> </a:t>
             </a:r>
+            <a:endParaRPr kumimoji="1" lang="zh-CN" altLang="en-US" sz="2400">
+              <a:solidFill>
+                <a:srgbClr val="000000"/>
+              </a:solidFill>
+            </a:endParaRPr>
           </a:p>
         </p:txBody>
       </p:sp>
       <p:sp>
         <p:nvSpPr>
           <p:cNvPr id="55301" name="AutoShape 5"/>
-          <p:cNvSpPr>
-            <a:spLocks/>
-          </p:cNvSpPr>
+          <p:cNvSpPr/>
           <p:nvPr/>
         </p:nvSpPr>
         <p:spPr bwMode="auto">
@@ -34028,8 +34825,6 @@
               <a:schemeClr val="tx1"/>
             </a:solidFill>
             <a:miter lim="800000"/>
-            <a:headEnd/>
-            <a:tailEnd/>
           </a:ln>
           <a:effectLst/>
           <a:extLst>
@@ -34093,8 +34888,6 @@
               <a:srgbClr val="0000FF"/>
             </a:solidFill>
             <a:miter lim="800000"/>
-            <a:headEnd/>
-            <a:tailEnd/>
           </a:ln>
           <a:effectLst/>
           <a:extLst>
@@ -34147,6 +34940,11 @@
               </a:rPr>
               <a:t> </a:t>
             </a:r>
+            <a:endParaRPr kumimoji="1" lang="zh-CN" altLang="en-US" sz="2400">
+              <a:solidFill>
+                <a:srgbClr val="000000"/>
+              </a:solidFill>
+            </a:endParaRPr>
           </a:p>
         </p:txBody>
       </p:sp>
@@ -34248,6 +35046,11 @@
               </a:rPr>
               <a:t> </a:t>
             </a:r>
+            <a:endParaRPr kumimoji="1" lang="zh-CN" altLang="en-US" sz="2400">
+              <a:solidFill>
+                <a:srgbClr val="000000"/>
+              </a:solidFill>
+            </a:endParaRPr>
           </a:p>
         </p:txBody>
       </p:sp>
@@ -34273,8 +35076,6 @@
               <a:srgbClr val="0000FF"/>
             </a:solidFill>
             <a:miter lim="800000"/>
-            <a:headEnd/>
-            <a:tailEnd/>
           </a:ln>
           <a:effectLst/>
           <a:extLst>
@@ -34352,15 +35153,15 @@
               </a:rPr>
               <a:t> </a:t>
             </a:r>
+            <a:endParaRPr kumimoji="1" lang="zh-CN" altLang="en-US" sz="2800" b="1">
+              <a:solidFill>
+                <a:srgbClr val="000000"/>
+              </a:solidFill>
+            </a:endParaRPr>
           </a:p>
         </p:txBody>
       </p:sp>
     </p:spTree>
-    <p:extLst>
-      <p:ext uri="{BB962C8B-B14F-4D97-AF65-F5344CB8AC3E}">
-        <p14:creationId xmlns:p14="http://schemas.microsoft.com/office/powerpoint/2010/main" val="1418816840"/>
-      </p:ext>
-    </p:extLst>
   </p:cSld>
   <p:clrMapOvr>
     <a:masterClrMapping/>
@@ -34374,13 +35175,13 @@
               <p:cTn id="2" dur="indefinite" nodeType="mainSeq">
                 <p:childTnLst>
                   <p:par>
-                    <p:cTn id="3" fill="hold" nodeType="clickPar">
+                    <p:cTn id="3" fill="hold">
                       <p:stCondLst>
                         <p:cond delay="indefinite"/>
                       </p:stCondLst>
                       <p:childTnLst>
                         <p:par>
-                          <p:cTn id="4" fill="hold" nodeType="withGroup">
+                          <p:cTn id="4" fill="hold">
                             <p:stCondLst>
                               <p:cond delay="0"/>
                             </p:stCondLst>
@@ -34419,13 +35220,13 @@
                     </p:cTn>
                   </p:par>
                   <p:par>
-                    <p:cTn id="7" fill="hold" nodeType="clickPar">
+                    <p:cTn id="7" fill="hold">
                       <p:stCondLst>
                         <p:cond delay="indefinite"/>
                       </p:stCondLst>
                       <p:childTnLst>
                         <p:par>
-                          <p:cTn id="8" fill="hold" nodeType="withGroup">
+                          <p:cTn id="8" fill="hold">
                             <p:stCondLst>
                               <p:cond delay="0"/>
                             </p:stCondLst>
@@ -34510,13 +35311,13 @@
                     </p:cTn>
                   </p:par>
                   <p:par>
-                    <p:cTn id="13" fill="hold" nodeType="clickPar">
+                    <p:cTn id="13" fill="hold">
                       <p:stCondLst>
                         <p:cond delay="indefinite"/>
                       </p:stCondLst>
                       <p:childTnLst>
                         <p:par>
-                          <p:cTn id="14" fill="hold" nodeType="withGroup">
+                          <p:cTn id="14" fill="hold">
                             <p:stCondLst>
                               <p:cond delay="0"/>
                             </p:stCondLst>
@@ -34753,8 +35554,6 @@
           <a:p>
             <a:fld id="{8DA0FD94-AC78-4235-9351-4819A80A1A05}" type="slidenum">
               <a:rPr lang="en-US" altLang="zh-CN"/>
-              <a:pPr/>
-              <a:t>56</a:t>
             </a:fld>
             <a:endParaRPr lang="en-US" altLang="zh-CN"/>
           </a:p>
@@ -34782,8 +35581,6 @@
               <a:srgbClr val="0000FF"/>
             </a:solidFill>
             <a:miter lim="800000"/>
-            <a:headEnd/>
-            <a:tailEnd/>
           </a:ln>
           <a:effectLst/>
           <a:extLst>
@@ -34897,6 +35694,11 @@
               </a:rPr>
               <a:t> </a:t>
             </a:r>
+            <a:endParaRPr kumimoji="1" lang="zh-CN" altLang="en-US" sz="2400" dirty="0">
+              <a:solidFill>
+                <a:srgbClr val="000000"/>
+              </a:solidFill>
+            </a:endParaRPr>
           </a:p>
         </p:txBody>
       </p:sp>
@@ -35110,24 +35912,15 @@
                 </a:solidFill>
                 <a:latin typeface="宋体" pitchFamily="2" charset="-122"/>
               </a:rPr>
-              <a:t>，</a:t>
-            </a:r>
-            <a:r>
-              <a:rPr kumimoji="1" lang="zh-CN" altLang="en-US" sz="2400" b="1" dirty="0" smtClean="0">
+              <a:t>，而</a:t>
+            </a:r>
+            <a:r>
+              <a:rPr kumimoji="1" lang="zh-CN" altLang="en-US" sz="2400" b="1" dirty="0">
                 <a:solidFill>
                   <a:srgbClr val="000000"/>
                 </a:solidFill>
                 <a:latin typeface="宋体" pitchFamily="2" charset="-122"/>
               </a:rPr>
-              <a:t>而</a:t>
-            </a:r>
-            <a:r>
-              <a:rPr kumimoji="1" lang="zh-CN" altLang="en-US" sz="2400" b="1" dirty="0">
-                <a:solidFill>
-                  <a:srgbClr val="000000"/>
-                </a:solidFill>
-                <a:latin typeface="宋体" pitchFamily="2" charset="-122"/>
-              </a:rPr>
               <a:t>产生了微内核技术。</a:t>
             </a:r>
             <a:r>
@@ -35138,6 +35931,11 @@
               </a:rPr>
               <a:t> </a:t>
             </a:r>
+            <a:endParaRPr kumimoji="1" lang="zh-CN" altLang="en-US" sz="2400" dirty="0">
+              <a:solidFill>
+                <a:srgbClr val="000000"/>
+              </a:solidFill>
+            </a:endParaRPr>
           </a:p>
         </p:txBody>
       </p:sp>
@@ -35163,8 +35961,6 @@
               <a:srgbClr val="0000FF"/>
             </a:solidFill>
             <a:miter lim="800000"/>
-            <a:headEnd/>
-            <a:tailEnd/>
           </a:ln>
           <a:effectLst/>
           <a:extLst>
@@ -35209,13 +36005,19 @@
               </a:rPr>
               <a:t>产生背景</a:t>
             </a:r>
+            <a:endParaRPr kumimoji="1" lang="zh-CN" altLang="en-US" sz="2400" b="1">
+              <a:solidFill>
+                <a:srgbClr val="0000FF"/>
+              </a:solidFill>
+              <a:ea typeface="楷体_GB2312" pitchFamily="49" charset="-122"/>
+            </a:endParaRPr>
           </a:p>
         </p:txBody>
       </p:sp>
       <p:sp>
         <p:nvSpPr>
           <p:cNvPr id="2" name="矩形 1">
-            <a:hlinkClick r:id="rId2" action="ppaction://hlinksldjump"/>
+            <a:hlinkClick r:id="rId1" action="ppaction://hlinksldjump"/>
           </p:cNvPr>
           <p:cNvSpPr/>
           <p:nvPr/>
@@ -35263,11 +36065,6 @@
         </p:txBody>
       </p:sp>
     </p:spTree>
-    <p:extLst>
-      <p:ext uri="{BB962C8B-B14F-4D97-AF65-F5344CB8AC3E}">
-        <p14:creationId xmlns:p14="http://schemas.microsoft.com/office/powerpoint/2010/main" val="2996388126"/>
-      </p:ext>
-    </p:extLst>
   </p:cSld>
   <p:clrMapOvr>
     <a:masterClrMapping/>
@@ -35359,6 +36156,7 @@
               <a:rPr lang="zh-CN" altLang="en-US" dirty="0"/>
               <a:t> </a:t>
             </a:r>
+            <a:endParaRPr lang="zh-CN" altLang="en-US" dirty="0"/>
           </a:p>
           <a:p>
             <a:pPr lvl="1"/>
@@ -35366,6 +36164,7 @@
               <a:rPr lang="zh-CN" altLang="en-US" dirty="0"/>
               <a:t>微内核运行在核心态； </a:t>
             </a:r>
+            <a:endParaRPr lang="zh-CN" altLang="en-US" dirty="0"/>
           </a:p>
           <a:p>
             <a:pPr lvl="1"/>
@@ -35373,6 +36172,7 @@
               <a:rPr lang="zh-CN" altLang="en-US" dirty="0"/>
               <a:t>开机后常驻内存； </a:t>
             </a:r>
+            <a:endParaRPr lang="zh-CN" altLang="en-US" dirty="0"/>
           </a:p>
           <a:p>
             <a:pPr lvl="1"/>
@@ -35396,6 +36196,7 @@
               <a:rPr lang="zh-CN" altLang="en-US" dirty="0"/>
               <a:t>提供一个重要基础； </a:t>
             </a:r>
+            <a:endParaRPr lang="zh-CN" altLang="en-US" dirty="0"/>
           </a:p>
           <a:p>
             <a:pPr lvl="1"/>
@@ -35419,6 +36220,7 @@
               <a:rPr lang="zh-CN" altLang="en-US" dirty="0"/>
               <a:t>的大部分功  能和服务，都由若干服务器提供。 </a:t>
             </a:r>
+            <a:endParaRPr lang="zh-CN" altLang="en-US" dirty="0"/>
           </a:p>
         </p:txBody>
       </p:sp>
@@ -35439,19 +36241,12 @@
           <a:p>
             <a:fld id="{A9B2FF18-6F55-4F31-A9D5-4570487BA2A7}" type="slidenum">
               <a:rPr lang="en-US" altLang="zh-CN" smtClean="0"/>
-              <a:pPr/>
-              <a:t>57</a:t>
             </a:fld>
             <a:endParaRPr lang="en-US" altLang="zh-CN"/>
           </a:p>
         </p:txBody>
       </p:sp>
     </p:spTree>
-    <p:extLst>
-      <p:ext uri="{BB962C8B-B14F-4D97-AF65-F5344CB8AC3E}">
-        <p14:creationId xmlns:p14="http://schemas.microsoft.com/office/powerpoint/2010/main" val="3179852377"/>
-      </p:ext>
-    </p:extLst>
   </p:cSld>
   <p:clrMapOvr>
     <a:masterClrMapping/>
@@ -35535,6 +36330,7 @@
               <a:rPr lang="zh-CN" altLang="en-US" dirty="0"/>
               <a:t>进程（线程）管理</a:t>
             </a:r>
+            <a:endParaRPr lang="zh-CN" altLang="en-US" dirty="0"/>
           </a:p>
           <a:p>
             <a:pPr lvl="1"/>
@@ -35558,6 +36354,7 @@
               <a:rPr lang="zh-CN" altLang="en-US" dirty="0"/>
               <a:t>、修改优先级，属于策略问题，放在进程管理服务器中。</a:t>
             </a:r>
+            <a:endParaRPr lang="zh-CN" altLang="en-US" dirty="0"/>
           </a:p>
           <a:p>
             <a:pPr lvl="1"/>
@@ -35581,6 +36378,7 @@
               <a:rPr lang="zh-CN" altLang="en-US" dirty="0"/>
               <a:t>通信、进程切换、线程调度、多处理机之间的同步等功能也放在微内核中。</a:t>
             </a:r>
+            <a:endParaRPr lang="zh-CN" altLang="en-US" dirty="0"/>
           </a:p>
           <a:p>
             <a:pPr lvl="1"/>
@@ -35605,19 +36403,12 @@
           <a:p>
             <a:fld id="{A9B2FF18-6F55-4F31-A9D5-4570487BA2A7}" type="slidenum">
               <a:rPr lang="en-US" altLang="zh-CN" smtClean="0"/>
-              <a:pPr/>
-              <a:t>58</a:t>
             </a:fld>
             <a:endParaRPr lang="en-US" altLang="zh-CN"/>
           </a:p>
         </p:txBody>
       </p:sp>
     </p:spTree>
-    <p:extLst>
-      <p:ext uri="{BB962C8B-B14F-4D97-AF65-F5344CB8AC3E}">
-        <p14:creationId xmlns:p14="http://schemas.microsoft.com/office/powerpoint/2010/main" val="1562466568"/>
-      </p:ext>
-    </p:extLst>
   </p:cSld>
   <p:clrMapOvr>
     <a:masterClrMapping/>
@@ -35701,6 +36492,7 @@
               <a:rPr lang="zh-CN" altLang="en-US" dirty="0"/>
               <a:t>低级存储管理</a:t>
             </a:r>
+            <a:endParaRPr lang="zh-CN" altLang="en-US" dirty="0"/>
           </a:p>
           <a:p>
             <a:pPr lvl="1"/>
@@ -35724,6 +36516,7 @@
               <a:rPr lang="zh-CN" altLang="en-US" dirty="0"/>
               <a:t>虚存的策略，包括页面置换算法、内存分配回收策略等放在存储器服务器中。</a:t>
             </a:r>
+            <a:endParaRPr lang="zh-CN" altLang="en-US" dirty="0"/>
           </a:p>
           <a:p>
             <a:pPr lvl="1"/>
@@ -35748,19 +36541,12 @@
           <a:p>
             <a:fld id="{A9B2FF18-6F55-4F31-A9D5-4570487BA2A7}" type="slidenum">
               <a:rPr lang="en-US" altLang="zh-CN" smtClean="0"/>
-              <a:pPr/>
-              <a:t>59</a:t>
             </a:fld>
             <a:endParaRPr lang="en-US" altLang="zh-CN"/>
           </a:p>
         </p:txBody>
       </p:sp>
     </p:spTree>
-    <p:extLst>
-      <p:ext uri="{BB962C8B-B14F-4D97-AF65-F5344CB8AC3E}">
-        <p14:creationId xmlns:p14="http://schemas.microsoft.com/office/powerpoint/2010/main" val="1922322010"/>
-      </p:ext>
-    </p:extLst>
   </p:cSld>
   <p:clrMapOvr>
     <a:masterClrMapping/>
@@ -35824,6 +36610,9 @@
               </a:rPr>
               <a:t>的目标和作用</a:t>
             </a:r>
+            <a:endParaRPr lang="zh-CN" altLang="en-US" dirty="0">
+              <a:latin typeface="Times New Roman" pitchFamily="18" charset="0"/>
+            </a:endParaRPr>
           </a:p>
         </p:txBody>
       </p:sp>
@@ -35844,8 +36633,6 @@
           <a:p>
             <a:fld id="{F9CDA820-5481-4F2D-8942-31770B8C73A3}" type="slidenum">
               <a:rPr lang="en-US" altLang="zh-CN"/>
-              <a:pPr/>
-              <a:t>6</a:t>
             </a:fld>
             <a:endParaRPr lang="en-US" altLang="zh-CN"/>
           </a:p>
@@ -35920,7 +36707,7 @@
                 <a:solidFill>
                   <a:srgbClr val="000000"/>
                 </a:solidFill>
-                <a:latin typeface="Arial" charset="0"/>
+                <a:latin typeface="Arial" panose="02080604020202020204" pitchFamily="34" charset="0"/>
                 <a:ea typeface="黑体" pitchFamily="2" charset="-122"/>
               </a:rPr>
               <a:t>1.1.1   OS</a:t>
@@ -35930,11 +36717,18 @@
                 <a:solidFill>
                   <a:srgbClr val="000000"/>
                 </a:solidFill>
-                <a:latin typeface="Arial" charset="0"/>
+                <a:latin typeface="Arial" panose="02080604020202020204" pitchFamily="34" charset="0"/>
                 <a:ea typeface="黑体" pitchFamily="2" charset="-122"/>
               </a:rPr>
               <a:t>的目标</a:t>
             </a:r>
+            <a:endParaRPr kumimoji="1" lang="zh-CN" altLang="en-US" sz="4000" b="1" dirty="0">
+              <a:solidFill>
+                <a:srgbClr val="000000"/>
+              </a:solidFill>
+              <a:latin typeface="Arial" panose="02080604020202020204" pitchFamily="34" charset="0"/>
+              <a:ea typeface="黑体" pitchFamily="2" charset="-122"/>
+            </a:endParaRPr>
           </a:p>
         </p:txBody>
       </p:sp>
@@ -36005,7 +36799,7 @@
                 <a:srgbClr val="0000FF"/>
               </a:buClr>
               <a:buSzPct val="85000"/>
-              <a:buFont typeface="Wingdings" pitchFamily="2" charset="2"/>
+              <a:buFont typeface="Wingdings" panose="05000000000000000000" pitchFamily="2" charset="2"/>
               <a:buChar char="n"/>
             </a:pPr>
             <a:r>
@@ -36028,6 +36822,13 @@
               </a:rPr>
               <a:t>方便性</a:t>
             </a:r>
+            <a:endParaRPr kumimoji="1" lang="zh-CN" altLang="en-US" sz="2800" b="1" dirty="0">
+              <a:solidFill>
+                <a:srgbClr val="FF0000"/>
+              </a:solidFill>
+              <a:latin typeface="楷体_GB2312" pitchFamily="49" charset="-122"/>
+              <a:ea typeface="楷体_GB2312" pitchFamily="49" charset="-122"/>
+            </a:endParaRPr>
           </a:p>
           <a:p>
             <a:pPr fontAlgn="base">
@@ -36041,7 +36842,7 @@
                 <a:srgbClr val="0000FF"/>
               </a:buClr>
               <a:buSzPct val="85000"/>
-              <a:buFont typeface="Wingdings" pitchFamily="2" charset="2"/>
+              <a:buFont typeface="Wingdings" panose="05000000000000000000" pitchFamily="2" charset="2"/>
               <a:buChar char="n"/>
             </a:pPr>
             <a:r>
@@ -36054,6 +36855,13 @@
               </a:rPr>
               <a:t> 有效性</a:t>
             </a:r>
+            <a:endParaRPr kumimoji="1" lang="zh-CN" altLang="en-US" sz="2800" b="1" dirty="0">
+              <a:solidFill>
+                <a:srgbClr val="000000"/>
+              </a:solidFill>
+              <a:latin typeface="楷体_GB2312" pitchFamily="49" charset="-122"/>
+              <a:ea typeface="楷体_GB2312" pitchFamily="49" charset="-122"/>
+            </a:endParaRPr>
           </a:p>
           <a:p>
             <a:pPr fontAlgn="base">
@@ -36067,7 +36875,7 @@
                 <a:srgbClr val="0000FF"/>
               </a:buClr>
               <a:buSzPct val="85000"/>
-              <a:buFont typeface="Wingdings" pitchFamily="2" charset="2"/>
+              <a:buFont typeface="Wingdings" panose="05000000000000000000" pitchFamily="2" charset="2"/>
               <a:buChar char="n"/>
             </a:pPr>
             <a:r>
@@ -36080,6 +36888,13 @@
               </a:rPr>
               <a:t> 可扩展性</a:t>
             </a:r>
+            <a:endParaRPr kumimoji="1" lang="zh-CN" altLang="en-US" sz="2800" b="1" dirty="0">
+              <a:solidFill>
+                <a:srgbClr val="000000"/>
+              </a:solidFill>
+              <a:latin typeface="楷体_GB2312" pitchFamily="49" charset="-122"/>
+              <a:ea typeface="楷体_GB2312" pitchFamily="49" charset="-122"/>
+            </a:endParaRPr>
           </a:p>
           <a:p>
             <a:pPr fontAlgn="base">
@@ -36093,7 +36908,7 @@
                 <a:srgbClr val="0000FF"/>
               </a:buClr>
               <a:buSzPct val="85000"/>
-              <a:buFont typeface="Wingdings" pitchFamily="2" charset="2"/>
+              <a:buFont typeface="Wingdings" panose="05000000000000000000" pitchFamily="2" charset="2"/>
               <a:buChar char="n"/>
             </a:pPr>
             <a:r>
@@ -36106,6 +36921,13 @@
               </a:rPr>
               <a:t> 开放性</a:t>
             </a:r>
+            <a:endParaRPr kumimoji="1" lang="zh-CN" altLang="en-US" sz="2800" b="1" dirty="0">
+              <a:solidFill>
+                <a:srgbClr val="000000"/>
+              </a:solidFill>
+              <a:latin typeface="楷体_GB2312" pitchFamily="49" charset="-122"/>
+              <a:ea typeface="楷体_GB2312" pitchFamily="49" charset="-122"/>
+            </a:endParaRPr>
           </a:p>
         </p:txBody>
       </p:sp>
@@ -36179,6 +37001,13 @@
               </a:rPr>
               <a:t>可使计算机系统更容易使用</a:t>
             </a:r>
+            <a:endParaRPr kumimoji="1" lang="zh-CN" altLang="en-US" sz="2600" b="1" dirty="0">
+              <a:solidFill>
+                <a:schemeClr val="tx1"/>
+              </a:solidFill>
+              <a:latin typeface="楷体_GB2312" pitchFamily="49" charset="-122"/>
+              <a:ea typeface="楷体_GB2312" pitchFamily="49" charset="-122"/>
+            </a:endParaRPr>
           </a:p>
           <a:p>
             <a:pPr algn="ctr"/>
@@ -36187,11 +37016,6 @@
         </p:txBody>
       </p:sp>
     </p:spTree>
-    <p:extLst>
-      <p:ext uri="{BB962C8B-B14F-4D97-AF65-F5344CB8AC3E}">
-        <p14:creationId xmlns:p14="http://schemas.microsoft.com/office/powerpoint/2010/main" val="1331111577"/>
-      </p:ext>
-    </p:extLst>
   </p:cSld>
   <p:clrMapOvr>
     <a:masterClrMapping/>
@@ -36275,6 +37099,7 @@
               <a:rPr lang="zh-CN" altLang="en-US" dirty="0"/>
               <a:t>中断和陷入处理</a:t>
             </a:r>
+            <a:endParaRPr lang="zh-CN" altLang="en-US" dirty="0"/>
           </a:p>
           <a:p>
             <a:pPr lvl="1"/>
@@ -36355,19 +37180,12 @@
           <a:p>
             <a:fld id="{A9B2FF18-6F55-4F31-A9D5-4570487BA2A7}" type="slidenum">
               <a:rPr lang="en-US" altLang="zh-CN" smtClean="0"/>
-              <a:pPr/>
-              <a:t>60</a:t>
             </a:fld>
             <a:endParaRPr lang="en-US" altLang="zh-CN"/>
           </a:p>
         </p:txBody>
       </p:sp>
     </p:spTree>
-    <p:extLst>
-      <p:ext uri="{BB962C8B-B14F-4D97-AF65-F5344CB8AC3E}">
-        <p14:creationId xmlns:p14="http://schemas.microsoft.com/office/powerpoint/2010/main" val="900526909"/>
-      </p:ext>
-    </p:extLst>
   </p:cSld>
   <p:clrMapOvr>
     <a:masterClrMapping/>
@@ -36426,6 +37244,7 @@
               <a:rPr lang="zh-CN" altLang="en-US" dirty="0"/>
               <a:t>微内核的优点</a:t>
             </a:r>
+            <a:endParaRPr lang="zh-CN" altLang="en-US" dirty="0"/>
           </a:p>
         </p:txBody>
       </p:sp>
@@ -36450,30 +37269,35 @@
               <a:rPr lang="zh-CN" altLang="en-US" dirty="0"/>
               <a:t>提高了系统的可扩展性</a:t>
             </a:r>
+            <a:endParaRPr lang="zh-CN" altLang="en-US" dirty="0"/>
           </a:p>
           <a:p>
             <a:r>
               <a:rPr lang="zh-CN" altLang="en-US" dirty="0"/>
               <a:t>增强了系统的可靠性</a:t>
             </a:r>
+            <a:endParaRPr lang="zh-CN" altLang="en-US" dirty="0"/>
           </a:p>
           <a:p>
             <a:r>
               <a:rPr lang="zh-CN" altLang="en-US" dirty="0"/>
               <a:t>可移植性强</a:t>
             </a:r>
+            <a:endParaRPr lang="zh-CN" altLang="en-US" dirty="0"/>
           </a:p>
           <a:p>
             <a:r>
               <a:rPr lang="zh-CN" altLang="en-US" dirty="0"/>
               <a:t>提供了对分布式系统的支持</a:t>
             </a:r>
+            <a:endParaRPr lang="zh-CN" altLang="en-US" dirty="0"/>
           </a:p>
           <a:p>
             <a:r>
               <a:rPr lang="zh-CN" altLang="en-US" dirty="0"/>
               <a:t>融入了面向对象技术</a:t>
             </a:r>
+            <a:endParaRPr lang="zh-CN" altLang="en-US" dirty="0"/>
           </a:p>
         </p:txBody>
       </p:sp>
@@ -36494,19 +37318,12 @@
           <a:p>
             <a:fld id="{A9B2FF18-6F55-4F31-A9D5-4570487BA2A7}" type="slidenum">
               <a:rPr lang="en-US" altLang="zh-CN" smtClean="0"/>
-              <a:pPr/>
-              <a:t>61</a:t>
             </a:fld>
             <a:endParaRPr lang="en-US" altLang="zh-CN"/>
           </a:p>
         </p:txBody>
       </p:sp>
     </p:spTree>
-    <p:extLst>
-      <p:ext uri="{BB962C8B-B14F-4D97-AF65-F5344CB8AC3E}">
-        <p14:creationId xmlns:p14="http://schemas.microsoft.com/office/powerpoint/2010/main" val="1198330128"/>
-      </p:ext>
-    </p:extLst>
   </p:cSld>
   <p:clrMapOvr>
     <a:masterClrMapping/>
@@ -36644,6 +37461,7 @@
               <a:rPr lang="zh-CN" altLang="en-US" dirty="0"/>
               <a:t>解决的办法：重新将一些常用的操作系统基本功能，有服务器移入微内核中。</a:t>
             </a:r>
+            <a:endParaRPr lang="zh-CN" altLang="en-US" dirty="0"/>
           </a:p>
           <a:p>
             <a:pPr lvl="1"/>
@@ -36672,19 +37490,12 @@
           <a:p>
             <a:fld id="{A9B2FF18-6F55-4F31-A9D5-4570487BA2A7}" type="slidenum">
               <a:rPr lang="en-US" altLang="zh-CN" smtClean="0"/>
-              <a:pPr/>
-              <a:t>62</a:t>
             </a:fld>
             <a:endParaRPr lang="en-US" altLang="zh-CN"/>
           </a:p>
         </p:txBody>
       </p:sp>
     </p:spTree>
-    <p:extLst>
-      <p:ext uri="{BB962C8B-B14F-4D97-AF65-F5344CB8AC3E}">
-        <p14:creationId xmlns:p14="http://schemas.microsoft.com/office/powerpoint/2010/main" val="614863600"/>
-      </p:ext>
-    </p:extLst>
   </p:cSld>
   <p:clrMapOvr>
     <a:masterClrMapping/>
@@ -36924,19 +37735,12 @@
           <a:p>
             <a:fld id="{A9B2FF18-6F55-4F31-A9D5-4570487BA2A7}" type="slidenum">
               <a:rPr lang="en-US" altLang="zh-CN" smtClean="0"/>
-              <a:pPr/>
-              <a:t>63</a:t>
             </a:fld>
             <a:endParaRPr lang="en-US" altLang="zh-CN"/>
           </a:p>
         </p:txBody>
       </p:sp>
     </p:spTree>
-    <p:extLst>
-      <p:ext uri="{BB962C8B-B14F-4D97-AF65-F5344CB8AC3E}">
-        <p14:creationId xmlns:p14="http://schemas.microsoft.com/office/powerpoint/2010/main" val="1673388793"/>
-      </p:ext>
-    </p:extLst>
   </p:cSld>
   <p:clrMapOvr>
     <a:masterClrMapping/>
@@ -37024,6 +37828,7 @@
               <a:rPr lang="en-US" altLang="zh-CN" dirty="0" smtClean="0"/>
               <a:t>”</a:t>
             </a:r>
+            <a:endParaRPr lang="en-US" altLang="zh-CN" dirty="0" smtClean="0"/>
           </a:p>
           <a:p>
             <a:pPr lvl="1"/>
@@ -37076,8 +37881,6 @@
           <a:p>
             <a:fld id="{A9B2FF18-6F55-4F31-A9D5-4570487BA2A7}" type="slidenum">
               <a:rPr lang="en-US" altLang="zh-CN" smtClean="0"/>
-              <a:pPr/>
-              <a:t>64</a:t>
             </a:fld>
             <a:endParaRPr lang="en-US" altLang="zh-CN"/>
           </a:p>
@@ -37086,7 +37889,7 @@
       <p:sp>
         <p:nvSpPr>
           <p:cNvPr id="5" name="矩形 4">
-            <a:hlinkClick r:id="rId2" action="ppaction://hlinksldjump"/>
+            <a:hlinkClick r:id="rId1" action="ppaction://hlinksldjump"/>
           </p:cNvPr>
           <p:cNvSpPr/>
           <p:nvPr/>
@@ -37130,11 +37933,6 @@
         </p:txBody>
       </p:sp>
     </p:spTree>
-    <p:extLst>
-      <p:ext uri="{BB962C8B-B14F-4D97-AF65-F5344CB8AC3E}">
-        <p14:creationId xmlns:p14="http://schemas.microsoft.com/office/powerpoint/2010/main" val="3967827263"/>
-      </p:ext>
-    </p:extLst>
   </p:cSld>
   <p:clrMapOvr>
     <a:masterClrMapping/>
@@ -37198,6 +37996,9 @@
               </a:rPr>
               <a:t>的目标和作用</a:t>
             </a:r>
+            <a:endParaRPr lang="zh-CN" altLang="en-US" dirty="0">
+              <a:latin typeface="Times New Roman" pitchFamily="18" charset="0"/>
+            </a:endParaRPr>
           </a:p>
         </p:txBody>
       </p:sp>
@@ -37218,8 +38019,6 @@
           <a:p>
             <a:fld id="{F9CDA820-5481-4F2D-8942-31770B8C73A3}" type="slidenum">
               <a:rPr lang="en-US" altLang="zh-CN"/>
-              <a:pPr/>
-              <a:t>7</a:t>
             </a:fld>
             <a:endParaRPr lang="en-US" altLang="zh-CN"/>
           </a:p>
@@ -37294,7 +38093,7 @@
                 <a:solidFill>
                   <a:srgbClr val="000000"/>
                 </a:solidFill>
-                <a:latin typeface="Arial" charset="0"/>
+                <a:latin typeface="Arial" panose="02080604020202020204" pitchFamily="34" charset="0"/>
                 <a:ea typeface="黑体" pitchFamily="2" charset="-122"/>
               </a:rPr>
               <a:t>1.1.1   OS</a:t>
@@ -37304,11 +38103,18 @@
                 <a:solidFill>
                   <a:srgbClr val="000000"/>
                 </a:solidFill>
-                <a:latin typeface="Arial" charset="0"/>
+                <a:latin typeface="Arial" panose="02080604020202020204" pitchFamily="34" charset="0"/>
                 <a:ea typeface="黑体" pitchFamily="2" charset="-122"/>
               </a:rPr>
               <a:t>的目标</a:t>
             </a:r>
+            <a:endParaRPr kumimoji="1" lang="zh-CN" altLang="en-US" sz="4000" b="1" dirty="0">
+              <a:solidFill>
+                <a:srgbClr val="000000"/>
+              </a:solidFill>
+              <a:latin typeface="Arial" panose="02080604020202020204" pitchFamily="34" charset="0"/>
+              <a:ea typeface="黑体" pitchFamily="2" charset="-122"/>
+            </a:endParaRPr>
           </a:p>
         </p:txBody>
       </p:sp>
@@ -37379,7 +38185,7 @@
                 <a:srgbClr val="0000FF"/>
               </a:buClr>
               <a:buSzPct val="85000"/>
-              <a:buFont typeface="Wingdings" pitchFamily="2" charset="2"/>
+              <a:buFont typeface="Wingdings" panose="05000000000000000000" pitchFamily="2" charset="2"/>
               <a:buChar char="n"/>
             </a:pPr>
             <a:r>
@@ -37399,6 +38205,10 @@
               </a:rPr>
               <a:t>方便性</a:t>
             </a:r>
+            <a:endParaRPr kumimoji="1" lang="zh-CN" altLang="en-US" sz="2800" b="1" dirty="0">
+              <a:latin typeface="楷体_GB2312" pitchFamily="49" charset="-122"/>
+              <a:ea typeface="楷体_GB2312" pitchFamily="49" charset="-122"/>
+            </a:endParaRPr>
           </a:p>
           <a:p>
             <a:pPr fontAlgn="base">
@@ -37412,7 +38222,7 @@
                 <a:srgbClr val="0000FF"/>
               </a:buClr>
               <a:buSzPct val="85000"/>
-              <a:buFont typeface="Wingdings" pitchFamily="2" charset="2"/>
+              <a:buFont typeface="Wingdings" panose="05000000000000000000" pitchFamily="2" charset="2"/>
               <a:buChar char="n"/>
             </a:pPr>
             <a:r>
@@ -37435,6 +38245,13 @@
               </a:rPr>
               <a:t>有效性</a:t>
             </a:r>
+            <a:endParaRPr kumimoji="1" lang="zh-CN" altLang="en-US" sz="2800" b="1" dirty="0">
+              <a:solidFill>
+                <a:srgbClr val="FF0000"/>
+              </a:solidFill>
+              <a:latin typeface="楷体_GB2312" pitchFamily="49" charset="-122"/>
+              <a:ea typeface="楷体_GB2312" pitchFamily="49" charset="-122"/>
+            </a:endParaRPr>
           </a:p>
           <a:p>
             <a:pPr fontAlgn="base">
@@ -37448,7 +38265,7 @@
                 <a:srgbClr val="0000FF"/>
               </a:buClr>
               <a:buSzPct val="85000"/>
-              <a:buFont typeface="Wingdings" pitchFamily="2" charset="2"/>
+              <a:buFont typeface="Wingdings" panose="05000000000000000000" pitchFamily="2" charset="2"/>
               <a:buChar char="n"/>
             </a:pPr>
             <a:r>
@@ -37461,6 +38278,13 @@
               </a:rPr>
               <a:t> 可扩展性</a:t>
             </a:r>
+            <a:endParaRPr kumimoji="1" lang="zh-CN" altLang="en-US" sz="2800" b="1" dirty="0">
+              <a:solidFill>
+                <a:srgbClr val="000000"/>
+              </a:solidFill>
+              <a:latin typeface="楷体_GB2312" pitchFamily="49" charset="-122"/>
+              <a:ea typeface="楷体_GB2312" pitchFamily="49" charset="-122"/>
+            </a:endParaRPr>
           </a:p>
           <a:p>
             <a:pPr fontAlgn="base">
@@ -37474,7 +38298,7 @@
                 <a:srgbClr val="0000FF"/>
               </a:buClr>
               <a:buSzPct val="85000"/>
-              <a:buFont typeface="Wingdings" pitchFamily="2" charset="2"/>
+              <a:buFont typeface="Wingdings" panose="05000000000000000000" pitchFamily="2" charset="2"/>
               <a:buChar char="n"/>
             </a:pPr>
             <a:r>
@@ -37487,6 +38311,13 @@
               </a:rPr>
               <a:t> 开放性</a:t>
             </a:r>
+            <a:endParaRPr kumimoji="1" lang="zh-CN" altLang="en-US" sz="2800" b="1" dirty="0">
+              <a:solidFill>
+                <a:srgbClr val="000000"/>
+              </a:solidFill>
+              <a:latin typeface="楷体_GB2312" pitchFamily="49" charset="-122"/>
+              <a:ea typeface="楷体_GB2312" pitchFamily="49" charset="-122"/>
+            </a:endParaRPr>
           </a:p>
         </p:txBody>
       </p:sp>
@@ -37600,6 +38431,13 @@
               </a:rPr>
               <a:t>设备利用率</a:t>
             </a:r>
+            <a:endParaRPr kumimoji="1" lang="zh-CN" altLang="en-US" sz="2600" b="1" dirty="0">
+              <a:solidFill>
+                <a:schemeClr val="tx1"/>
+              </a:solidFill>
+              <a:latin typeface="楷体_GB2312" pitchFamily="49" charset="-122"/>
+              <a:ea typeface="楷体_GB2312" pitchFamily="49" charset="-122"/>
+            </a:endParaRPr>
           </a:p>
           <a:p>
             <a:pPr marL="457200" indent="-457200" fontAlgn="base">
@@ -37652,8 +38490,6 @@
               <a:schemeClr val="folHlink"/>
             </a:solidFill>
             <a:miter lim="800000"/>
-            <a:headEnd/>
-            <a:tailEnd/>
           </a:ln>
           <a:effectLst/>
           <a:extLst>
@@ -37719,15 +38555,17 @@
               </a:rPr>
               <a:t>的两个最重要的目标</a:t>
             </a:r>
+            <a:endParaRPr kumimoji="1" lang="zh-CN" altLang="en-US" sz="3200" b="1" dirty="0">
+              <a:solidFill>
+                <a:srgbClr val="FF0000"/>
+              </a:solidFill>
+              <a:latin typeface="Times New Roman" pitchFamily="18" charset="0"/>
+              <a:ea typeface="楷体_GB2312" pitchFamily="49" charset="-122"/>
+            </a:endParaRPr>
           </a:p>
         </p:txBody>
       </p:sp>
     </p:spTree>
-    <p:extLst>
-      <p:ext uri="{BB962C8B-B14F-4D97-AF65-F5344CB8AC3E}">
-        <p14:creationId xmlns:p14="http://schemas.microsoft.com/office/powerpoint/2010/main" val="1026111267"/>
-      </p:ext>
-    </p:extLst>
   </p:cSld>
   <p:clrMapOvr>
     <a:masterClrMapping/>
@@ -37870,6 +38708,9 @@
               </a:rPr>
               <a:t>的目标和作用</a:t>
             </a:r>
+            <a:endParaRPr lang="zh-CN" altLang="en-US" dirty="0">
+              <a:latin typeface="Times New Roman" pitchFamily="18" charset="0"/>
+            </a:endParaRPr>
           </a:p>
         </p:txBody>
       </p:sp>
@@ -37890,8 +38731,6 @@
           <a:p>
             <a:fld id="{F9CDA820-5481-4F2D-8942-31770B8C73A3}" type="slidenum">
               <a:rPr lang="en-US" altLang="zh-CN"/>
-              <a:pPr/>
-              <a:t>8</a:t>
             </a:fld>
             <a:endParaRPr lang="en-US" altLang="zh-CN"/>
           </a:p>
@@ -37966,7 +38805,7 @@
                 <a:solidFill>
                   <a:srgbClr val="000000"/>
                 </a:solidFill>
-                <a:latin typeface="Arial" charset="0"/>
+                <a:latin typeface="Arial" panose="02080604020202020204" pitchFamily="34" charset="0"/>
                 <a:ea typeface="黑体" pitchFamily="2" charset="-122"/>
               </a:rPr>
               <a:t>1.1.1   OS</a:t>
@@ -37976,11 +38815,18 @@
                 <a:solidFill>
                   <a:srgbClr val="000000"/>
                 </a:solidFill>
-                <a:latin typeface="Arial" charset="0"/>
+                <a:latin typeface="Arial" panose="02080604020202020204" pitchFamily="34" charset="0"/>
                 <a:ea typeface="黑体" pitchFamily="2" charset="-122"/>
               </a:rPr>
               <a:t>的目标</a:t>
             </a:r>
+            <a:endParaRPr kumimoji="1" lang="zh-CN" altLang="en-US" sz="4000" b="1" dirty="0">
+              <a:solidFill>
+                <a:srgbClr val="000000"/>
+              </a:solidFill>
+              <a:latin typeface="Arial" panose="02080604020202020204" pitchFamily="34" charset="0"/>
+              <a:ea typeface="黑体" pitchFamily="2" charset="-122"/>
+            </a:endParaRPr>
           </a:p>
         </p:txBody>
       </p:sp>
@@ -38051,7 +38897,7 @@
                 <a:srgbClr val="0000FF"/>
               </a:buClr>
               <a:buSzPct val="85000"/>
-              <a:buFont typeface="Wingdings" pitchFamily="2" charset="2"/>
+              <a:buFont typeface="Wingdings" panose="05000000000000000000" pitchFamily="2" charset="2"/>
               <a:buChar char="n"/>
             </a:pPr>
             <a:r>
@@ -38071,6 +38917,10 @@
               </a:rPr>
               <a:t>方便性</a:t>
             </a:r>
+            <a:endParaRPr kumimoji="1" lang="zh-CN" altLang="en-US" sz="2800" b="1" dirty="0">
+              <a:latin typeface="楷体_GB2312" pitchFamily="49" charset="-122"/>
+              <a:ea typeface="楷体_GB2312" pitchFamily="49" charset="-122"/>
+            </a:endParaRPr>
           </a:p>
           <a:p>
             <a:pPr fontAlgn="base">
@@ -38084,7 +38934,7 @@
                 <a:srgbClr val="0000FF"/>
               </a:buClr>
               <a:buSzPct val="85000"/>
-              <a:buFont typeface="Wingdings" pitchFamily="2" charset="2"/>
+              <a:buFont typeface="Wingdings" panose="05000000000000000000" pitchFamily="2" charset="2"/>
               <a:buChar char="n"/>
             </a:pPr>
             <a:r>
@@ -38104,6 +38954,10 @@
               </a:rPr>
               <a:t>有效性</a:t>
             </a:r>
+            <a:endParaRPr kumimoji="1" lang="zh-CN" altLang="en-US" sz="2800" b="1" dirty="0">
+              <a:latin typeface="楷体_GB2312" pitchFamily="49" charset="-122"/>
+              <a:ea typeface="楷体_GB2312" pitchFamily="49" charset="-122"/>
+            </a:endParaRPr>
           </a:p>
           <a:p>
             <a:pPr fontAlgn="base">
@@ -38117,7 +38971,7 @@
                 <a:srgbClr val="0000FF"/>
               </a:buClr>
               <a:buSzPct val="85000"/>
-              <a:buFont typeface="Wingdings" pitchFamily="2" charset="2"/>
+              <a:buFont typeface="Wingdings" panose="05000000000000000000" pitchFamily="2" charset="2"/>
               <a:buChar char="n"/>
             </a:pPr>
             <a:r>
@@ -38140,6 +38994,13 @@
               </a:rPr>
               <a:t>可扩展性</a:t>
             </a:r>
+            <a:endParaRPr kumimoji="1" lang="zh-CN" altLang="en-US" sz="2800" b="1" dirty="0">
+              <a:solidFill>
+                <a:srgbClr val="FF0000"/>
+              </a:solidFill>
+              <a:latin typeface="楷体_GB2312" pitchFamily="49" charset="-122"/>
+              <a:ea typeface="楷体_GB2312" pitchFamily="49" charset="-122"/>
+            </a:endParaRPr>
           </a:p>
           <a:p>
             <a:pPr fontAlgn="base">
@@ -38153,7 +39014,7 @@
                 <a:srgbClr val="0000FF"/>
               </a:buClr>
               <a:buSzPct val="85000"/>
-              <a:buFont typeface="Wingdings" pitchFamily="2" charset="2"/>
+              <a:buFont typeface="Wingdings" panose="05000000000000000000" pitchFamily="2" charset="2"/>
               <a:buChar char="n"/>
             </a:pPr>
             <a:r>
@@ -38166,6 +39027,13 @@
               </a:rPr>
               <a:t> 开放性</a:t>
             </a:r>
+            <a:endParaRPr kumimoji="1" lang="zh-CN" altLang="en-US" sz="2800" b="1" dirty="0">
+              <a:solidFill>
+                <a:srgbClr val="000000"/>
+              </a:solidFill>
+              <a:latin typeface="楷体_GB2312" pitchFamily="49" charset="-122"/>
+              <a:ea typeface="楷体_GB2312" pitchFamily="49" charset="-122"/>
+            </a:endParaRPr>
           </a:p>
         </p:txBody>
       </p:sp>
@@ -38452,15 +39320,16 @@
               </a:rPr>
               <a:t>模块化、层次化、微内核结构。</a:t>
             </a:r>
+            <a:endParaRPr kumimoji="1" lang="zh-CN" altLang="en-US" sz="2400" b="1" dirty="0">
+              <a:solidFill>
+                <a:schemeClr val="tx1"/>
+              </a:solidFill>
+              <a:ea typeface="楷体_GB2312" pitchFamily="49" charset="-122"/>
+            </a:endParaRPr>
           </a:p>
         </p:txBody>
       </p:sp>
     </p:spTree>
-    <p:extLst>
-      <p:ext uri="{BB962C8B-B14F-4D97-AF65-F5344CB8AC3E}">
-        <p14:creationId xmlns:p14="http://schemas.microsoft.com/office/powerpoint/2010/main" val="2226124485"/>
-      </p:ext>
-    </p:extLst>
   </p:cSld>
   <p:clrMapOvr>
     <a:masterClrMapping/>
@@ -38773,6 +39642,9 @@
               </a:rPr>
               <a:t>的目标和作用</a:t>
             </a:r>
+            <a:endParaRPr lang="zh-CN" altLang="en-US" dirty="0">
+              <a:latin typeface="Times New Roman" pitchFamily="18" charset="0"/>
+            </a:endParaRPr>
           </a:p>
         </p:txBody>
       </p:sp>
@@ -38793,8 +39665,6 @@
           <a:p>
             <a:fld id="{F9CDA820-5481-4F2D-8942-31770B8C73A3}" type="slidenum">
               <a:rPr lang="en-US" altLang="zh-CN"/>
-              <a:pPr/>
-              <a:t>9</a:t>
             </a:fld>
             <a:endParaRPr lang="en-US" altLang="zh-CN"/>
           </a:p>
@@ -38869,7 +39739,7 @@
                 <a:solidFill>
                   <a:srgbClr val="000000"/>
                 </a:solidFill>
-                <a:latin typeface="Arial" charset="0"/>
+                <a:latin typeface="Arial" panose="02080604020202020204" pitchFamily="34" charset="0"/>
                 <a:ea typeface="黑体" pitchFamily="2" charset="-122"/>
               </a:rPr>
               <a:t>1.1.1   OS</a:t>
@@ -38879,11 +39749,18 @@
                 <a:solidFill>
                   <a:srgbClr val="000000"/>
                 </a:solidFill>
-                <a:latin typeface="Arial" charset="0"/>
+                <a:latin typeface="Arial" panose="02080604020202020204" pitchFamily="34" charset="0"/>
                 <a:ea typeface="黑体" pitchFamily="2" charset="-122"/>
               </a:rPr>
               <a:t>的目标</a:t>
             </a:r>
+            <a:endParaRPr kumimoji="1" lang="zh-CN" altLang="en-US" sz="4000" b="1" dirty="0">
+              <a:solidFill>
+                <a:srgbClr val="000000"/>
+              </a:solidFill>
+              <a:latin typeface="Arial" panose="02080604020202020204" pitchFamily="34" charset="0"/>
+              <a:ea typeface="黑体" pitchFamily="2" charset="-122"/>
+            </a:endParaRPr>
           </a:p>
         </p:txBody>
       </p:sp>
@@ -38954,7 +39831,7 @@
                 <a:srgbClr val="0000FF"/>
               </a:buClr>
               <a:buSzPct val="85000"/>
-              <a:buFont typeface="Wingdings" pitchFamily="2" charset="2"/>
+              <a:buFont typeface="Wingdings" panose="05000000000000000000" pitchFamily="2" charset="2"/>
               <a:buChar char="n"/>
             </a:pPr>
             <a:r>
@@ -38974,6 +39851,10 @@
               </a:rPr>
               <a:t>方便性</a:t>
             </a:r>
+            <a:endParaRPr kumimoji="1" lang="zh-CN" altLang="en-US" sz="2800" b="1" dirty="0">
+              <a:latin typeface="楷体_GB2312" pitchFamily="49" charset="-122"/>
+              <a:ea typeface="楷体_GB2312" pitchFamily="49" charset="-122"/>
+            </a:endParaRPr>
           </a:p>
           <a:p>
             <a:pPr fontAlgn="base">
@@ -38987,7 +39868,7 @@
                 <a:srgbClr val="0000FF"/>
               </a:buClr>
               <a:buSzPct val="85000"/>
-              <a:buFont typeface="Wingdings" pitchFamily="2" charset="2"/>
+              <a:buFont typeface="Wingdings" panose="05000000000000000000" pitchFamily="2" charset="2"/>
               <a:buChar char="n"/>
             </a:pPr>
             <a:r>
@@ -39007,6 +39888,10 @@
               </a:rPr>
               <a:t>有效性</a:t>
             </a:r>
+            <a:endParaRPr kumimoji="1" lang="zh-CN" altLang="en-US" sz="2800" b="1" dirty="0">
+              <a:latin typeface="楷体_GB2312" pitchFamily="49" charset="-122"/>
+              <a:ea typeface="楷体_GB2312" pitchFamily="49" charset="-122"/>
+            </a:endParaRPr>
           </a:p>
           <a:p>
             <a:pPr fontAlgn="base">
@@ -39020,7 +39905,7 @@
                 <a:srgbClr val="0000FF"/>
               </a:buClr>
               <a:buSzPct val="85000"/>
-              <a:buFont typeface="Wingdings" pitchFamily="2" charset="2"/>
+              <a:buFont typeface="Wingdings" panose="05000000000000000000" pitchFamily="2" charset="2"/>
               <a:buChar char="n"/>
             </a:pPr>
             <a:r>
@@ -39040,6 +39925,10 @@
               </a:rPr>
               <a:t>可扩展性</a:t>
             </a:r>
+            <a:endParaRPr kumimoji="1" lang="zh-CN" altLang="en-US" sz="2800" b="1" dirty="0">
+              <a:latin typeface="楷体_GB2312" pitchFamily="49" charset="-122"/>
+              <a:ea typeface="楷体_GB2312" pitchFamily="49" charset="-122"/>
+            </a:endParaRPr>
           </a:p>
           <a:p>
             <a:pPr fontAlgn="base">
@@ -39053,7 +39942,7 @@
                 <a:srgbClr val="0000FF"/>
               </a:buClr>
               <a:buSzPct val="85000"/>
-              <a:buFont typeface="Wingdings" pitchFamily="2" charset="2"/>
+              <a:buFont typeface="Wingdings" panose="05000000000000000000" pitchFamily="2" charset="2"/>
               <a:buChar char="n"/>
             </a:pPr>
             <a:r>
@@ -39076,6 +39965,13 @@
               </a:rPr>
               <a:t>开放性</a:t>
             </a:r>
+            <a:endParaRPr kumimoji="1" lang="zh-CN" altLang="en-US" sz="2800" b="1" dirty="0">
+              <a:solidFill>
+                <a:srgbClr val="FF0000"/>
+              </a:solidFill>
+              <a:latin typeface="楷体_GB2312" pitchFamily="49" charset="-122"/>
+              <a:ea typeface="楷体_GB2312" pitchFamily="49" charset="-122"/>
+            </a:endParaRPr>
           </a:p>
         </p:txBody>
       </p:sp>
@@ -39270,11 +40166,6 @@
         </p:txBody>
       </p:sp>
     </p:spTree>
-    <p:extLst>
-      <p:ext uri="{BB962C8B-B14F-4D97-AF65-F5344CB8AC3E}">
-        <p14:creationId xmlns:p14="http://schemas.microsoft.com/office/powerpoint/2010/main" val="967498727"/>
-      </p:ext>
-    </p:extLst>
   </p:cSld>
   <p:clrMapOvr>
     <a:masterClrMapping/>
@@ -39709,7 +40600,10 @@
       </a:bgFillStyleLst>
     </a:fmtScheme>
   </a:themeElements>
-  <a:objectDefaults/>
-  <a:extraClrSchemeLst/>
+  <a:extLst>
+    <a:ext uri="{05A4C25C-085E-4340-85A3-A5531E510DB2}">
+      <thm15:themeFamily xmlns:thm15="http://schemas.microsoft.com/office/thememl/2012/main" name="Office Theme" id="{62F939B6-93AF-4DB8-9C6B-D6C7DFDC589F}" vid="{4A3C46E8-61CC-4603-A589-7422A47A8E4A}"/>
+    </a:ext>
+  </a:extLst>
 </a:theme>
 </file>